--- a/poject.pptx
+++ b/poject.pptx
@@ -7,6 +7,7 @@
   <p:sldIdLst>
     <p:sldId id="256" r:id="rId2"/>
     <p:sldId id="257" r:id="rId3"/>
+    <p:sldId id="258" r:id="rId4"/>
   </p:sldIdLst>
   <p:sldSz cx="12192000" cy="6858000"/>
   <p:notesSz cx="6858000" cy="9144000"/>
@@ -273,7 +274,7 @@
           <a:p>
             <a:fld id="{D1A5A9CC-028A-4668-9402-8AF1101129FF}" type="datetimeFigureOut">
               <a:rPr lang="it-IT" smtClean="0"/>
-              <a:t>30/01/2026</a:t>
+              <a:t>01/02/2026</a:t>
             </a:fld>
             <a:endParaRPr lang="it-IT"/>
           </a:p>
@@ -327,7 +328,7 @@
           <a:p>
             <a:fld id="{910F40B5-F0D0-4F17-84D3-3EA483FF7AEC}" type="slidenum">
               <a:rPr lang="it-IT" smtClean="0"/>
-              <a:t>‹#›</a:t>
+              <a:t>‹N›</a:t>
             </a:fld>
             <a:endParaRPr lang="it-IT"/>
           </a:p>
@@ -473,7 +474,7 @@
           <a:p>
             <a:fld id="{D1A5A9CC-028A-4668-9402-8AF1101129FF}" type="datetimeFigureOut">
               <a:rPr lang="it-IT" smtClean="0"/>
-              <a:t>30/01/2026</a:t>
+              <a:t>01/02/2026</a:t>
             </a:fld>
             <a:endParaRPr lang="it-IT"/>
           </a:p>
@@ -527,7 +528,7 @@
           <a:p>
             <a:fld id="{910F40B5-F0D0-4F17-84D3-3EA483FF7AEC}" type="slidenum">
               <a:rPr lang="it-IT" smtClean="0"/>
-              <a:t>‹#›</a:t>
+              <a:t>‹N›</a:t>
             </a:fld>
             <a:endParaRPr lang="it-IT"/>
           </a:p>
@@ -683,7 +684,7 @@
           <a:p>
             <a:fld id="{D1A5A9CC-028A-4668-9402-8AF1101129FF}" type="datetimeFigureOut">
               <a:rPr lang="it-IT" smtClean="0"/>
-              <a:t>30/01/2026</a:t>
+              <a:t>01/02/2026</a:t>
             </a:fld>
             <a:endParaRPr lang="it-IT"/>
           </a:p>
@@ -737,7 +738,7 @@
           <a:p>
             <a:fld id="{910F40B5-F0D0-4F17-84D3-3EA483FF7AEC}" type="slidenum">
               <a:rPr lang="it-IT" smtClean="0"/>
-              <a:t>‹#›</a:t>
+              <a:t>‹N›</a:t>
             </a:fld>
             <a:endParaRPr lang="it-IT"/>
           </a:p>
@@ -883,7 +884,7 @@
           <a:p>
             <a:fld id="{D1A5A9CC-028A-4668-9402-8AF1101129FF}" type="datetimeFigureOut">
               <a:rPr lang="it-IT" smtClean="0"/>
-              <a:t>30/01/2026</a:t>
+              <a:t>01/02/2026</a:t>
             </a:fld>
             <a:endParaRPr lang="it-IT"/>
           </a:p>
@@ -937,7 +938,7 @@
           <a:p>
             <a:fld id="{910F40B5-F0D0-4F17-84D3-3EA483FF7AEC}" type="slidenum">
               <a:rPr lang="it-IT" smtClean="0"/>
-              <a:t>‹#›</a:t>
+              <a:t>‹N›</a:t>
             </a:fld>
             <a:endParaRPr lang="it-IT"/>
           </a:p>
@@ -1159,7 +1160,7 @@
           <a:p>
             <a:fld id="{D1A5A9CC-028A-4668-9402-8AF1101129FF}" type="datetimeFigureOut">
               <a:rPr lang="it-IT" smtClean="0"/>
-              <a:t>30/01/2026</a:t>
+              <a:t>01/02/2026</a:t>
             </a:fld>
             <a:endParaRPr lang="it-IT"/>
           </a:p>
@@ -1213,7 +1214,7 @@
           <a:p>
             <a:fld id="{910F40B5-F0D0-4F17-84D3-3EA483FF7AEC}" type="slidenum">
               <a:rPr lang="it-IT" smtClean="0"/>
-              <a:t>‹#›</a:t>
+              <a:t>‹N›</a:t>
             </a:fld>
             <a:endParaRPr lang="it-IT"/>
           </a:p>
@@ -1427,7 +1428,7 @@
           <a:p>
             <a:fld id="{D1A5A9CC-028A-4668-9402-8AF1101129FF}" type="datetimeFigureOut">
               <a:rPr lang="it-IT" smtClean="0"/>
-              <a:t>30/01/2026</a:t>
+              <a:t>01/02/2026</a:t>
             </a:fld>
             <a:endParaRPr lang="it-IT"/>
           </a:p>
@@ -1481,7 +1482,7 @@
           <a:p>
             <a:fld id="{910F40B5-F0D0-4F17-84D3-3EA483FF7AEC}" type="slidenum">
               <a:rPr lang="it-IT" smtClean="0"/>
-              <a:t>‹#›</a:t>
+              <a:t>‹N›</a:t>
             </a:fld>
             <a:endParaRPr lang="it-IT"/>
           </a:p>
@@ -1842,7 +1843,7 @@
           <a:p>
             <a:fld id="{D1A5A9CC-028A-4668-9402-8AF1101129FF}" type="datetimeFigureOut">
               <a:rPr lang="it-IT" smtClean="0"/>
-              <a:t>30/01/2026</a:t>
+              <a:t>01/02/2026</a:t>
             </a:fld>
             <a:endParaRPr lang="it-IT"/>
           </a:p>
@@ -1896,7 +1897,7 @@
           <a:p>
             <a:fld id="{910F40B5-F0D0-4F17-84D3-3EA483FF7AEC}" type="slidenum">
               <a:rPr lang="it-IT" smtClean="0"/>
-              <a:t>‹#›</a:t>
+              <a:t>‹N›</a:t>
             </a:fld>
             <a:endParaRPr lang="it-IT"/>
           </a:p>
@@ -1984,7 +1985,7 @@
           <a:p>
             <a:fld id="{D1A5A9CC-028A-4668-9402-8AF1101129FF}" type="datetimeFigureOut">
               <a:rPr lang="it-IT" smtClean="0"/>
-              <a:t>30/01/2026</a:t>
+              <a:t>01/02/2026</a:t>
             </a:fld>
             <a:endParaRPr lang="it-IT"/>
           </a:p>
@@ -2038,7 +2039,7 @@
           <a:p>
             <a:fld id="{910F40B5-F0D0-4F17-84D3-3EA483FF7AEC}" type="slidenum">
               <a:rPr lang="it-IT" smtClean="0"/>
-              <a:t>‹#›</a:t>
+              <a:t>‹N›</a:t>
             </a:fld>
             <a:endParaRPr lang="it-IT"/>
           </a:p>
@@ -2097,7 +2098,7 @@
           <a:p>
             <a:fld id="{D1A5A9CC-028A-4668-9402-8AF1101129FF}" type="datetimeFigureOut">
               <a:rPr lang="it-IT" smtClean="0"/>
-              <a:t>30/01/2026</a:t>
+              <a:t>01/02/2026</a:t>
             </a:fld>
             <a:endParaRPr lang="it-IT"/>
           </a:p>
@@ -2151,7 +2152,7 @@
           <a:p>
             <a:fld id="{910F40B5-F0D0-4F17-84D3-3EA483FF7AEC}" type="slidenum">
               <a:rPr lang="it-IT" smtClean="0"/>
-              <a:t>‹#›</a:t>
+              <a:t>‹N›</a:t>
             </a:fld>
             <a:endParaRPr lang="it-IT"/>
           </a:p>
@@ -2410,7 +2411,7 @@
           <a:p>
             <a:fld id="{D1A5A9CC-028A-4668-9402-8AF1101129FF}" type="datetimeFigureOut">
               <a:rPr lang="it-IT" smtClean="0"/>
-              <a:t>30/01/2026</a:t>
+              <a:t>01/02/2026</a:t>
             </a:fld>
             <a:endParaRPr lang="it-IT"/>
           </a:p>
@@ -2464,7 +2465,7 @@
           <a:p>
             <a:fld id="{910F40B5-F0D0-4F17-84D3-3EA483FF7AEC}" type="slidenum">
               <a:rPr lang="it-IT" smtClean="0"/>
-              <a:t>‹#›</a:t>
+              <a:t>‹N›</a:t>
             </a:fld>
             <a:endParaRPr lang="it-IT"/>
           </a:p>
@@ -2699,7 +2700,7 @@
           <a:p>
             <a:fld id="{D1A5A9CC-028A-4668-9402-8AF1101129FF}" type="datetimeFigureOut">
               <a:rPr lang="it-IT" smtClean="0"/>
-              <a:t>30/01/2026</a:t>
+              <a:t>01/02/2026</a:t>
             </a:fld>
             <a:endParaRPr lang="it-IT"/>
           </a:p>
@@ -2753,7 +2754,7 @@
           <a:p>
             <a:fld id="{910F40B5-F0D0-4F17-84D3-3EA483FF7AEC}" type="slidenum">
               <a:rPr lang="it-IT" smtClean="0"/>
-              <a:t>‹#›</a:t>
+              <a:t>‹N›</a:t>
             </a:fld>
             <a:endParaRPr lang="it-IT"/>
           </a:p>
@@ -2942,7 +2943,7 @@
           <a:p>
             <a:fld id="{D1A5A9CC-028A-4668-9402-8AF1101129FF}" type="datetimeFigureOut">
               <a:rPr lang="it-IT" smtClean="0"/>
-              <a:t>30/01/2026</a:t>
+              <a:t>01/02/2026</a:t>
             </a:fld>
             <a:endParaRPr lang="it-IT"/>
           </a:p>
@@ -3032,7 +3033,7 @@
           <a:p>
             <a:fld id="{910F40B5-F0D0-4F17-84D3-3EA483FF7AEC}" type="slidenum">
               <a:rPr lang="it-IT" smtClean="0"/>
-              <a:t>‹#›</a:t>
+              <a:t>‹N›</a:t>
             </a:fld>
             <a:endParaRPr lang="it-IT"/>
           </a:p>
@@ -3375,12 +3376,27 @@
             <p:ph type="ctrTitle"/>
           </p:nvPr>
         </p:nvSpPr>
-        <p:spPr/>
-        <p:txBody>
-          <a:bodyPr/>
+        <p:spPr>
+          <a:xfrm>
+            <a:off x="1415845" y="1956618"/>
+            <a:ext cx="6440129" cy="1130557"/>
+          </a:xfrm>
+        </p:spPr>
+        <p:txBody>
+          <a:bodyPr>
+            <a:normAutofit fontScale="90000"/>
+          </a:bodyPr>
           <a:lstStyle/>
           <a:p>
-            <a:endParaRPr lang="it-IT"/>
+            <a:r>
+              <a:rPr lang="it-IT" dirty="0"/>
+              <a:t>ADC </a:t>
+            </a:r>
+            <a:r>
+              <a:rPr lang="it-IT" dirty="0" err="1"/>
+              <a:t>Characterization</a:t>
+            </a:r>
+            <a:endParaRPr lang="it-IT" dirty="0"/>
           </a:p>
         </p:txBody>
       </p:sp>
@@ -3400,12 +3416,30 @@
             <p:ph type="subTitle" idx="1"/>
           </p:nvPr>
         </p:nvSpPr>
-        <p:spPr/>
-        <p:txBody>
-          <a:bodyPr/>
+        <p:spPr>
+          <a:xfrm>
+            <a:off x="1415845" y="3697903"/>
+            <a:ext cx="9144000" cy="1655762"/>
+          </a:xfrm>
+        </p:spPr>
+        <p:txBody>
+          <a:bodyPr>
+            <a:normAutofit/>
+          </a:bodyPr>
           <a:lstStyle/>
           <a:p>
-            <a:endParaRPr lang="it-IT"/>
+            <a:pPr algn="l"/>
+            <a:r>
+              <a:rPr lang="it-IT" sz="1600" dirty="0"/>
+              <a:t>Michela Conti</a:t>
+            </a:r>
+          </a:p>
+          <a:p>
+            <a:pPr algn="l"/>
+            <a:r>
+              <a:rPr lang="it-IT" sz="1600" dirty="0"/>
+              <a:t>Maria Cristina Ragusa</a:t>
+            </a:r>
           </a:p>
         </p:txBody>
       </p:sp>
@@ -5904,7 +5938,7 @@
         </p:nvGrpSpPr>
         <p:grpSpPr>
           <a:xfrm>
-            <a:off x="7735561" y="4433137"/>
+            <a:off x="7751282" y="4290917"/>
             <a:ext cx="4229641" cy="2474698"/>
             <a:chOff x="8781275" y="4433137"/>
             <a:chExt cx="2411733" cy="2072397"/>
@@ -6387,6 +6421,943 @@
     <p:extLst>
       <p:ext uri="{BB962C8B-B14F-4D97-AF65-F5344CB8AC3E}">
         <p14:creationId xmlns:p14="http://schemas.microsoft.com/office/powerpoint/2010/main" val="3925954081"/>
+      </p:ext>
+    </p:extLst>
+  </p:cSld>
+  <p:clrMapOvr>
+    <a:masterClrMapping/>
+  </p:clrMapOvr>
+</p:sld>
+</file>
+
+<file path=ppt/slides/slide3.xml><?xml version="1.0" encoding="utf-8"?>
+<p:sld xmlns:a="http://schemas.openxmlformats.org/drawingml/2006/main" xmlns:r="http://schemas.openxmlformats.org/officeDocument/2006/relationships" xmlns:p="http://schemas.openxmlformats.org/presentationml/2006/main">
+  <p:cSld>
+    <p:spTree>
+      <p:nvGrpSpPr>
+        <p:cNvPr id="1" name=""/>
+        <p:cNvGrpSpPr/>
+        <p:nvPr/>
+      </p:nvGrpSpPr>
+      <p:grpSpPr>
+        <a:xfrm>
+          <a:off x="0" y="0"/>
+          <a:ext cx="0" cy="0"/>
+          <a:chOff x="0" y="0"/>
+          <a:chExt cx="0" cy="0"/>
+        </a:xfrm>
+      </p:grpSpPr>
+      <p:sp>
+        <p:nvSpPr>
+          <p:cNvPr id="2" name="Titolo 1">
+            <a:extLst>
+              <a:ext uri="{FF2B5EF4-FFF2-40B4-BE49-F238E27FC236}">
+                <a16:creationId xmlns:a16="http://schemas.microsoft.com/office/drawing/2014/main" id="{0D13651E-E6EE-0137-3B70-7225A42264BF}"/>
+              </a:ext>
+            </a:extLst>
+          </p:cNvPr>
+          <p:cNvSpPr>
+            <a:spLocks noGrp="1"/>
+          </p:cNvSpPr>
+          <p:nvPr>
+            <p:ph type="title"/>
+          </p:nvPr>
+        </p:nvSpPr>
+        <p:spPr/>
+        <p:txBody>
+          <a:bodyPr/>
+          <a:lstStyle/>
+          <a:p>
+            <a:r>
+              <a:rPr lang="it-IT" dirty="0"/>
+              <a:t>FIFO</a:t>
+            </a:r>
+          </a:p>
+        </p:txBody>
+      </p:sp>
+      <p:grpSp>
+        <p:nvGrpSpPr>
+          <p:cNvPr id="4" name="Group 24">
+            <a:extLst>
+              <a:ext uri="{FF2B5EF4-FFF2-40B4-BE49-F238E27FC236}">
+                <a16:creationId xmlns:a16="http://schemas.microsoft.com/office/drawing/2014/main" id="{ABE9A998-B83C-2440-2E6E-184EE542546E}"/>
+              </a:ext>
+            </a:extLst>
+          </p:cNvPr>
+          <p:cNvGrpSpPr/>
+          <p:nvPr/>
+        </p:nvGrpSpPr>
+        <p:grpSpPr>
+          <a:xfrm>
+            <a:off x="2806946" y="2178299"/>
+            <a:ext cx="2213714" cy="1735016"/>
+            <a:chOff x="4071814" y="2915138"/>
+            <a:chExt cx="2213714" cy="1735016"/>
+          </a:xfrm>
+        </p:grpSpPr>
+        <p:sp>
+          <p:nvSpPr>
+            <p:cNvPr id="5" name="Rectangle 25">
+              <a:extLst>
+                <a:ext uri="{FF2B5EF4-FFF2-40B4-BE49-F238E27FC236}">
+                  <a16:creationId xmlns:a16="http://schemas.microsoft.com/office/drawing/2014/main" id="{B444B866-8FA6-1970-6EBA-A3980A7EA834}"/>
+                </a:ext>
+              </a:extLst>
+            </p:cNvPr>
+            <p:cNvSpPr/>
+            <p:nvPr/>
+          </p:nvSpPr>
+          <p:spPr>
+            <a:xfrm>
+              <a:off x="4071815" y="2915138"/>
+              <a:ext cx="1953847" cy="1735016"/>
+            </a:xfrm>
+            <a:prstGeom prst="rect">
+              <a:avLst/>
+            </a:prstGeom>
+            <a:noFill/>
+          </p:spPr>
+          <p:style>
+            <a:lnRef idx="2">
+              <a:schemeClr val="accent1">
+                <a:shade val="15000"/>
+              </a:schemeClr>
+            </a:lnRef>
+            <a:fillRef idx="1">
+              <a:schemeClr val="accent1"/>
+            </a:fillRef>
+            <a:effectRef idx="0">
+              <a:schemeClr val="accent1"/>
+            </a:effectRef>
+            <a:fontRef idx="minor">
+              <a:schemeClr val="lt1"/>
+            </a:fontRef>
+          </p:style>
+          <p:txBody>
+            <a:bodyPr rtlCol="0" anchor="ctr"/>
+            <a:lstStyle/>
+            <a:p>
+              <a:pPr algn="ctr"/>
+              <a:endParaRPr lang="it-IT"/>
+            </a:p>
+          </p:txBody>
+        </p:sp>
+        <p:sp>
+          <p:nvSpPr>
+            <p:cNvPr id="6" name="TextBox 26">
+              <a:extLst>
+                <a:ext uri="{FF2B5EF4-FFF2-40B4-BE49-F238E27FC236}">
+                  <a16:creationId xmlns:a16="http://schemas.microsoft.com/office/drawing/2014/main" id="{30F7808E-EE2C-61AF-D66C-ACA5E0B4D6B5}"/>
+                </a:ext>
+              </a:extLst>
+            </p:cNvPr>
+            <p:cNvSpPr txBox="1"/>
+            <p:nvPr/>
+          </p:nvSpPr>
+          <p:spPr>
+            <a:xfrm>
+              <a:off x="4095372" y="2927125"/>
+              <a:ext cx="1911692" cy="307777"/>
+            </a:xfrm>
+            <a:prstGeom prst="rect">
+              <a:avLst/>
+            </a:prstGeom>
+            <a:noFill/>
+          </p:spPr>
+          <p:txBody>
+            <a:bodyPr wrap="square" rtlCol="0">
+              <a:spAutoFit/>
+            </a:bodyPr>
+            <a:lstStyle/>
+            <a:p>
+              <a:r>
+                <a:rPr lang="it-IT" sz="1400" dirty="0">
+                  <a:latin typeface="Helvetica" panose="020B0604020202020204" pitchFamily="34" charset="0"/>
+                  <a:cs typeface="Helvetica" panose="020B0604020202020204" pitchFamily="34" charset="0"/>
+                </a:rPr>
+                <a:t>FIFOwidth10_depth?</a:t>
+              </a:r>
+            </a:p>
+          </p:txBody>
+        </p:sp>
+        <p:sp>
+          <p:nvSpPr>
+            <p:cNvPr id="7" name="Isosceles Triangle 27">
+              <a:extLst>
+                <a:ext uri="{FF2B5EF4-FFF2-40B4-BE49-F238E27FC236}">
+                  <a16:creationId xmlns:a16="http://schemas.microsoft.com/office/drawing/2014/main" id="{B9B63094-48A4-233A-EC7D-225C2D82795D}"/>
+                </a:ext>
+              </a:extLst>
+            </p:cNvPr>
+            <p:cNvSpPr/>
+            <p:nvPr/>
+          </p:nvSpPr>
+          <p:spPr>
+            <a:xfrm rot="5400000">
+              <a:off x="4045487" y="4258990"/>
+              <a:ext cx="275670" cy="223016"/>
+            </a:xfrm>
+            <a:prstGeom prst="triangle">
+              <a:avLst/>
+            </a:prstGeom>
+            <a:noFill/>
+            <a:ln>
+              <a:solidFill>
+                <a:schemeClr val="tx1"/>
+              </a:solidFill>
+            </a:ln>
+          </p:spPr>
+          <p:style>
+            <a:lnRef idx="2">
+              <a:schemeClr val="accent1">
+                <a:shade val="15000"/>
+              </a:schemeClr>
+            </a:lnRef>
+            <a:fillRef idx="1">
+              <a:schemeClr val="accent1"/>
+            </a:fillRef>
+            <a:effectRef idx="0">
+              <a:schemeClr val="accent1"/>
+            </a:effectRef>
+            <a:fontRef idx="minor">
+              <a:schemeClr val="lt1"/>
+            </a:fontRef>
+          </p:style>
+          <p:txBody>
+            <a:bodyPr rtlCol="0" anchor="ctr"/>
+            <a:lstStyle/>
+            <a:p>
+              <a:pPr algn="ctr"/>
+              <a:endParaRPr lang="it-IT"/>
+            </a:p>
+          </p:txBody>
+        </p:sp>
+        <p:sp>
+          <p:nvSpPr>
+            <p:cNvPr id="8" name="TextBox 28">
+              <a:extLst>
+                <a:ext uri="{FF2B5EF4-FFF2-40B4-BE49-F238E27FC236}">
+                  <a16:creationId xmlns:a16="http://schemas.microsoft.com/office/drawing/2014/main" id="{2A7666D6-6081-E06B-4F1C-5117245DC413}"/>
+                </a:ext>
+              </a:extLst>
+            </p:cNvPr>
+            <p:cNvSpPr txBox="1"/>
+            <p:nvPr/>
+          </p:nvSpPr>
+          <p:spPr>
+            <a:xfrm>
+              <a:off x="4276697" y="4231334"/>
+              <a:ext cx="401086" cy="276999"/>
+            </a:xfrm>
+            <a:prstGeom prst="rect">
+              <a:avLst/>
+            </a:prstGeom>
+            <a:noFill/>
+          </p:spPr>
+          <p:txBody>
+            <a:bodyPr wrap="square" rtlCol="0">
+              <a:spAutoFit/>
+            </a:bodyPr>
+            <a:lstStyle/>
+            <a:p>
+              <a:r>
+                <a:rPr lang="it-IT" sz="1200" dirty="0" err="1">
+                  <a:latin typeface="Helvetica" panose="020B0604020202020204" pitchFamily="34" charset="0"/>
+                  <a:cs typeface="Helvetica" panose="020B0604020202020204" pitchFamily="34" charset="0"/>
+                </a:rPr>
+                <a:t>clk</a:t>
+              </a:r>
+              <a:endParaRPr lang="it-IT" sz="1200" dirty="0">
+                <a:latin typeface="Helvetica" panose="020B0604020202020204" pitchFamily="34" charset="0"/>
+                <a:cs typeface="Helvetica" panose="020B0604020202020204" pitchFamily="34" charset="0"/>
+              </a:endParaRPr>
+            </a:p>
+          </p:txBody>
+        </p:sp>
+        <p:sp>
+          <p:nvSpPr>
+            <p:cNvPr id="9" name="TextBox 29">
+              <a:extLst>
+                <a:ext uri="{FF2B5EF4-FFF2-40B4-BE49-F238E27FC236}">
+                  <a16:creationId xmlns:a16="http://schemas.microsoft.com/office/drawing/2014/main" id="{B0D05F17-968F-F662-8195-53FF44099F20}"/>
+                </a:ext>
+              </a:extLst>
+            </p:cNvPr>
+            <p:cNvSpPr txBox="1"/>
+            <p:nvPr/>
+          </p:nvSpPr>
+          <p:spPr>
+            <a:xfrm>
+              <a:off x="4086436" y="3699411"/>
+              <a:ext cx="840053" cy="461665"/>
+            </a:xfrm>
+            <a:prstGeom prst="rect">
+              <a:avLst/>
+            </a:prstGeom>
+            <a:noFill/>
+          </p:spPr>
+          <p:txBody>
+            <a:bodyPr wrap="square" rtlCol="0">
+              <a:spAutoFit/>
+            </a:bodyPr>
+            <a:lstStyle/>
+            <a:p>
+              <a:r>
+                <a:rPr lang="it-IT" sz="1200" dirty="0" err="1">
+                  <a:latin typeface="Helvetica" panose="020B0604020202020204" pitchFamily="34" charset="0"/>
+                  <a:cs typeface="Helvetica" panose="020B0604020202020204" pitchFamily="34" charset="0"/>
+                </a:rPr>
+                <a:t>wr_en</a:t>
+              </a:r>
+              <a:endParaRPr lang="it-IT" sz="1200" dirty="0">
+                <a:latin typeface="Helvetica" panose="020B0604020202020204" pitchFamily="34" charset="0"/>
+                <a:cs typeface="Helvetica" panose="020B0604020202020204" pitchFamily="34" charset="0"/>
+              </a:endParaRPr>
+            </a:p>
+            <a:p>
+              <a:r>
+                <a:rPr lang="it-IT" sz="1200" dirty="0" err="1">
+                  <a:latin typeface="Helvetica" panose="020B0604020202020204" pitchFamily="34" charset="0"/>
+                  <a:cs typeface="Helvetica" panose="020B0604020202020204" pitchFamily="34" charset="0"/>
+                </a:rPr>
+                <a:t>w_data</a:t>
+              </a:r>
+              <a:endParaRPr lang="it-IT" sz="1200" dirty="0">
+                <a:latin typeface="Helvetica" panose="020B0604020202020204" pitchFamily="34" charset="0"/>
+                <a:cs typeface="Helvetica" panose="020B0604020202020204" pitchFamily="34" charset="0"/>
+              </a:endParaRPr>
+            </a:p>
+          </p:txBody>
+        </p:sp>
+        <p:sp>
+          <p:nvSpPr>
+            <p:cNvPr id="10" name="TextBox 30">
+              <a:extLst>
+                <a:ext uri="{FF2B5EF4-FFF2-40B4-BE49-F238E27FC236}">
+                  <a16:creationId xmlns:a16="http://schemas.microsoft.com/office/drawing/2014/main" id="{C318B011-0C6D-CD1E-32CC-981AE56E5F96}"/>
+                </a:ext>
+              </a:extLst>
+            </p:cNvPr>
+            <p:cNvSpPr txBox="1"/>
+            <p:nvPr/>
+          </p:nvSpPr>
+          <p:spPr>
+            <a:xfrm>
+              <a:off x="5368969" y="3369839"/>
+              <a:ext cx="916559" cy="830997"/>
+            </a:xfrm>
+            <a:prstGeom prst="rect">
+              <a:avLst/>
+            </a:prstGeom>
+            <a:noFill/>
+          </p:spPr>
+          <p:txBody>
+            <a:bodyPr wrap="square" rtlCol="0">
+              <a:spAutoFit/>
+            </a:bodyPr>
+            <a:lstStyle/>
+            <a:p>
+              <a:r>
+                <a:rPr lang="it-IT" sz="1200" dirty="0" err="1">
+                  <a:latin typeface="Helvetica" panose="020B0604020202020204" pitchFamily="34" charset="0"/>
+                  <a:cs typeface="Helvetica" panose="020B0604020202020204" pitchFamily="34" charset="0"/>
+                </a:rPr>
+                <a:t>r_data</a:t>
+              </a:r>
+              <a:endParaRPr lang="it-IT" sz="1200" dirty="0">
+                <a:latin typeface="Helvetica" panose="020B0604020202020204" pitchFamily="34" charset="0"/>
+                <a:cs typeface="Helvetica" panose="020B0604020202020204" pitchFamily="34" charset="0"/>
+              </a:endParaRPr>
+            </a:p>
+            <a:p>
+              <a:r>
+                <a:rPr lang="it-IT" sz="1200" dirty="0" err="1">
+                  <a:latin typeface="Helvetica" panose="020B0604020202020204" pitchFamily="34" charset="0"/>
+                  <a:cs typeface="Helvetica" panose="020B0604020202020204" pitchFamily="34" charset="0"/>
+                </a:rPr>
+                <a:t>rd_en</a:t>
+              </a:r>
+              <a:endParaRPr lang="it-IT" sz="1200" dirty="0">
+                <a:latin typeface="Helvetica" panose="020B0604020202020204" pitchFamily="34" charset="0"/>
+                <a:cs typeface="Helvetica" panose="020B0604020202020204" pitchFamily="34" charset="0"/>
+              </a:endParaRPr>
+            </a:p>
+            <a:p>
+              <a:r>
+                <a:rPr lang="it-IT" sz="1200" dirty="0">
+                  <a:latin typeface="Helvetica" panose="020B0604020202020204" pitchFamily="34" charset="0"/>
+                  <a:cs typeface="Helvetica" panose="020B0604020202020204" pitchFamily="34" charset="0"/>
+                </a:rPr>
+                <a:t>full</a:t>
+              </a:r>
+            </a:p>
+            <a:p>
+              <a:r>
+                <a:rPr lang="it-IT" sz="1200" dirty="0" err="1">
+                  <a:latin typeface="Helvetica" panose="020B0604020202020204" pitchFamily="34" charset="0"/>
+                  <a:cs typeface="Helvetica" panose="020B0604020202020204" pitchFamily="34" charset="0"/>
+                </a:rPr>
+                <a:t>empty</a:t>
+              </a:r>
+              <a:endParaRPr lang="it-IT" sz="1200" dirty="0">
+                <a:latin typeface="Helvetica" panose="020B0604020202020204" pitchFamily="34" charset="0"/>
+                <a:cs typeface="Helvetica" panose="020B0604020202020204" pitchFamily="34" charset="0"/>
+              </a:endParaRPr>
+            </a:p>
+          </p:txBody>
+        </p:sp>
+      </p:grpSp>
+      <p:sp>
+        <p:nvSpPr>
+          <p:cNvPr id="11" name="CasellaDiTesto 10">
+            <a:extLst>
+              <a:ext uri="{FF2B5EF4-FFF2-40B4-BE49-F238E27FC236}">
+                <a16:creationId xmlns:a16="http://schemas.microsoft.com/office/drawing/2014/main" id="{3B4AF853-554C-80BB-D7B2-048915E639A3}"/>
+              </a:ext>
+            </a:extLst>
+          </p:cNvPr>
+          <p:cNvSpPr txBox="1"/>
+          <p:nvPr/>
+        </p:nvSpPr>
+        <p:spPr>
+          <a:xfrm>
+            <a:off x="2918454" y="4008492"/>
+            <a:ext cx="1781065" cy="369332"/>
+          </a:xfrm>
+          <a:prstGeom prst="rect">
+            <a:avLst/>
+          </a:prstGeom>
+          <a:noFill/>
+        </p:spPr>
+        <p:txBody>
+          <a:bodyPr wrap="none" rtlCol="0">
+            <a:spAutoFit/>
+          </a:bodyPr>
+          <a:lstStyle/>
+          <a:p>
+            <a:r>
+              <a:rPr lang="it-IT" dirty="0"/>
+              <a:t>Central Memory</a:t>
+            </a:r>
+          </a:p>
+        </p:txBody>
+      </p:sp>
+      <p:sp>
+        <p:nvSpPr>
+          <p:cNvPr id="15" name="CasellaDiTesto 14">
+            <a:extLst>
+              <a:ext uri="{FF2B5EF4-FFF2-40B4-BE49-F238E27FC236}">
+                <a16:creationId xmlns:a16="http://schemas.microsoft.com/office/drawing/2014/main" id="{D0A91A11-E26B-8B9D-E8FC-05180BBD914B}"/>
+              </a:ext>
+            </a:extLst>
+          </p:cNvPr>
+          <p:cNvSpPr txBox="1"/>
+          <p:nvPr/>
+        </p:nvSpPr>
+        <p:spPr>
+          <a:xfrm>
+            <a:off x="785207" y="2676475"/>
+            <a:ext cx="750462" cy="369332"/>
+          </a:xfrm>
+          <a:prstGeom prst="rect">
+            <a:avLst/>
+          </a:prstGeom>
+          <a:noFill/>
+        </p:spPr>
+        <p:txBody>
+          <a:bodyPr wrap="none" rtlCol="0">
+            <a:spAutoFit/>
+          </a:bodyPr>
+          <a:lstStyle/>
+          <a:p>
+            <a:r>
+              <a:rPr lang="it-IT" dirty="0" err="1"/>
+              <a:t>WrPtr</a:t>
+            </a:r>
+            <a:endParaRPr lang="it-IT" dirty="0"/>
+          </a:p>
+        </p:txBody>
+      </p:sp>
+      <p:sp>
+        <p:nvSpPr>
+          <p:cNvPr id="16" name="CasellaDiTesto 15">
+            <a:extLst>
+              <a:ext uri="{FF2B5EF4-FFF2-40B4-BE49-F238E27FC236}">
+                <a16:creationId xmlns:a16="http://schemas.microsoft.com/office/drawing/2014/main" id="{E77FFC0A-DD71-96A9-41AE-D4D05273B491}"/>
+              </a:ext>
+            </a:extLst>
+          </p:cNvPr>
+          <p:cNvSpPr txBox="1"/>
+          <p:nvPr/>
+        </p:nvSpPr>
+        <p:spPr>
+          <a:xfrm>
+            <a:off x="5928184" y="2708650"/>
+            <a:ext cx="738985" cy="369332"/>
+          </a:xfrm>
+          <a:prstGeom prst="rect">
+            <a:avLst/>
+          </a:prstGeom>
+          <a:noFill/>
+        </p:spPr>
+        <p:txBody>
+          <a:bodyPr wrap="none" rtlCol="0">
+            <a:spAutoFit/>
+          </a:bodyPr>
+          <a:lstStyle/>
+          <a:p>
+            <a:r>
+              <a:rPr lang="it-IT" dirty="0" err="1"/>
+              <a:t>RdPtr</a:t>
+            </a:r>
+            <a:endParaRPr lang="it-IT" dirty="0"/>
+          </a:p>
+        </p:txBody>
+      </p:sp>
+      <p:cxnSp>
+        <p:nvCxnSpPr>
+          <p:cNvPr id="18" name="Connettore 2 17">
+            <a:extLst>
+              <a:ext uri="{FF2B5EF4-FFF2-40B4-BE49-F238E27FC236}">
+                <a16:creationId xmlns:a16="http://schemas.microsoft.com/office/drawing/2014/main" id="{AF2D991C-2C1D-976E-9366-713479482B95}"/>
+              </a:ext>
+            </a:extLst>
+          </p:cNvPr>
+          <p:cNvCxnSpPr>
+            <a:cxnSpLocks/>
+          </p:cNvCxnSpPr>
+          <p:nvPr/>
+        </p:nvCxnSpPr>
+        <p:spPr>
+          <a:xfrm>
+            <a:off x="876117" y="3077980"/>
+            <a:ext cx="1930829" cy="1"/>
+          </a:xfrm>
+          <a:prstGeom prst="straightConnector1">
+            <a:avLst/>
+          </a:prstGeom>
+          <a:ln>
+            <a:tailEnd type="triangle"/>
+          </a:ln>
+        </p:spPr>
+        <p:style>
+          <a:lnRef idx="2">
+            <a:schemeClr val="dk1"/>
+          </a:lnRef>
+          <a:fillRef idx="0">
+            <a:schemeClr val="dk1"/>
+          </a:fillRef>
+          <a:effectRef idx="1">
+            <a:schemeClr val="dk1"/>
+          </a:effectRef>
+          <a:fontRef idx="minor">
+            <a:schemeClr val="tx1"/>
+          </a:fontRef>
+        </p:style>
+      </p:cxnSp>
+      <p:cxnSp>
+        <p:nvCxnSpPr>
+          <p:cNvPr id="19" name="Connettore 2 18">
+            <a:extLst>
+              <a:ext uri="{FF2B5EF4-FFF2-40B4-BE49-F238E27FC236}">
+                <a16:creationId xmlns:a16="http://schemas.microsoft.com/office/drawing/2014/main" id="{0DB0BD22-0989-47DF-C1B7-CE1EB31CADDA}"/>
+              </a:ext>
+            </a:extLst>
+          </p:cNvPr>
+          <p:cNvCxnSpPr>
+            <a:cxnSpLocks/>
+          </p:cNvCxnSpPr>
+          <p:nvPr/>
+        </p:nvCxnSpPr>
+        <p:spPr>
+          <a:xfrm>
+            <a:off x="4775415" y="3077980"/>
+            <a:ext cx="1930829" cy="1"/>
+          </a:xfrm>
+          <a:prstGeom prst="straightConnector1">
+            <a:avLst/>
+          </a:prstGeom>
+          <a:ln>
+            <a:tailEnd type="triangle"/>
+          </a:ln>
+        </p:spPr>
+        <p:style>
+          <a:lnRef idx="2">
+            <a:schemeClr val="dk1"/>
+          </a:lnRef>
+          <a:fillRef idx="0">
+            <a:schemeClr val="dk1"/>
+          </a:fillRef>
+          <a:effectRef idx="1">
+            <a:schemeClr val="dk1"/>
+          </a:effectRef>
+          <a:fontRef idx="minor">
+            <a:schemeClr val="tx1"/>
+          </a:fontRef>
+        </p:style>
+      </p:cxnSp>
+      <p:sp>
+        <p:nvSpPr>
+          <p:cNvPr id="20" name="CasellaDiTesto 19">
+            <a:extLst>
+              <a:ext uri="{FF2B5EF4-FFF2-40B4-BE49-F238E27FC236}">
+                <a16:creationId xmlns:a16="http://schemas.microsoft.com/office/drawing/2014/main" id="{0E4913F4-84B5-E948-7EFC-EBFCE4C34758}"/>
+              </a:ext>
+            </a:extLst>
+          </p:cNvPr>
+          <p:cNvSpPr txBox="1"/>
+          <p:nvPr/>
+        </p:nvSpPr>
+        <p:spPr>
+          <a:xfrm>
+            <a:off x="4451245" y="5253781"/>
+            <a:ext cx="1289584" cy="369332"/>
+          </a:xfrm>
+          <a:prstGeom prst="rect">
+            <a:avLst/>
+          </a:prstGeom>
+          <a:noFill/>
+        </p:spPr>
+        <p:txBody>
+          <a:bodyPr wrap="none" rtlCol="0">
+            <a:spAutoFit/>
+          </a:bodyPr>
+          <a:lstStyle/>
+          <a:p>
+            <a:r>
+              <a:rPr lang="it-IT" dirty="0"/>
+              <a:t>-FIFO FULL</a:t>
+            </a:r>
+          </a:p>
+        </p:txBody>
+      </p:sp>
+      <p:cxnSp>
+        <p:nvCxnSpPr>
+          <p:cNvPr id="22" name="Connettore 2 21">
+            <a:extLst>
+              <a:ext uri="{FF2B5EF4-FFF2-40B4-BE49-F238E27FC236}">
+                <a16:creationId xmlns:a16="http://schemas.microsoft.com/office/drawing/2014/main" id="{021B5E0A-273F-6B05-8D8D-EADCA8EB6ED3}"/>
+              </a:ext>
+            </a:extLst>
+          </p:cNvPr>
+          <p:cNvCxnSpPr>
+            <a:cxnSpLocks/>
+          </p:cNvCxnSpPr>
+          <p:nvPr/>
+        </p:nvCxnSpPr>
+        <p:spPr>
+          <a:xfrm flipV="1">
+            <a:off x="7995744" y="5179556"/>
+            <a:ext cx="231738" cy="196165"/>
+          </a:xfrm>
+          <a:prstGeom prst="straightConnector1">
+            <a:avLst/>
+          </a:prstGeom>
+          <a:ln>
+            <a:tailEnd type="triangle"/>
+          </a:ln>
+        </p:spPr>
+        <p:style>
+          <a:lnRef idx="2">
+            <a:schemeClr val="dk1"/>
+          </a:lnRef>
+          <a:fillRef idx="0">
+            <a:schemeClr val="dk1"/>
+          </a:fillRef>
+          <a:effectRef idx="1">
+            <a:schemeClr val="dk1"/>
+          </a:effectRef>
+          <a:fontRef idx="minor">
+            <a:schemeClr val="tx1"/>
+          </a:fontRef>
+        </p:style>
+      </p:cxnSp>
+      <p:cxnSp>
+        <p:nvCxnSpPr>
+          <p:cNvPr id="24" name="Connettore 2 23">
+            <a:extLst>
+              <a:ext uri="{FF2B5EF4-FFF2-40B4-BE49-F238E27FC236}">
+                <a16:creationId xmlns:a16="http://schemas.microsoft.com/office/drawing/2014/main" id="{8D01AE63-BA5A-EBC6-51ED-28EB0C9C84BD}"/>
+              </a:ext>
+            </a:extLst>
+          </p:cNvPr>
+          <p:cNvCxnSpPr>
+            <a:cxnSpLocks/>
+          </p:cNvCxnSpPr>
+          <p:nvPr/>
+        </p:nvCxnSpPr>
+        <p:spPr>
+          <a:xfrm>
+            <a:off x="7940228" y="5504802"/>
+            <a:ext cx="220546" cy="118311"/>
+          </a:xfrm>
+          <a:prstGeom prst="straightConnector1">
+            <a:avLst/>
+          </a:prstGeom>
+          <a:ln>
+            <a:tailEnd type="triangle"/>
+          </a:ln>
+        </p:spPr>
+        <p:style>
+          <a:lnRef idx="2">
+            <a:schemeClr val="dk1"/>
+          </a:lnRef>
+          <a:fillRef idx="0">
+            <a:schemeClr val="dk1"/>
+          </a:fillRef>
+          <a:effectRef idx="1">
+            <a:schemeClr val="dk1"/>
+          </a:effectRef>
+          <a:fontRef idx="minor">
+            <a:schemeClr val="tx1"/>
+          </a:fontRef>
+        </p:style>
+      </p:cxnSp>
+      <p:sp>
+        <p:nvSpPr>
+          <p:cNvPr id="26" name="CasellaDiTesto 25">
+            <a:extLst>
+              <a:ext uri="{FF2B5EF4-FFF2-40B4-BE49-F238E27FC236}">
+                <a16:creationId xmlns:a16="http://schemas.microsoft.com/office/drawing/2014/main" id="{6FD7F477-5599-5C3F-F87C-DCD50DA33F73}"/>
+              </a:ext>
+            </a:extLst>
+          </p:cNvPr>
+          <p:cNvSpPr txBox="1"/>
+          <p:nvPr/>
+        </p:nvSpPr>
+        <p:spPr>
+          <a:xfrm>
+            <a:off x="4354709" y="4650816"/>
+            <a:ext cx="6096000" cy="369332"/>
+          </a:xfrm>
+          <a:prstGeom prst="rect">
+            <a:avLst/>
+          </a:prstGeom>
+          <a:noFill/>
+        </p:spPr>
+        <p:txBody>
+          <a:bodyPr wrap="square">
+            <a:spAutoFit/>
+          </a:bodyPr>
+          <a:lstStyle/>
+          <a:p>
+            <a:r>
+              <a:rPr lang="it-IT" dirty="0"/>
+              <a:t>-FIFO EMPTY                  </a:t>
+            </a:r>
+            <a:r>
+              <a:rPr lang="it-IT" dirty="0" err="1"/>
+              <a:t>wrPtr</a:t>
+            </a:r>
+            <a:r>
+              <a:rPr lang="it-IT" dirty="0"/>
+              <a:t> = </a:t>
+            </a:r>
+            <a:r>
+              <a:rPr lang="it-IT" dirty="0" err="1"/>
+              <a:t>RdPtr</a:t>
+            </a:r>
+            <a:endParaRPr lang="it-IT" dirty="0"/>
+          </a:p>
+        </p:txBody>
+      </p:sp>
+      <p:cxnSp>
+        <p:nvCxnSpPr>
+          <p:cNvPr id="28" name="Connettore 2 27">
+            <a:extLst>
+              <a:ext uri="{FF2B5EF4-FFF2-40B4-BE49-F238E27FC236}">
+                <a16:creationId xmlns:a16="http://schemas.microsoft.com/office/drawing/2014/main" id="{E4BDE6C5-EC85-9423-3666-26DEFCB93453}"/>
+              </a:ext>
+            </a:extLst>
+          </p:cNvPr>
+          <p:cNvCxnSpPr/>
+          <p:nvPr/>
+        </p:nvCxnSpPr>
+        <p:spPr>
+          <a:xfrm>
+            <a:off x="5928184" y="4835482"/>
+            <a:ext cx="403123" cy="0"/>
+          </a:xfrm>
+          <a:prstGeom prst="straightConnector1">
+            <a:avLst/>
+          </a:prstGeom>
+          <a:ln>
+            <a:tailEnd type="triangle"/>
+          </a:ln>
+        </p:spPr>
+        <p:style>
+          <a:lnRef idx="2">
+            <a:schemeClr val="dk1"/>
+          </a:lnRef>
+          <a:fillRef idx="0">
+            <a:schemeClr val="dk1"/>
+          </a:fillRef>
+          <a:effectRef idx="1">
+            <a:schemeClr val="dk1"/>
+          </a:effectRef>
+          <a:fontRef idx="minor">
+            <a:schemeClr val="tx1"/>
+          </a:fontRef>
+        </p:style>
+      </p:cxnSp>
+      <p:sp>
+        <p:nvSpPr>
+          <p:cNvPr id="29" name="CasellaDiTesto 28">
+            <a:extLst>
+              <a:ext uri="{FF2B5EF4-FFF2-40B4-BE49-F238E27FC236}">
+                <a16:creationId xmlns:a16="http://schemas.microsoft.com/office/drawing/2014/main" id="{83CCE25F-6E86-DDF4-A215-C1EC08260F2A}"/>
+              </a:ext>
+            </a:extLst>
+          </p:cNvPr>
+          <p:cNvSpPr txBox="1"/>
+          <p:nvPr/>
+        </p:nvSpPr>
+        <p:spPr>
+          <a:xfrm>
+            <a:off x="6272957" y="5221806"/>
+            <a:ext cx="1575175" cy="369332"/>
+          </a:xfrm>
+          <a:prstGeom prst="rect">
+            <a:avLst/>
+          </a:prstGeom>
+          <a:noFill/>
+        </p:spPr>
+        <p:txBody>
+          <a:bodyPr wrap="none" rtlCol="0">
+            <a:spAutoFit/>
+          </a:bodyPr>
+          <a:lstStyle/>
+          <a:p>
+            <a:r>
+              <a:rPr lang="it-IT" dirty="0" err="1"/>
+              <a:t>Never</a:t>
+            </a:r>
+            <a:r>
+              <a:rPr lang="it-IT" dirty="0"/>
+              <a:t> </a:t>
+            </a:r>
+            <a:r>
+              <a:rPr lang="it-IT" dirty="0" err="1"/>
+              <a:t>happen</a:t>
+            </a:r>
+            <a:endParaRPr lang="it-IT" dirty="0"/>
+          </a:p>
+        </p:txBody>
+      </p:sp>
+      <p:cxnSp>
+        <p:nvCxnSpPr>
+          <p:cNvPr id="30" name="Connettore 2 29">
+            <a:extLst>
+              <a:ext uri="{FF2B5EF4-FFF2-40B4-BE49-F238E27FC236}">
+                <a16:creationId xmlns:a16="http://schemas.microsoft.com/office/drawing/2014/main" id="{E4AAEC09-8BC8-1043-DDD9-499EDC76512B}"/>
+              </a:ext>
+            </a:extLst>
+          </p:cNvPr>
+          <p:cNvCxnSpPr/>
+          <p:nvPr/>
+        </p:nvCxnSpPr>
+        <p:spPr>
+          <a:xfrm>
+            <a:off x="5894438" y="5385494"/>
+            <a:ext cx="403123" cy="0"/>
+          </a:xfrm>
+          <a:prstGeom prst="straightConnector1">
+            <a:avLst/>
+          </a:prstGeom>
+          <a:ln>
+            <a:tailEnd type="triangle"/>
+          </a:ln>
+        </p:spPr>
+        <p:style>
+          <a:lnRef idx="2">
+            <a:schemeClr val="dk1"/>
+          </a:lnRef>
+          <a:fillRef idx="0">
+            <a:schemeClr val="dk1"/>
+          </a:fillRef>
+          <a:effectRef idx="1">
+            <a:schemeClr val="dk1"/>
+          </a:effectRef>
+          <a:fontRef idx="minor">
+            <a:schemeClr val="tx1"/>
+          </a:fontRef>
+        </p:style>
+      </p:cxnSp>
+      <p:sp>
+        <p:nvSpPr>
+          <p:cNvPr id="35" name="CasellaDiTesto 34">
+            <a:extLst>
+              <a:ext uri="{FF2B5EF4-FFF2-40B4-BE49-F238E27FC236}">
+                <a16:creationId xmlns:a16="http://schemas.microsoft.com/office/drawing/2014/main" id="{136ADBF5-1B09-05F3-2ACD-936BA6AEB092}"/>
+              </a:ext>
+            </a:extLst>
+          </p:cNvPr>
+          <p:cNvSpPr txBox="1"/>
+          <p:nvPr/>
+        </p:nvSpPr>
+        <p:spPr>
+          <a:xfrm>
+            <a:off x="8335077" y="4983849"/>
+            <a:ext cx="2989601" cy="369332"/>
+          </a:xfrm>
+          <a:prstGeom prst="rect">
+            <a:avLst/>
+          </a:prstGeom>
+          <a:noFill/>
+        </p:spPr>
+        <p:txBody>
+          <a:bodyPr wrap="none" rtlCol="0">
+            <a:spAutoFit/>
+          </a:bodyPr>
+          <a:lstStyle/>
+          <a:p>
+            <a:r>
+              <a:rPr lang="it-IT" dirty="0"/>
+              <a:t>slow data processing speed </a:t>
+            </a:r>
+          </a:p>
+        </p:txBody>
+      </p:sp>
+      <p:sp>
+        <p:nvSpPr>
+          <p:cNvPr id="36" name="CasellaDiTesto 35">
+            <a:extLst>
+              <a:ext uri="{FF2B5EF4-FFF2-40B4-BE49-F238E27FC236}">
+                <a16:creationId xmlns:a16="http://schemas.microsoft.com/office/drawing/2014/main" id="{F6FDB645-1972-402C-7C86-AFB3447CB310}"/>
+              </a:ext>
+            </a:extLst>
+          </p:cNvPr>
+          <p:cNvSpPr txBox="1"/>
+          <p:nvPr/>
+        </p:nvSpPr>
+        <p:spPr>
+          <a:xfrm>
+            <a:off x="8335077" y="5451115"/>
+            <a:ext cx="3270960" cy="369332"/>
+          </a:xfrm>
+          <a:prstGeom prst="rect">
+            <a:avLst/>
+          </a:prstGeom>
+          <a:noFill/>
+        </p:spPr>
+        <p:txBody>
+          <a:bodyPr wrap="none" rtlCol="0">
+            <a:spAutoFit/>
+          </a:bodyPr>
+          <a:lstStyle/>
+          <a:p>
+            <a:r>
+              <a:rPr lang="en-US" dirty="0"/>
+              <a:t>incorrect sizing of FIFO speeds </a:t>
+            </a:r>
+            <a:endParaRPr lang="it-IT" dirty="0"/>
+          </a:p>
+        </p:txBody>
+      </p:sp>
+    </p:spTree>
+    <p:extLst>
+      <p:ext uri="{BB962C8B-B14F-4D97-AF65-F5344CB8AC3E}">
+        <p14:creationId xmlns:p14="http://schemas.microsoft.com/office/powerpoint/2010/main" val="1401961004"/>
       </p:ext>
     </p:extLst>
   </p:cSld>

--- a/poject.pptx
+++ b/poject.pptx
@@ -8,6 +8,7 @@
     <p:sldId id="256" r:id="rId2"/>
     <p:sldId id="257" r:id="rId3"/>
     <p:sldId id="258" r:id="rId4"/>
+    <p:sldId id="259" r:id="rId5"/>
   </p:sldIdLst>
   <p:sldSz cx="12192000" cy="6858000"/>
   <p:notesSz cx="6858000" cy="9144000"/>
@@ -6463,7 +6464,12 @@
             <p:ph type="title"/>
           </p:nvPr>
         </p:nvSpPr>
-        <p:spPr/>
+        <p:spPr>
+          <a:xfrm>
+            <a:off x="684590" y="340685"/>
+            <a:ext cx="10515600" cy="1325563"/>
+          </a:xfrm>
+        </p:spPr>
         <p:txBody>
           <a:bodyPr/>
           <a:lstStyle/>
@@ -6489,7 +6495,7 @@
         </p:nvGrpSpPr>
         <p:grpSpPr>
           <a:xfrm>
-            <a:off x="2806946" y="2178299"/>
+            <a:off x="5188995" y="1832464"/>
             <a:ext cx="2213714" cy="1735016"/>
             <a:chOff x="4071814" y="2915138"/>
             <a:chExt cx="2213714" cy="1735016"/>
@@ -6821,7 +6827,7 @@
         </p:nvSpPr>
         <p:spPr>
           <a:xfrm>
-            <a:off x="2918454" y="4008492"/>
+            <a:off x="5343180" y="3625148"/>
             <a:ext cx="1781065" cy="369332"/>
           </a:xfrm>
           <a:prstGeom prst="rect">
@@ -6856,7 +6862,7 @@
         </p:nvSpPr>
         <p:spPr>
           <a:xfrm>
-            <a:off x="785207" y="2676475"/>
+            <a:off x="2385059" y="2604534"/>
             <a:ext cx="750462" cy="369332"/>
           </a:xfrm>
           <a:prstGeom prst="rect">
@@ -6892,7 +6898,7 @@
         </p:nvSpPr>
         <p:spPr>
           <a:xfrm>
-            <a:off x="5928184" y="2708650"/>
+            <a:off x="9168537" y="2622683"/>
             <a:ext cx="738985" cy="369332"/>
           </a:xfrm>
           <a:prstGeom prst="rect">
@@ -6930,7 +6936,7 @@
         </p:nvCxnSpPr>
         <p:spPr>
           <a:xfrm>
-            <a:off x="876117" y="3077980"/>
+            <a:off x="3227032" y="2807349"/>
             <a:ext cx="1930829" cy="1"/>
           </a:xfrm>
           <a:prstGeom prst="straightConnector1">
@@ -6971,7 +6977,7 @@
         </p:nvCxnSpPr>
         <p:spPr>
           <a:xfrm>
-            <a:off x="4775415" y="3077980"/>
+            <a:off x="7146197" y="2807349"/>
             <a:ext cx="1930829" cy="1"/>
           </a:xfrm>
           <a:prstGeom prst="straightConnector1">
@@ -7010,7 +7016,7 @@
         </p:nvSpPr>
         <p:spPr>
           <a:xfrm>
-            <a:off x="4451245" y="5253781"/>
+            <a:off x="3069159" y="4962802"/>
             <a:ext cx="1289584" cy="369332"/>
           </a:xfrm>
           <a:prstGeom prst="rect">
@@ -7047,7 +7053,7 @@
         </p:nvCxnSpPr>
         <p:spPr>
           <a:xfrm flipV="1">
-            <a:off x="7995744" y="5179556"/>
+            <a:off x="6689035" y="4986347"/>
             <a:ext cx="231738" cy="196165"/>
           </a:xfrm>
           <a:prstGeom prst="straightConnector1">
@@ -7088,8 +7094,8 @@
         </p:nvCxnSpPr>
         <p:spPr>
           <a:xfrm>
-            <a:off x="7940228" y="5504802"/>
-            <a:ext cx="220546" cy="118311"/>
+            <a:off x="6689035" y="5257906"/>
+            <a:ext cx="231738" cy="166926"/>
           </a:xfrm>
           <a:prstGeom prst="straightConnector1">
             <a:avLst/>
@@ -7127,7 +7133,7 @@
         </p:nvSpPr>
         <p:spPr>
           <a:xfrm>
-            <a:off x="4354709" y="4650816"/>
+            <a:off x="3048000" y="4457607"/>
             <a:ext cx="6096000" cy="369332"/>
           </a:xfrm>
           <a:prstGeom prst="rect">
@@ -7175,7 +7181,7 @@
         </p:nvCxnSpPr>
         <p:spPr>
           <a:xfrm>
-            <a:off x="5928184" y="4835482"/>
+            <a:off x="4434120" y="4642273"/>
             <a:ext cx="403123" cy="0"/>
           </a:xfrm>
           <a:prstGeom prst="straightConnector1">
@@ -7214,7 +7220,7 @@
         </p:nvSpPr>
         <p:spPr>
           <a:xfrm>
-            <a:off x="6272957" y="5221806"/>
+            <a:off x="4905968" y="4931477"/>
             <a:ext cx="1575175" cy="369332"/>
           </a:xfrm>
           <a:prstGeom prst="rect">
@@ -7258,7 +7264,7 @@
         </p:nvCxnSpPr>
         <p:spPr>
           <a:xfrm>
-            <a:off x="5894438" y="5385494"/>
+            <a:off x="4434120" y="5147556"/>
             <a:ext cx="403123" cy="0"/>
           </a:xfrm>
           <a:prstGeom prst="straightConnector1">
@@ -7297,7 +7303,7 @@
         </p:nvSpPr>
         <p:spPr>
           <a:xfrm>
-            <a:off x="8335077" y="4983849"/>
+            <a:off x="7028368" y="4790640"/>
             <a:ext cx="2989601" cy="369332"/>
           </a:xfrm>
           <a:prstGeom prst="rect">
@@ -7332,8 +7338,8 @@
         </p:nvSpPr>
         <p:spPr>
           <a:xfrm>
-            <a:off x="8335077" y="5451115"/>
-            <a:ext cx="3270960" cy="369332"/>
+            <a:off x="7028368" y="5257906"/>
+            <a:ext cx="3080202" cy="369332"/>
           </a:xfrm>
           <a:prstGeom prst="rect">
             <a:avLst/>
@@ -7348,16 +7354,1795 @@
           <a:p>
             <a:r>
               <a:rPr lang="en-US" dirty="0"/>
-              <a:t>incorrect sizing of FIFO speeds </a:t>
+              <a:t>incorrect sizing of depth FIFO</a:t>
             </a:r>
             <a:endParaRPr lang="it-IT" dirty="0"/>
           </a:p>
         </p:txBody>
       </p:sp>
+      <p:sp>
+        <p:nvSpPr>
+          <p:cNvPr id="3" name="CasellaDiTesto 2">
+            <a:extLst>
+              <a:ext uri="{FF2B5EF4-FFF2-40B4-BE49-F238E27FC236}">
+                <a16:creationId xmlns:a16="http://schemas.microsoft.com/office/drawing/2014/main" id="{C92E7BEA-3E84-1F95-98E4-0476647F6A23}"/>
+              </a:ext>
+            </a:extLst>
+          </p:cNvPr>
+          <p:cNvSpPr txBox="1"/>
+          <p:nvPr/>
+        </p:nvSpPr>
+        <p:spPr>
+          <a:xfrm>
+            <a:off x="4635681" y="5660234"/>
+            <a:ext cx="949299" cy="369332"/>
+          </a:xfrm>
+          <a:prstGeom prst="rect">
+            <a:avLst/>
+          </a:prstGeom>
+          <a:noFill/>
+        </p:spPr>
+        <p:txBody>
+          <a:bodyPr wrap="none" rtlCol="0">
+            <a:spAutoFit/>
+          </a:bodyPr>
+          <a:lstStyle/>
+          <a:p>
+            <a:r>
+              <a:rPr lang="it-IT" dirty="0"/>
+              <a:t>FREEZE</a:t>
+            </a:r>
+          </a:p>
+        </p:txBody>
+      </p:sp>
+      <p:sp>
+        <p:nvSpPr>
+          <p:cNvPr id="12" name="CasellaDiTesto 11">
+            <a:extLst>
+              <a:ext uri="{FF2B5EF4-FFF2-40B4-BE49-F238E27FC236}">
+                <a16:creationId xmlns:a16="http://schemas.microsoft.com/office/drawing/2014/main" id="{CC05D9E2-38D6-AE97-DB27-841E21047094}"/>
+              </a:ext>
+            </a:extLst>
+          </p:cNvPr>
+          <p:cNvSpPr txBox="1"/>
+          <p:nvPr/>
+        </p:nvSpPr>
+        <p:spPr>
+          <a:xfrm>
+            <a:off x="5751570" y="5667166"/>
+            <a:ext cx="2106667" cy="369332"/>
+          </a:xfrm>
+          <a:prstGeom prst="rect">
+            <a:avLst/>
+          </a:prstGeom>
+          <a:noFill/>
+        </p:spPr>
+        <p:txBody>
+          <a:bodyPr wrap="none" rtlCol="0">
+            <a:spAutoFit/>
+          </a:bodyPr>
+          <a:lstStyle/>
+          <a:p>
+            <a:r>
+              <a:rPr lang="it-IT" dirty="0"/>
+              <a:t>CIRCULAR BUFFER</a:t>
+            </a:r>
+          </a:p>
+        </p:txBody>
+      </p:sp>
+      <p:cxnSp>
+        <p:nvCxnSpPr>
+          <p:cNvPr id="17" name="Connettore 2 16">
+            <a:extLst>
+              <a:ext uri="{FF2B5EF4-FFF2-40B4-BE49-F238E27FC236}">
+                <a16:creationId xmlns:a16="http://schemas.microsoft.com/office/drawing/2014/main" id="{4AADA8E7-0AEF-4E44-2154-46EDDAF5E214}"/>
+              </a:ext>
+            </a:extLst>
+          </p:cNvPr>
+          <p:cNvCxnSpPr>
+            <a:cxnSpLocks/>
+          </p:cNvCxnSpPr>
+          <p:nvPr/>
+        </p:nvCxnSpPr>
+        <p:spPr>
+          <a:xfrm>
+            <a:off x="6103154" y="5321884"/>
+            <a:ext cx="231738" cy="166926"/>
+          </a:xfrm>
+          <a:prstGeom prst="straightConnector1">
+            <a:avLst/>
+          </a:prstGeom>
+          <a:ln>
+            <a:tailEnd type="triangle"/>
+          </a:ln>
+        </p:spPr>
+        <p:style>
+          <a:lnRef idx="2">
+            <a:schemeClr val="dk1"/>
+          </a:lnRef>
+          <a:fillRef idx="0">
+            <a:schemeClr val="dk1"/>
+          </a:fillRef>
+          <a:effectRef idx="1">
+            <a:schemeClr val="dk1"/>
+          </a:effectRef>
+          <a:fontRef idx="minor">
+            <a:schemeClr val="tx1"/>
+          </a:fontRef>
+        </p:style>
+      </p:cxnSp>
+      <p:cxnSp>
+        <p:nvCxnSpPr>
+          <p:cNvPr id="21" name="Connettore 2 20">
+            <a:extLst>
+              <a:ext uri="{FF2B5EF4-FFF2-40B4-BE49-F238E27FC236}">
+                <a16:creationId xmlns:a16="http://schemas.microsoft.com/office/drawing/2014/main" id="{1D2CD553-8D75-6BD8-C5E9-55AB27DB7FE2}"/>
+              </a:ext>
+            </a:extLst>
+          </p:cNvPr>
+          <p:cNvCxnSpPr>
+            <a:cxnSpLocks/>
+          </p:cNvCxnSpPr>
+          <p:nvPr/>
+        </p:nvCxnSpPr>
+        <p:spPr>
+          <a:xfrm flipH="1">
+            <a:off x="5110330" y="5331681"/>
+            <a:ext cx="173336" cy="232759"/>
+          </a:xfrm>
+          <a:prstGeom prst="straightConnector1">
+            <a:avLst/>
+          </a:prstGeom>
+          <a:ln>
+            <a:tailEnd type="triangle"/>
+          </a:ln>
+        </p:spPr>
+        <p:style>
+          <a:lnRef idx="2">
+            <a:schemeClr val="dk1"/>
+          </a:lnRef>
+          <a:fillRef idx="0">
+            <a:schemeClr val="dk1"/>
+          </a:fillRef>
+          <a:effectRef idx="1">
+            <a:schemeClr val="dk1"/>
+          </a:effectRef>
+          <a:fontRef idx="minor">
+            <a:schemeClr val="tx1"/>
+          </a:fontRef>
+        </p:style>
+      </p:cxnSp>
     </p:spTree>
     <p:extLst>
       <p:ext uri="{BB962C8B-B14F-4D97-AF65-F5344CB8AC3E}">
         <p14:creationId xmlns:p14="http://schemas.microsoft.com/office/powerpoint/2010/main" val="1401961004"/>
+      </p:ext>
+    </p:extLst>
+  </p:cSld>
+  <p:clrMapOvr>
+    <a:masterClrMapping/>
+  </p:clrMapOvr>
+</p:sld>
+</file>
+
+<file path=ppt/slides/slide4.xml><?xml version="1.0" encoding="utf-8"?>
+<p:sld xmlns:a="http://schemas.openxmlformats.org/drawingml/2006/main" xmlns:r="http://schemas.openxmlformats.org/officeDocument/2006/relationships" xmlns:p="http://schemas.openxmlformats.org/presentationml/2006/main">
+  <p:cSld>
+    <p:spTree>
+      <p:nvGrpSpPr>
+        <p:cNvPr id="1" name=""/>
+        <p:cNvGrpSpPr/>
+        <p:nvPr/>
+      </p:nvGrpSpPr>
+      <p:grpSpPr>
+        <a:xfrm>
+          <a:off x="0" y="0"/>
+          <a:ext cx="0" cy="0"/>
+          <a:chOff x="0" y="0"/>
+          <a:chExt cx="0" cy="0"/>
+        </a:xfrm>
+      </p:grpSpPr>
+      <p:sp>
+        <p:nvSpPr>
+          <p:cNvPr id="2" name="Titolo 1">
+            <a:extLst>
+              <a:ext uri="{FF2B5EF4-FFF2-40B4-BE49-F238E27FC236}">
+                <a16:creationId xmlns:a16="http://schemas.microsoft.com/office/drawing/2014/main" id="{248B82BD-08A2-F8DD-D0E2-58E6C4FBB34E}"/>
+              </a:ext>
+            </a:extLst>
+          </p:cNvPr>
+          <p:cNvSpPr>
+            <a:spLocks noGrp="1"/>
+          </p:cNvSpPr>
+          <p:nvPr>
+            <p:ph type="title"/>
+          </p:nvPr>
+        </p:nvSpPr>
+        <p:spPr>
+          <a:xfrm>
+            <a:off x="838200" y="227473"/>
+            <a:ext cx="10515600" cy="1325563"/>
+          </a:xfrm>
+        </p:spPr>
+        <p:txBody>
+          <a:bodyPr/>
+          <a:lstStyle/>
+          <a:p>
+            <a:r>
+              <a:rPr lang="it-IT" dirty="0"/>
+              <a:t>FIFO BLOCK DIAGRAM</a:t>
+            </a:r>
+          </a:p>
+        </p:txBody>
+      </p:sp>
+      <p:sp>
+        <p:nvSpPr>
+          <p:cNvPr id="6" name="Rettangolo 5">
+            <a:extLst>
+              <a:ext uri="{FF2B5EF4-FFF2-40B4-BE49-F238E27FC236}">
+                <a16:creationId xmlns:a16="http://schemas.microsoft.com/office/drawing/2014/main" id="{39E5BC0B-6148-3BE5-517C-27D361BE44CB}"/>
+              </a:ext>
+            </a:extLst>
+          </p:cNvPr>
+          <p:cNvSpPr/>
+          <p:nvPr/>
+        </p:nvSpPr>
+        <p:spPr>
+          <a:xfrm>
+            <a:off x="3372104" y="1856987"/>
+            <a:ext cx="5314066" cy="1259904"/>
+          </a:xfrm>
+          <a:prstGeom prst="rect">
+            <a:avLst/>
+          </a:prstGeom>
+          <a:solidFill>
+            <a:schemeClr val="accent1"/>
+          </a:solidFill>
+          <a:ln>
+            <a:solidFill>
+              <a:schemeClr val="tx1"/>
+            </a:solidFill>
+          </a:ln>
+        </p:spPr>
+        <p:style>
+          <a:lnRef idx="2">
+            <a:schemeClr val="accent6"/>
+          </a:lnRef>
+          <a:fillRef idx="1">
+            <a:schemeClr val="lt1"/>
+          </a:fillRef>
+          <a:effectRef idx="0">
+            <a:schemeClr val="accent6"/>
+          </a:effectRef>
+          <a:fontRef idx="minor">
+            <a:schemeClr val="dk1"/>
+          </a:fontRef>
+        </p:style>
+        <p:txBody>
+          <a:bodyPr rtlCol="0" anchor="ctr"/>
+          <a:lstStyle/>
+          <a:p>
+            <a:pPr algn="ctr"/>
+            <a:r>
+              <a:rPr lang="it-IT" dirty="0">
+                <a:solidFill>
+                  <a:schemeClr val="bg1"/>
+                </a:solidFill>
+              </a:rPr>
+              <a:t>Dual port </a:t>
+            </a:r>
+            <a:r>
+              <a:rPr lang="it-IT" dirty="0" err="1">
+                <a:solidFill>
+                  <a:schemeClr val="bg1"/>
+                </a:solidFill>
+              </a:rPr>
+              <a:t>memory</a:t>
+            </a:r>
+            <a:r>
+              <a:rPr lang="it-IT" dirty="0">
+                <a:solidFill>
+                  <a:schemeClr val="bg1"/>
+                </a:solidFill>
+              </a:rPr>
+              <a:t> array</a:t>
+            </a:r>
+          </a:p>
+        </p:txBody>
+      </p:sp>
+      <p:sp>
+        <p:nvSpPr>
+          <p:cNvPr id="7" name="Rettangolo 6">
+            <a:extLst>
+              <a:ext uri="{FF2B5EF4-FFF2-40B4-BE49-F238E27FC236}">
+                <a16:creationId xmlns:a16="http://schemas.microsoft.com/office/drawing/2014/main" id="{1283411C-36DC-B7A4-815B-57E87322F827}"/>
+              </a:ext>
+            </a:extLst>
+          </p:cNvPr>
+          <p:cNvSpPr/>
+          <p:nvPr/>
+        </p:nvSpPr>
+        <p:spPr>
+          <a:xfrm>
+            <a:off x="869165" y="1538518"/>
+            <a:ext cx="1622322" cy="4179170"/>
+          </a:xfrm>
+          <a:prstGeom prst="rect">
+            <a:avLst/>
+          </a:prstGeom>
+        </p:spPr>
+        <p:style>
+          <a:lnRef idx="2">
+            <a:schemeClr val="accent1">
+              <a:shade val="15000"/>
+            </a:schemeClr>
+          </a:lnRef>
+          <a:fillRef idx="1">
+            <a:schemeClr val="accent1"/>
+          </a:fillRef>
+          <a:effectRef idx="0">
+            <a:schemeClr val="accent1"/>
+          </a:effectRef>
+          <a:fontRef idx="minor">
+            <a:schemeClr val="lt1"/>
+          </a:fontRef>
+        </p:style>
+        <p:txBody>
+          <a:bodyPr rtlCol="0" anchor="ctr"/>
+          <a:lstStyle/>
+          <a:p>
+            <a:pPr algn="ctr"/>
+            <a:r>
+              <a:rPr lang="it-IT" dirty="0"/>
+              <a:t>Write</a:t>
+            </a:r>
+          </a:p>
+          <a:p>
+            <a:pPr algn="ctr"/>
+            <a:r>
+              <a:rPr lang="it-IT" dirty="0"/>
+              <a:t>Interface</a:t>
+            </a:r>
+          </a:p>
+        </p:txBody>
+      </p:sp>
+      <p:sp>
+        <p:nvSpPr>
+          <p:cNvPr id="8" name="Rettangolo 7">
+            <a:extLst>
+              <a:ext uri="{FF2B5EF4-FFF2-40B4-BE49-F238E27FC236}">
+                <a16:creationId xmlns:a16="http://schemas.microsoft.com/office/drawing/2014/main" id="{973C0EB8-7200-756D-F425-8116DCD4234F}"/>
+              </a:ext>
+            </a:extLst>
+          </p:cNvPr>
+          <p:cNvSpPr/>
+          <p:nvPr/>
+        </p:nvSpPr>
+        <p:spPr>
+          <a:xfrm>
+            <a:off x="9566787" y="1376516"/>
+            <a:ext cx="1828800" cy="4503174"/>
+          </a:xfrm>
+          <a:prstGeom prst="rect">
+            <a:avLst/>
+          </a:prstGeom>
+        </p:spPr>
+        <p:style>
+          <a:lnRef idx="2">
+            <a:schemeClr val="accent1">
+              <a:shade val="15000"/>
+            </a:schemeClr>
+          </a:lnRef>
+          <a:fillRef idx="1">
+            <a:schemeClr val="accent1"/>
+          </a:fillRef>
+          <a:effectRef idx="0">
+            <a:schemeClr val="accent1"/>
+          </a:effectRef>
+          <a:fontRef idx="minor">
+            <a:schemeClr val="lt1"/>
+          </a:fontRef>
+        </p:style>
+        <p:txBody>
+          <a:bodyPr rtlCol="0" anchor="ctr"/>
+          <a:lstStyle/>
+          <a:p>
+            <a:pPr algn="ctr"/>
+            <a:r>
+              <a:rPr lang="it-IT" dirty="0"/>
+              <a:t>Read</a:t>
+            </a:r>
+          </a:p>
+          <a:p>
+            <a:pPr algn="ctr"/>
+            <a:r>
+              <a:rPr lang="it-IT" dirty="0"/>
+              <a:t>Interface</a:t>
+            </a:r>
+          </a:p>
+        </p:txBody>
+      </p:sp>
+      <p:sp>
+        <p:nvSpPr>
+          <p:cNvPr id="9" name="Rettangolo 8">
+            <a:extLst>
+              <a:ext uri="{FF2B5EF4-FFF2-40B4-BE49-F238E27FC236}">
+                <a16:creationId xmlns:a16="http://schemas.microsoft.com/office/drawing/2014/main" id="{CCB3FD0D-C8AA-732C-B77D-4BE8CA9C91BA}"/>
+              </a:ext>
+            </a:extLst>
+          </p:cNvPr>
+          <p:cNvSpPr/>
+          <p:nvPr/>
+        </p:nvSpPr>
+        <p:spPr>
+          <a:xfrm>
+            <a:off x="2856270" y="4109422"/>
+            <a:ext cx="1622323" cy="924694"/>
+          </a:xfrm>
+          <a:prstGeom prst="rect">
+            <a:avLst/>
+          </a:prstGeom>
+        </p:spPr>
+        <p:style>
+          <a:lnRef idx="2">
+            <a:schemeClr val="accent1">
+              <a:shade val="15000"/>
+            </a:schemeClr>
+          </a:lnRef>
+          <a:fillRef idx="1">
+            <a:schemeClr val="accent1"/>
+          </a:fillRef>
+          <a:effectRef idx="0">
+            <a:schemeClr val="accent1"/>
+          </a:effectRef>
+          <a:fontRef idx="minor">
+            <a:schemeClr val="lt1"/>
+          </a:fontRef>
+        </p:style>
+        <p:txBody>
+          <a:bodyPr rtlCol="0" anchor="ctr"/>
+          <a:lstStyle/>
+          <a:p>
+            <a:pPr algn="ctr"/>
+            <a:r>
+              <a:rPr lang="it-IT" dirty="0"/>
+              <a:t>Write</a:t>
+            </a:r>
+          </a:p>
+          <a:p>
+            <a:pPr algn="ctr"/>
+            <a:r>
+              <a:rPr lang="it-IT" dirty="0"/>
+              <a:t>Pointer</a:t>
+            </a:r>
+          </a:p>
+        </p:txBody>
+      </p:sp>
+      <p:sp>
+        <p:nvSpPr>
+          <p:cNvPr id="10" name="Rettangolo 9">
+            <a:extLst>
+              <a:ext uri="{FF2B5EF4-FFF2-40B4-BE49-F238E27FC236}">
+                <a16:creationId xmlns:a16="http://schemas.microsoft.com/office/drawing/2014/main" id="{940C4446-2C00-8191-2F73-8720C2C1AC76}"/>
+              </a:ext>
+            </a:extLst>
+          </p:cNvPr>
+          <p:cNvSpPr/>
+          <p:nvPr/>
+        </p:nvSpPr>
+        <p:spPr>
+          <a:xfrm>
+            <a:off x="5016542" y="4109420"/>
+            <a:ext cx="1739680" cy="924694"/>
+          </a:xfrm>
+          <a:prstGeom prst="rect">
+            <a:avLst/>
+          </a:prstGeom>
+        </p:spPr>
+        <p:style>
+          <a:lnRef idx="2">
+            <a:schemeClr val="accent1">
+              <a:shade val="15000"/>
+            </a:schemeClr>
+          </a:lnRef>
+          <a:fillRef idx="1">
+            <a:schemeClr val="accent1"/>
+          </a:fillRef>
+          <a:effectRef idx="0">
+            <a:schemeClr val="accent1"/>
+          </a:effectRef>
+          <a:fontRef idx="minor">
+            <a:schemeClr val="lt1"/>
+          </a:fontRef>
+        </p:style>
+        <p:txBody>
+          <a:bodyPr rtlCol="0" anchor="ctr"/>
+          <a:lstStyle/>
+          <a:p>
+            <a:pPr algn="ctr"/>
+            <a:r>
+              <a:rPr lang="it-IT" dirty="0"/>
+              <a:t>Compare </a:t>
+            </a:r>
+          </a:p>
+          <a:p>
+            <a:pPr algn="ctr"/>
+            <a:r>
+              <a:rPr lang="it-IT" dirty="0" err="1"/>
+              <a:t>Logic</a:t>
+            </a:r>
+            <a:endParaRPr lang="it-IT" dirty="0"/>
+          </a:p>
+        </p:txBody>
+      </p:sp>
+      <p:sp>
+        <p:nvSpPr>
+          <p:cNvPr id="11" name="Rettangolo 10">
+            <a:extLst>
+              <a:ext uri="{FF2B5EF4-FFF2-40B4-BE49-F238E27FC236}">
+                <a16:creationId xmlns:a16="http://schemas.microsoft.com/office/drawing/2014/main" id="{07273DA2-758A-2BDD-7F65-F635C366F418}"/>
+              </a:ext>
+            </a:extLst>
+          </p:cNvPr>
+          <p:cNvSpPr/>
+          <p:nvPr/>
+        </p:nvSpPr>
+        <p:spPr>
+          <a:xfrm>
+            <a:off x="7294171" y="4109419"/>
+            <a:ext cx="1828800" cy="924695"/>
+          </a:xfrm>
+          <a:prstGeom prst="rect">
+            <a:avLst/>
+          </a:prstGeom>
+        </p:spPr>
+        <p:style>
+          <a:lnRef idx="2">
+            <a:schemeClr val="accent1">
+              <a:shade val="15000"/>
+            </a:schemeClr>
+          </a:lnRef>
+          <a:fillRef idx="1">
+            <a:schemeClr val="accent1"/>
+          </a:fillRef>
+          <a:effectRef idx="0">
+            <a:schemeClr val="accent1"/>
+          </a:effectRef>
+          <a:fontRef idx="minor">
+            <a:schemeClr val="lt1"/>
+          </a:fontRef>
+        </p:style>
+        <p:txBody>
+          <a:bodyPr rtlCol="0" anchor="ctr"/>
+          <a:lstStyle/>
+          <a:p>
+            <a:pPr algn="ctr"/>
+            <a:r>
+              <a:rPr lang="it-IT" dirty="0"/>
+              <a:t>Read </a:t>
+            </a:r>
+          </a:p>
+          <a:p>
+            <a:pPr algn="ctr"/>
+            <a:r>
+              <a:rPr lang="it-IT" dirty="0"/>
+              <a:t>Pointer</a:t>
+            </a:r>
+          </a:p>
+        </p:txBody>
+      </p:sp>
+      <p:sp>
+        <p:nvSpPr>
+          <p:cNvPr id="12" name="CasellaDiTesto 11">
+            <a:extLst>
+              <a:ext uri="{FF2B5EF4-FFF2-40B4-BE49-F238E27FC236}">
+                <a16:creationId xmlns:a16="http://schemas.microsoft.com/office/drawing/2014/main" id="{241DEFA6-4B83-213E-3143-3BA7E54A5383}"/>
+              </a:ext>
+            </a:extLst>
+          </p:cNvPr>
+          <p:cNvSpPr txBox="1"/>
+          <p:nvPr/>
+        </p:nvSpPr>
+        <p:spPr>
+          <a:xfrm>
+            <a:off x="3400575" y="1841459"/>
+            <a:ext cx="1095108" cy="338554"/>
+          </a:xfrm>
+          <a:prstGeom prst="rect">
+            <a:avLst/>
+          </a:prstGeom>
+          <a:noFill/>
+        </p:spPr>
+        <p:txBody>
+          <a:bodyPr wrap="none" rtlCol="0">
+            <a:spAutoFit/>
+          </a:bodyPr>
+          <a:lstStyle/>
+          <a:p>
+            <a:r>
+              <a:rPr lang="it-IT" sz="1600" dirty="0">
+                <a:solidFill>
+                  <a:schemeClr val="bg1"/>
+                </a:solidFill>
+              </a:rPr>
+              <a:t>Write data</a:t>
+            </a:r>
+          </a:p>
+        </p:txBody>
+      </p:sp>
+      <p:sp>
+        <p:nvSpPr>
+          <p:cNvPr id="13" name="CasellaDiTesto 12">
+            <a:extLst>
+              <a:ext uri="{FF2B5EF4-FFF2-40B4-BE49-F238E27FC236}">
+                <a16:creationId xmlns:a16="http://schemas.microsoft.com/office/drawing/2014/main" id="{EF5F9C2B-428F-A13C-CA95-C8E5DBDA269E}"/>
+              </a:ext>
+            </a:extLst>
+          </p:cNvPr>
+          <p:cNvSpPr txBox="1"/>
+          <p:nvPr/>
+        </p:nvSpPr>
+        <p:spPr>
+          <a:xfrm>
+            <a:off x="3372104" y="2778337"/>
+            <a:ext cx="1421928" cy="338554"/>
+          </a:xfrm>
+          <a:prstGeom prst="rect">
+            <a:avLst/>
+          </a:prstGeom>
+          <a:noFill/>
+        </p:spPr>
+        <p:txBody>
+          <a:bodyPr wrap="none" rtlCol="0">
+            <a:spAutoFit/>
+          </a:bodyPr>
+          <a:lstStyle/>
+          <a:p>
+            <a:r>
+              <a:rPr lang="it-IT" sz="1600" dirty="0">
+                <a:solidFill>
+                  <a:schemeClr val="bg1"/>
+                </a:solidFill>
+              </a:rPr>
+              <a:t>Write </a:t>
+            </a:r>
+            <a:r>
+              <a:rPr lang="it-IT" sz="1600" dirty="0" err="1">
+                <a:solidFill>
+                  <a:schemeClr val="bg1"/>
+                </a:solidFill>
+              </a:rPr>
+              <a:t>Address</a:t>
+            </a:r>
+            <a:endParaRPr lang="it-IT" sz="1600" dirty="0">
+              <a:solidFill>
+                <a:schemeClr val="bg1"/>
+              </a:solidFill>
+            </a:endParaRPr>
+          </a:p>
+        </p:txBody>
+      </p:sp>
+      <p:sp>
+        <p:nvSpPr>
+          <p:cNvPr id="14" name="CasellaDiTesto 13">
+            <a:extLst>
+              <a:ext uri="{FF2B5EF4-FFF2-40B4-BE49-F238E27FC236}">
+                <a16:creationId xmlns:a16="http://schemas.microsoft.com/office/drawing/2014/main" id="{EE8056DF-4DDB-904A-525E-0B78EECDF9AF}"/>
+              </a:ext>
+            </a:extLst>
+          </p:cNvPr>
+          <p:cNvSpPr txBox="1"/>
+          <p:nvPr/>
+        </p:nvSpPr>
+        <p:spPr>
+          <a:xfrm>
+            <a:off x="7562591" y="1798653"/>
+            <a:ext cx="1079719" cy="338554"/>
+          </a:xfrm>
+          <a:prstGeom prst="rect">
+            <a:avLst/>
+          </a:prstGeom>
+          <a:noFill/>
+        </p:spPr>
+        <p:txBody>
+          <a:bodyPr wrap="none" rtlCol="0">
+            <a:spAutoFit/>
+          </a:bodyPr>
+          <a:lstStyle/>
+          <a:p>
+            <a:r>
+              <a:rPr lang="it-IT" sz="1600" dirty="0">
+                <a:solidFill>
+                  <a:schemeClr val="bg1"/>
+                </a:solidFill>
+              </a:rPr>
+              <a:t>Read data</a:t>
+            </a:r>
+          </a:p>
+        </p:txBody>
+      </p:sp>
+      <p:sp>
+        <p:nvSpPr>
+          <p:cNvPr id="15" name="CasellaDiTesto 14">
+            <a:extLst>
+              <a:ext uri="{FF2B5EF4-FFF2-40B4-BE49-F238E27FC236}">
+                <a16:creationId xmlns:a16="http://schemas.microsoft.com/office/drawing/2014/main" id="{1FAD5C9C-40D4-1A9B-FBBB-25F4B5BDFE51}"/>
+              </a:ext>
+            </a:extLst>
+          </p:cNvPr>
+          <p:cNvSpPr txBox="1"/>
+          <p:nvPr/>
+        </p:nvSpPr>
+        <p:spPr>
+          <a:xfrm>
+            <a:off x="7294171" y="2793865"/>
+            <a:ext cx="1406539" cy="338554"/>
+          </a:xfrm>
+          <a:prstGeom prst="rect">
+            <a:avLst/>
+          </a:prstGeom>
+          <a:noFill/>
+        </p:spPr>
+        <p:txBody>
+          <a:bodyPr wrap="none" rtlCol="0">
+            <a:spAutoFit/>
+          </a:bodyPr>
+          <a:lstStyle/>
+          <a:p>
+            <a:r>
+              <a:rPr lang="it-IT" sz="1600" dirty="0">
+                <a:solidFill>
+                  <a:schemeClr val="bg1"/>
+                </a:solidFill>
+              </a:rPr>
+              <a:t>Read </a:t>
+            </a:r>
+            <a:r>
+              <a:rPr lang="it-IT" sz="1600" dirty="0" err="1">
+                <a:solidFill>
+                  <a:schemeClr val="bg1"/>
+                </a:solidFill>
+              </a:rPr>
+              <a:t>Address</a:t>
+            </a:r>
+            <a:endParaRPr lang="it-IT" sz="1600" dirty="0">
+              <a:solidFill>
+                <a:schemeClr val="bg1"/>
+              </a:solidFill>
+            </a:endParaRPr>
+          </a:p>
+        </p:txBody>
+      </p:sp>
+      <p:cxnSp>
+        <p:nvCxnSpPr>
+          <p:cNvPr id="17" name="Connettore 2 16">
+            <a:extLst>
+              <a:ext uri="{FF2B5EF4-FFF2-40B4-BE49-F238E27FC236}">
+                <a16:creationId xmlns:a16="http://schemas.microsoft.com/office/drawing/2014/main" id="{FCD85589-3E5E-2284-B056-AC48E36C45A6}"/>
+              </a:ext>
+            </a:extLst>
+          </p:cNvPr>
+          <p:cNvCxnSpPr/>
+          <p:nvPr/>
+        </p:nvCxnSpPr>
+        <p:spPr>
+          <a:xfrm>
+            <a:off x="166788" y="4147705"/>
+            <a:ext cx="661219" cy="0"/>
+          </a:xfrm>
+          <a:prstGeom prst="straightConnector1">
+            <a:avLst/>
+          </a:prstGeom>
+          <a:ln>
+            <a:tailEnd type="triangle"/>
+          </a:ln>
+        </p:spPr>
+        <p:style>
+          <a:lnRef idx="2">
+            <a:schemeClr val="accent1"/>
+          </a:lnRef>
+          <a:fillRef idx="0">
+            <a:schemeClr val="accent1"/>
+          </a:fillRef>
+          <a:effectRef idx="1">
+            <a:schemeClr val="accent1"/>
+          </a:effectRef>
+          <a:fontRef idx="minor">
+            <a:schemeClr val="tx1"/>
+          </a:fontRef>
+        </p:style>
+      </p:cxnSp>
+      <p:sp>
+        <p:nvSpPr>
+          <p:cNvPr id="18" name="CasellaDiTesto 17">
+            <a:extLst>
+              <a:ext uri="{FF2B5EF4-FFF2-40B4-BE49-F238E27FC236}">
+                <a16:creationId xmlns:a16="http://schemas.microsoft.com/office/drawing/2014/main" id="{4A42430B-C733-A297-56E9-DFCD2F633137}"/>
+              </a:ext>
+            </a:extLst>
+          </p:cNvPr>
+          <p:cNvSpPr txBox="1"/>
+          <p:nvPr/>
+        </p:nvSpPr>
+        <p:spPr>
+          <a:xfrm>
+            <a:off x="94025" y="1989713"/>
+            <a:ext cx="762453" cy="646331"/>
+          </a:xfrm>
+          <a:prstGeom prst="rect">
+            <a:avLst/>
+          </a:prstGeom>
+          <a:noFill/>
+        </p:spPr>
+        <p:txBody>
+          <a:bodyPr wrap="none" rtlCol="0">
+            <a:spAutoFit/>
+          </a:bodyPr>
+          <a:lstStyle/>
+          <a:p>
+            <a:r>
+              <a:rPr lang="it-IT" dirty="0"/>
+              <a:t>Write </a:t>
+            </a:r>
+          </a:p>
+          <a:p>
+            <a:r>
+              <a:rPr lang="it-IT" dirty="0"/>
+              <a:t>data</a:t>
+            </a:r>
+          </a:p>
+        </p:txBody>
+      </p:sp>
+      <p:sp>
+        <p:nvSpPr>
+          <p:cNvPr id="21" name="CasellaDiTesto 20">
+            <a:extLst>
+              <a:ext uri="{FF2B5EF4-FFF2-40B4-BE49-F238E27FC236}">
+                <a16:creationId xmlns:a16="http://schemas.microsoft.com/office/drawing/2014/main" id="{1D7060FA-B929-3B95-E174-E330ED2C7A7C}"/>
+              </a:ext>
+            </a:extLst>
+          </p:cNvPr>
+          <p:cNvSpPr txBox="1"/>
+          <p:nvPr/>
+        </p:nvSpPr>
+        <p:spPr>
+          <a:xfrm>
+            <a:off x="77430" y="3807494"/>
+            <a:ext cx="873957" cy="646331"/>
+          </a:xfrm>
+          <a:prstGeom prst="rect">
+            <a:avLst/>
+          </a:prstGeom>
+          <a:noFill/>
+        </p:spPr>
+        <p:txBody>
+          <a:bodyPr wrap="none" rtlCol="0">
+            <a:spAutoFit/>
+          </a:bodyPr>
+          <a:lstStyle/>
+          <a:p>
+            <a:r>
+              <a:rPr lang="it-IT" dirty="0"/>
+              <a:t>Write </a:t>
+            </a:r>
+          </a:p>
+          <a:p>
+            <a:r>
+              <a:rPr lang="it-IT" dirty="0" err="1"/>
+              <a:t>Enable</a:t>
+            </a:r>
+            <a:endParaRPr lang="it-IT" dirty="0"/>
+          </a:p>
+        </p:txBody>
+      </p:sp>
+      <p:cxnSp>
+        <p:nvCxnSpPr>
+          <p:cNvPr id="22" name="Connettore 2 21">
+            <a:extLst>
+              <a:ext uri="{FF2B5EF4-FFF2-40B4-BE49-F238E27FC236}">
+                <a16:creationId xmlns:a16="http://schemas.microsoft.com/office/drawing/2014/main" id="{DFF69EFF-1FB0-50EB-6889-7FD91CA601C4}"/>
+              </a:ext>
+            </a:extLst>
+          </p:cNvPr>
+          <p:cNvCxnSpPr/>
+          <p:nvPr/>
+        </p:nvCxnSpPr>
+        <p:spPr>
+          <a:xfrm>
+            <a:off x="183798" y="2312879"/>
+            <a:ext cx="661219" cy="0"/>
+          </a:xfrm>
+          <a:prstGeom prst="straightConnector1">
+            <a:avLst/>
+          </a:prstGeom>
+          <a:ln>
+            <a:tailEnd type="triangle"/>
+          </a:ln>
+        </p:spPr>
+        <p:style>
+          <a:lnRef idx="2">
+            <a:schemeClr val="accent1"/>
+          </a:lnRef>
+          <a:fillRef idx="0">
+            <a:schemeClr val="accent1"/>
+          </a:fillRef>
+          <a:effectRef idx="1">
+            <a:schemeClr val="accent1"/>
+          </a:effectRef>
+          <a:fontRef idx="minor">
+            <a:schemeClr val="tx1"/>
+          </a:fontRef>
+        </p:style>
+      </p:cxnSp>
+      <p:cxnSp>
+        <p:nvCxnSpPr>
+          <p:cNvPr id="24" name="Connettore 2 23">
+            <a:extLst>
+              <a:ext uri="{FF2B5EF4-FFF2-40B4-BE49-F238E27FC236}">
+                <a16:creationId xmlns:a16="http://schemas.microsoft.com/office/drawing/2014/main" id="{2E5F8392-37F4-270D-FB82-578B8E94E0B2}"/>
+              </a:ext>
+            </a:extLst>
+          </p:cNvPr>
+          <p:cNvCxnSpPr/>
+          <p:nvPr/>
+        </p:nvCxnSpPr>
+        <p:spPr>
+          <a:xfrm flipH="1">
+            <a:off x="294968" y="5112774"/>
+            <a:ext cx="543232" cy="0"/>
+          </a:xfrm>
+          <a:prstGeom prst="straightConnector1">
+            <a:avLst/>
+          </a:prstGeom>
+          <a:ln>
+            <a:tailEnd type="triangle"/>
+          </a:ln>
+        </p:spPr>
+        <p:style>
+          <a:lnRef idx="2">
+            <a:schemeClr val="accent1"/>
+          </a:lnRef>
+          <a:fillRef idx="0">
+            <a:schemeClr val="accent1"/>
+          </a:fillRef>
+          <a:effectRef idx="1">
+            <a:schemeClr val="accent1"/>
+          </a:effectRef>
+          <a:fontRef idx="minor">
+            <a:schemeClr val="tx1"/>
+          </a:fontRef>
+        </p:style>
+      </p:cxnSp>
+      <p:sp>
+        <p:nvSpPr>
+          <p:cNvPr id="25" name="CasellaDiTesto 24">
+            <a:extLst>
+              <a:ext uri="{FF2B5EF4-FFF2-40B4-BE49-F238E27FC236}">
+                <a16:creationId xmlns:a16="http://schemas.microsoft.com/office/drawing/2014/main" id="{B4FC21BE-2061-0EB0-4DA8-2721046DE424}"/>
+              </a:ext>
+            </a:extLst>
+          </p:cNvPr>
+          <p:cNvSpPr txBox="1"/>
+          <p:nvPr/>
+        </p:nvSpPr>
+        <p:spPr>
+          <a:xfrm>
+            <a:off x="272479" y="5112774"/>
+            <a:ext cx="552202" cy="369332"/>
+          </a:xfrm>
+          <a:prstGeom prst="rect">
+            <a:avLst/>
+          </a:prstGeom>
+          <a:noFill/>
+        </p:spPr>
+        <p:txBody>
+          <a:bodyPr wrap="none" rtlCol="0">
+            <a:spAutoFit/>
+          </a:bodyPr>
+          <a:lstStyle/>
+          <a:p>
+            <a:r>
+              <a:rPr lang="it-IT" dirty="0"/>
+              <a:t>Full</a:t>
+            </a:r>
+          </a:p>
+        </p:txBody>
+      </p:sp>
+      <p:cxnSp>
+        <p:nvCxnSpPr>
+          <p:cNvPr id="27" name="Connettore diritto 26">
+            <a:extLst>
+              <a:ext uri="{FF2B5EF4-FFF2-40B4-BE49-F238E27FC236}">
+                <a16:creationId xmlns:a16="http://schemas.microsoft.com/office/drawing/2014/main" id="{22182D66-C6B9-5DC4-A6C9-12F7D95F158B}"/>
+              </a:ext>
+            </a:extLst>
+          </p:cNvPr>
+          <p:cNvCxnSpPr/>
+          <p:nvPr/>
+        </p:nvCxnSpPr>
+        <p:spPr>
+          <a:xfrm>
+            <a:off x="5565058" y="5034114"/>
+            <a:ext cx="0" cy="447992"/>
+          </a:xfrm>
+          <a:prstGeom prst="line">
+            <a:avLst/>
+          </a:prstGeom>
+        </p:spPr>
+        <p:style>
+          <a:lnRef idx="2">
+            <a:schemeClr val="accent1"/>
+          </a:lnRef>
+          <a:fillRef idx="0">
+            <a:schemeClr val="accent1"/>
+          </a:fillRef>
+          <a:effectRef idx="1">
+            <a:schemeClr val="accent1"/>
+          </a:effectRef>
+          <a:fontRef idx="minor">
+            <a:schemeClr val="tx1"/>
+          </a:fontRef>
+        </p:style>
+      </p:cxnSp>
+      <p:cxnSp>
+        <p:nvCxnSpPr>
+          <p:cNvPr id="29" name="Connettore 2 28">
+            <a:extLst>
+              <a:ext uri="{FF2B5EF4-FFF2-40B4-BE49-F238E27FC236}">
+                <a16:creationId xmlns:a16="http://schemas.microsoft.com/office/drawing/2014/main" id="{D9903BF5-EA78-A189-5A8F-1DA038FEEF70}"/>
+              </a:ext>
+            </a:extLst>
+          </p:cNvPr>
+          <p:cNvCxnSpPr/>
+          <p:nvPr/>
+        </p:nvCxnSpPr>
+        <p:spPr>
+          <a:xfrm flipH="1">
+            <a:off x="2491487" y="5482106"/>
+            <a:ext cx="3073571" cy="0"/>
+          </a:xfrm>
+          <a:prstGeom prst="straightConnector1">
+            <a:avLst/>
+          </a:prstGeom>
+          <a:ln>
+            <a:tailEnd type="triangle"/>
+          </a:ln>
+        </p:spPr>
+        <p:style>
+          <a:lnRef idx="2">
+            <a:schemeClr val="accent1"/>
+          </a:lnRef>
+          <a:fillRef idx="0">
+            <a:schemeClr val="accent1"/>
+          </a:fillRef>
+          <a:effectRef idx="1">
+            <a:schemeClr val="accent1"/>
+          </a:effectRef>
+          <a:fontRef idx="minor">
+            <a:schemeClr val="tx1"/>
+          </a:fontRef>
+        </p:style>
+      </p:cxnSp>
+      <p:cxnSp>
+        <p:nvCxnSpPr>
+          <p:cNvPr id="30" name="Connettore 2 29">
+            <a:extLst>
+              <a:ext uri="{FF2B5EF4-FFF2-40B4-BE49-F238E27FC236}">
+                <a16:creationId xmlns:a16="http://schemas.microsoft.com/office/drawing/2014/main" id="{C1431B93-D961-86D1-C61B-EB4290B5882B}"/>
+              </a:ext>
+            </a:extLst>
+          </p:cNvPr>
+          <p:cNvCxnSpPr>
+            <a:cxnSpLocks/>
+          </p:cNvCxnSpPr>
+          <p:nvPr/>
+        </p:nvCxnSpPr>
+        <p:spPr>
+          <a:xfrm>
+            <a:off x="6470982" y="5492560"/>
+            <a:ext cx="3052916" cy="0"/>
+          </a:xfrm>
+          <a:prstGeom prst="straightConnector1">
+            <a:avLst/>
+          </a:prstGeom>
+          <a:ln>
+            <a:tailEnd type="triangle"/>
+          </a:ln>
+        </p:spPr>
+        <p:style>
+          <a:lnRef idx="2">
+            <a:schemeClr val="accent1"/>
+          </a:lnRef>
+          <a:fillRef idx="0">
+            <a:schemeClr val="accent1"/>
+          </a:fillRef>
+          <a:effectRef idx="1">
+            <a:schemeClr val="accent1"/>
+          </a:effectRef>
+          <a:fontRef idx="minor">
+            <a:schemeClr val="tx1"/>
+          </a:fontRef>
+        </p:style>
+      </p:cxnSp>
+      <p:cxnSp>
+        <p:nvCxnSpPr>
+          <p:cNvPr id="33" name="Connettore diritto 32">
+            <a:extLst>
+              <a:ext uri="{FF2B5EF4-FFF2-40B4-BE49-F238E27FC236}">
+                <a16:creationId xmlns:a16="http://schemas.microsoft.com/office/drawing/2014/main" id="{8367A571-E62D-F3FB-FF3B-60961A78A145}"/>
+              </a:ext>
+            </a:extLst>
+          </p:cNvPr>
+          <p:cNvCxnSpPr>
+            <a:cxnSpLocks/>
+          </p:cNvCxnSpPr>
+          <p:nvPr/>
+        </p:nvCxnSpPr>
+        <p:spPr>
+          <a:xfrm flipV="1">
+            <a:off x="6470982" y="5034114"/>
+            <a:ext cx="0" cy="458446"/>
+          </a:xfrm>
+          <a:prstGeom prst="line">
+            <a:avLst/>
+          </a:prstGeom>
+        </p:spPr>
+        <p:style>
+          <a:lnRef idx="2">
+            <a:schemeClr val="accent1"/>
+          </a:lnRef>
+          <a:fillRef idx="0">
+            <a:schemeClr val="accent1"/>
+          </a:fillRef>
+          <a:effectRef idx="1">
+            <a:schemeClr val="accent1"/>
+          </a:effectRef>
+          <a:fontRef idx="minor">
+            <a:schemeClr val="tx1"/>
+          </a:fontRef>
+        </p:style>
+      </p:cxnSp>
+      <p:sp>
+        <p:nvSpPr>
+          <p:cNvPr id="35" name="CasellaDiTesto 34">
+            <a:extLst>
+              <a:ext uri="{FF2B5EF4-FFF2-40B4-BE49-F238E27FC236}">
+                <a16:creationId xmlns:a16="http://schemas.microsoft.com/office/drawing/2014/main" id="{09F136BE-F7AF-B19E-501A-7DC275467C1F}"/>
+              </a:ext>
+            </a:extLst>
+          </p:cNvPr>
+          <p:cNvSpPr txBox="1"/>
+          <p:nvPr/>
+        </p:nvSpPr>
+        <p:spPr>
+          <a:xfrm>
+            <a:off x="4106933" y="5138206"/>
+            <a:ext cx="552202" cy="369332"/>
+          </a:xfrm>
+          <a:prstGeom prst="rect">
+            <a:avLst/>
+          </a:prstGeom>
+          <a:noFill/>
+        </p:spPr>
+        <p:txBody>
+          <a:bodyPr wrap="none" rtlCol="0">
+            <a:spAutoFit/>
+          </a:bodyPr>
+          <a:lstStyle/>
+          <a:p>
+            <a:r>
+              <a:rPr lang="it-IT" dirty="0"/>
+              <a:t>Full</a:t>
+            </a:r>
+          </a:p>
+        </p:txBody>
+      </p:sp>
+      <p:sp>
+        <p:nvSpPr>
+          <p:cNvPr id="36" name="CasellaDiTesto 35">
+            <a:extLst>
+              <a:ext uri="{FF2B5EF4-FFF2-40B4-BE49-F238E27FC236}">
+                <a16:creationId xmlns:a16="http://schemas.microsoft.com/office/drawing/2014/main" id="{668A3E02-5E11-0B40-E6D5-60902BD352E6}"/>
+              </a:ext>
+            </a:extLst>
+          </p:cNvPr>
+          <p:cNvSpPr txBox="1"/>
+          <p:nvPr/>
+        </p:nvSpPr>
+        <p:spPr>
+          <a:xfrm>
+            <a:off x="6985732" y="5138206"/>
+            <a:ext cx="819455" cy="369332"/>
+          </a:xfrm>
+          <a:prstGeom prst="rect">
+            <a:avLst/>
+          </a:prstGeom>
+          <a:noFill/>
+        </p:spPr>
+        <p:txBody>
+          <a:bodyPr wrap="none" rtlCol="0">
+            <a:spAutoFit/>
+          </a:bodyPr>
+          <a:lstStyle/>
+          <a:p>
+            <a:r>
+              <a:rPr lang="it-IT" dirty="0" err="1"/>
+              <a:t>Empty</a:t>
+            </a:r>
+            <a:endParaRPr lang="it-IT" dirty="0"/>
+          </a:p>
+        </p:txBody>
+      </p:sp>
+      <p:cxnSp>
+        <p:nvCxnSpPr>
+          <p:cNvPr id="38" name="Connettore 2 37">
+            <a:extLst>
+              <a:ext uri="{FF2B5EF4-FFF2-40B4-BE49-F238E27FC236}">
+                <a16:creationId xmlns:a16="http://schemas.microsoft.com/office/drawing/2014/main" id="{FAA432B5-1A93-DB54-4D61-6319F63762A1}"/>
+              </a:ext>
+            </a:extLst>
+          </p:cNvPr>
+          <p:cNvCxnSpPr>
+            <a:endCxn id="9" idx="1"/>
+          </p:cNvCxnSpPr>
+          <p:nvPr/>
+        </p:nvCxnSpPr>
+        <p:spPr>
+          <a:xfrm>
+            <a:off x="2491487" y="4571766"/>
+            <a:ext cx="364783" cy="3"/>
+          </a:xfrm>
+          <a:prstGeom prst="straightConnector1">
+            <a:avLst/>
+          </a:prstGeom>
+          <a:ln>
+            <a:tailEnd type="triangle"/>
+          </a:ln>
+        </p:spPr>
+        <p:style>
+          <a:lnRef idx="2">
+            <a:schemeClr val="accent1"/>
+          </a:lnRef>
+          <a:fillRef idx="0">
+            <a:schemeClr val="accent1"/>
+          </a:fillRef>
+          <a:effectRef idx="1">
+            <a:schemeClr val="accent1"/>
+          </a:effectRef>
+          <a:fontRef idx="minor">
+            <a:schemeClr val="tx1"/>
+          </a:fontRef>
+        </p:style>
+      </p:cxnSp>
+      <p:cxnSp>
+        <p:nvCxnSpPr>
+          <p:cNvPr id="40" name="Connettore 2 39">
+            <a:extLst>
+              <a:ext uri="{FF2B5EF4-FFF2-40B4-BE49-F238E27FC236}">
+                <a16:creationId xmlns:a16="http://schemas.microsoft.com/office/drawing/2014/main" id="{EE9E7D31-D1A7-D246-5B49-4418D9DD8012}"/>
+              </a:ext>
+            </a:extLst>
+          </p:cNvPr>
+          <p:cNvCxnSpPr>
+            <a:stCxn id="9" idx="3"/>
+            <a:endCxn id="10" idx="1"/>
+          </p:cNvCxnSpPr>
+          <p:nvPr/>
+        </p:nvCxnSpPr>
+        <p:spPr>
+          <a:xfrm flipV="1">
+            <a:off x="4478593" y="4571767"/>
+            <a:ext cx="537949" cy="2"/>
+          </a:xfrm>
+          <a:prstGeom prst="straightConnector1">
+            <a:avLst/>
+          </a:prstGeom>
+          <a:ln>
+            <a:tailEnd type="triangle"/>
+          </a:ln>
+        </p:spPr>
+        <p:style>
+          <a:lnRef idx="2">
+            <a:schemeClr val="accent1"/>
+          </a:lnRef>
+          <a:fillRef idx="0">
+            <a:schemeClr val="accent1"/>
+          </a:fillRef>
+          <a:effectRef idx="1">
+            <a:schemeClr val="accent1"/>
+          </a:effectRef>
+          <a:fontRef idx="minor">
+            <a:schemeClr val="tx1"/>
+          </a:fontRef>
+        </p:style>
+      </p:cxnSp>
+      <p:cxnSp>
+        <p:nvCxnSpPr>
+          <p:cNvPr id="42" name="Connettore 2 41">
+            <a:extLst>
+              <a:ext uri="{FF2B5EF4-FFF2-40B4-BE49-F238E27FC236}">
+                <a16:creationId xmlns:a16="http://schemas.microsoft.com/office/drawing/2014/main" id="{D33A79C9-E255-664B-F3AE-46880D0FD31C}"/>
+              </a:ext>
+            </a:extLst>
+          </p:cNvPr>
+          <p:cNvCxnSpPr>
+            <a:endCxn id="11" idx="3"/>
+          </p:cNvCxnSpPr>
+          <p:nvPr/>
+        </p:nvCxnSpPr>
+        <p:spPr>
+          <a:xfrm flipH="1">
+            <a:off x="9122971" y="4571766"/>
+            <a:ext cx="400927" cy="1"/>
+          </a:xfrm>
+          <a:prstGeom prst="straightConnector1">
+            <a:avLst/>
+          </a:prstGeom>
+          <a:ln>
+            <a:tailEnd type="triangle"/>
+          </a:ln>
+        </p:spPr>
+        <p:style>
+          <a:lnRef idx="2">
+            <a:schemeClr val="accent1"/>
+          </a:lnRef>
+          <a:fillRef idx="0">
+            <a:schemeClr val="accent1"/>
+          </a:fillRef>
+          <a:effectRef idx="1">
+            <a:schemeClr val="accent1"/>
+          </a:effectRef>
+          <a:fontRef idx="minor">
+            <a:schemeClr val="tx1"/>
+          </a:fontRef>
+        </p:style>
+      </p:cxnSp>
+      <p:cxnSp>
+        <p:nvCxnSpPr>
+          <p:cNvPr id="44" name="Connettore 2 43">
+            <a:extLst>
+              <a:ext uri="{FF2B5EF4-FFF2-40B4-BE49-F238E27FC236}">
+                <a16:creationId xmlns:a16="http://schemas.microsoft.com/office/drawing/2014/main" id="{81E2E7EF-F113-C784-5A5F-62DB2F3522CD}"/>
+              </a:ext>
+            </a:extLst>
+          </p:cNvPr>
+          <p:cNvCxnSpPr>
+            <a:stCxn id="11" idx="1"/>
+            <a:endCxn id="10" idx="3"/>
+          </p:cNvCxnSpPr>
+          <p:nvPr/>
+        </p:nvCxnSpPr>
+        <p:spPr>
+          <a:xfrm flipH="1">
+            <a:off x="6756222" y="4571767"/>
+            <a:ext cx="537949" cy="0"/>
+          </a:xfrm>
+          <a:prstGeom prst="straightConnector1">
+            <a:avLst/>
+          </a:prstGeom>
+          <a:ln>
+            <a:tailEnd type="triangle"/>
+          </a:ln>
+        </p:spPr>
+        <p:style>
+          <a:lnRef idx="2">
+            <a:schemeClr val="accent1"/>
+          </a:lnRef>
+          <a:fillRef idx="0">
+            <a:schemeClr val="accent1"/>
+          </a:fillRef>
+          <a:effectRef idx="1">
+            <a:schemeClr val="accent1"/>
+          </a:effectRef>
+          <a:fontRef idx="minor">
+            <a:schemeClr val="tx1"/>
+          </a:fontRef>
+        </p:style>
+      </p:cxnSp>
+      <p:cxnSp>
+        <p:nvCxnSpPr>
+          <p:cNvPr id="46" name="Connettore 2 45">
+            <a:extLst>
+              <a:ext uri="{FF2B5EF4-FFF2-40B4-BE49-F238E27FC236}">
+                <a16:creationId xmlns:a16="http://schemas.microsoft.com/office/drawing/2014/main" id="{04682C3D-E984-A022-5D0A-7671767CAE1E}"/>
+              </a:ext>
+            </a:extLst>
+          </p:cNvPr>
+          <p:cNvCxnSpPr>
+            <a:stCxn id="11" idx="0"/>
+          </p:cNvCxnSpPr>
+          <p:nvPr/>
+        </p:nvCxnSpPr>
+        <p:spPr>
+          <a:xfrm flipV="1">
+            <a:off x="8208571" y="3132419"/>
+            <a:ext cx="0" cy="977000"/>
+          </a:xfrm>
+          <a:prstGeom prst="straightConnector1">
+            <a:avLst/>
+          </a:prstGeom>
+          <a:ln>
+            <a:tailEnd type="triangle"/>
+          </a:ln>
+        </p:spPr>
+        <p:style>
+          <a:lnRef idx="2">
+            <a:schemeClr val="accent1"/>
+          </a:lnRef>
+          <a:fillRef idx="0">
+            <a:schemeClr val="accent1"/>
+          </a:fillRef>
+          <a:effectRef idx="1">
+            <a:schemeClr val="accent1"/>
+          </a:effectRef>
+          <a:fontRef idx="minor">
+            <a:schemeClr val="tx1"/>
+          </a:fontRef>
+        </p:style>
+      </p:cxnSp>
+      <p:cxnSp>
+        <p:nvCxnSpPr>
+          <p:cNvPr id="48" name="Connettore 2 47">
+            <a:extLst>
+              <a:ext uri="{FF2B5EF4-FFF2-40B4-BE49-F238E27FC236}">
+                <a16:creationId xmlns:a16="http://schemas.microsoft.com/office/drawing/2014/main" id="{8A470CEA-2051-4C37-B055-21286D8B09C0}"/>
+              </a:ext>
+            </a:extLst>
+          </p:cNvPr>
+          <p:cNvCxnSpPr>
+            <a:stCxn id="9" idx="0"/>
+          </p:cNvCxnSpPr>
+          <p:nvPr/>
+        </p:nvCxnSpPr>
+        <p:spPr>
+          <a:xfrm flipH="1" flipV="1">
+            <a:off x="3667431" y="3116891"/>
+            <a:ext cx="1" cy="992531"/>
+          </a:xfrm>
+          <a:prstGeom prst="straightConnector1">
+            <a:avLst/>
+          </a:prstGeom>
+          <a:ln>
+            <a:tailEnd type="triangle"/>
+          </a:ln>
+        </p:spPr>
+        <p:style>
+          <a:lnRef idx="2">
+            <a:schemeClr val="accent1"/>
+          </a:lnRef>
+          <a:fillRef idx="0">
+            <a:schemeClr val="accent1"/>
+          </a:fillRef>
+          <a:effectRef idx="1">
+            <a:schemeClr val="accent1"/>
+          </a:effectRef>
+          <a:fontRef idx="minor">
+            <a:schemeClr val="tx1"/>
+          </a:fontRef>
+        </p:style>
+      </p:cxnSp>
+      <p:cxnSp>
+        <p:nvCxnSpPr>
+          <p:cNvPr id="50" name="Connettore 2 49">
+            <a:extLst>
+              <a:ext uri="{FF2B5EF4-FFF2-40B4-BE49-F238E27FC236}">
+                <a16:creationId xmlns:a16="http://schemas.microsoft.com/office/drawing/2014/main" id="{FEE83A60-E686-FDBC-F9E6-879041E75558}"/>
+              </a:ext>
+            </a:extLst>
+          </p:cNvPr>
+          <p:cNvCxnSpPr>
+            <a:cxnSpLocks/>
+          </p:cNvCxnSpPr>
+          <p:nvPr/>
+        </p:nvCxnSpPr>
+        <p:spPr>
+          <a:xfrm>
+            <a:off x="2491487" y="2010736"/>
+            <a:ext cx="880617" cy="0"/>
+          </a:xfrm>
+          <a:prstGeom prst="straightConnector1">
+            <a:avLst/>
+          </a:prstGeom>
+          <a:ln>
+            <a:tailEnd type="triangle"/>
+          </a:ln>
+        </p:spPr>
+        <p:style>
+          <a:lnRef idx="2">
+            <a:schemeClr val="accent1"/>
+          </a:lnRef>
+          <a:fillRef idx="0">
+            <a:schemeClr val="accent1"/>
+          </a:fillRef>
+          <a:effectRef idx="1">
+            <a:schemeClr val="accent1"/>
+          </a:effectRef>
+          <a:fontRef idx="minor">
+            <a:schemeClr val="tx1"/>
+          </a:fontRef>
+        </p:style>
+      </p:cxnSp>
+      <p:cxnSp>
+        <p:nvCxnSpPr>
+          <p:cNvPr id="52" name="Connettore 2 51">
+            <a:extLst>
+              <a:ext uri="{FF2B5EF4-FFF2-40B4-BE49-F238E27FC236}">
+                <a16:creationId xmlns:a16="http://schemas.microsoft.com/office/drawing/2014/main" id="{F32D7516-8516-C448-9ED9-60A5FABC114C}"/>
+              </a:ext>
+            </a:extLst>
+          </p:cNvPr>
+          <p:cNvCxnSpPr>
+            <a:stCxn id="14" idx="3"/>
+          </p:cNvCxnSpPr>
+          <p:nvPr/>
+        </p:nvCxnSpPr>
+        <p:spPr>
+          <a:xfrm>
+            <a:off x="8642310" y="1967930"/>
+            <a:ext cx="924477" cy="0"/>
+          </a:xfrm>
+          <a:prstGeom prst="straightConnector1">
+            <a:avLst/>
+          </a:prstGeom>
+          <a:ln>
+            <a:tailEnd type="triangle"/>
+          </a:ln>
+        </p:spPr>
+        <p:style>
+          <a:lnRef idx="2">
+            <a:schemeClr val="accent1"/>
+          </a:lnRef>
+          <a:fillRef idx="0">
+            <a:schemeClr val="accent1"/>
+          </a:fillRef>
+          <a:effectRef idx="1">
+            <a:schemeClr val="accent1"/>
+          </a:effectRef>
+          <a:fontRef idx="minor">
+            <a:schemeClr val="tx1"/>
+          </a:fontRef>
+        </p:style>
+      </p:cxnSp>
+      <p:cxnSp>
+        <p:nvCxnSpPr>
+          <p:cNvPr id="54" name="Connettore 2 53">
+            <a:extLst>
+              <a:ext uri="{FF2B5EF4-FFF2-40B4-BE49-F238E27FC236}">
+                <a16:creationId xmlns:a16="http://schemas.microsoft.com/office/drawing/2014/main" id="{2265773F-A842-FFBF-CF72-A3065E9F0471}"/>
+              </a:ext>
+            </a:extLst>
+          </p:cNvPr>
+          <p:cNvCxnSpPr/>
+          <p:nvPr/>
+        </p:nvCxnSpPr>
+        <p:spPr>
+          <a:xfrm>
+            <a:off x="11395587" y="2137207"/>
+            <a:ext cx="471948" cy="0"/>
+          </a:xfrm>
+          <a:prstGeom prst="straightConnector1">
+            <a:avLst/>
+          </a:prstGeom>
+          <a:ln>
+            <a:tailEnd type="triangle"/>
+          </a:ln>
+        </p:spPr>
+        <p:style>
+          <a:lnRef idx="2">
+            <a:schemeClr val="accent1"/>
+          </a:lnRef>
+          <a:fillRef idx="0">
+            <a:schemeClr val="accent1"/>
+          </a:fillRef>
+          <a:effectRef idx="1">
+            <a:schemeClr val="accent1"/>
+          </a:effectRef>
+          <a:fontRef idx="minor">
+            <a:schemeClr val="tx1"/>
+          </a:fontRef>
+        </p:style>
+      </p:cxnSp>
+      <p:cxnSp>
+        <p:nvCxnSpPr>
+          <p:cNvPr id="56" name="Connettore 2 55">
+            <a:extLst>
+              <a:ext uri="{FF2B5EF4-FFF2-40B4-BE49-F238E27FC236}">
+                <a16:creationId xmlns:a16="http://schemas.microsoft.com/office/drawing/2014/main" id="{EEE8AFF7-60E8-7768-3511-F6E83A201D69}"/>
+              </a:ext>
+            </a:extLst>
+          </p:cNvPr>
+          <p:cNvCxnSpPr/>
+          <p:nvPr/>
+        </p:nvCxnSpPr>
+        <p:spPr>
+          <a:xfrm flipH="1">
+            <a:off x="11395587" y="3923071"/>
+            <a:ext cx="481781" cy="0"/>
+          </a:xfrm>
+          <a:prstGeom prst="straightConnector1">
+            <a:avLst/>
+          </a:prstGeom>
+          <a:ln>
+            <a:tailEnd type="triangle"/>
+          </a:ln>
+        </p:spPr>
+        <p:style>
+          <a:lnRef idx="2">
+            <a:schemeClr val="accent1"/>
+          </a:lnRef>
+          <a:fillRef idx="0">
+            <a:schemeClr val="accent1"/>
+          </a:fillRef>
+          <a:effectRef idx="1">
+            <a:schemeClr val="accent1"/>
+          </a:effectRef>
+          <a:fontRef idx="minor">
+            <a:schemeClr val="tx1"/>
+          </a:fontRef>
+        </p:style>
+      </p:cxnSp>
+      <p:cxnSp>
+        <p:nvCxnSpPr>
+          <p:cNvPr id="58" name="Connettore 2 57">
+            <a:extLst>
+              <a:ext uri="{FF2B5EF4-FFF2-40B4-BE49-F238E27FC236}">
+                <a16:creationId xmlns:a16="http://schemas.microsoft.com/office/drawing/2014/main" id="{F90B61F2-6BFA-D5CD-A0AF-6CD2F6E02810}"/>
+              </a:ext>
+            </a:extLst>
+          </p:cNvPr>
+          <p:cNvCxnSpPr/>
+          <p:nvPr/>
+        </p:nvCxnSpPr>
+        <p:spPr>
+          <a:xfrm>
+            <a:off x="11395587" y="5482106"/>
+            <a:ext cx="471948" cy="0"/>
+          </a:xfrm>
+          <a:prstGeom prst="straightConnector1">
+            <a:avLst/>
+          </a:prstGeom>
+          <a:ln>
+            <a:tailEnd type="triangle"/>
+          </a:ln>
+        </p:spPr>
+        <p:style>
+          <a:lnRef idx="2">
+            <a:schemeClr val="accent1"/>
+          </a:lnRef>
+          <a:fillRef idx="0">
+            <a:schemeClr val="accent1"/>
+          </a:fillRef>
+          <a:effectRef idx="1">
+            <a:schemeClr val="accent1"/>
+          </a:effectRef>
+          <a:fontRef idx="minor">
+            <a:schemeClr val="tx1"/>
+          </a:fontRef>
+        </p:style>
+      </p:cxnSp>
+      <p:sp>
+        <p:nvSpPr>
+          <p:cNvPr id="59" name="CasellaDiTesto 58">
+            <a:extLst>
+              <a:ext uri="{FF2B5EF4-FFF2-40B4-BE49-F238E27FC236}">
+                <a16:creationId xmlns:a16="http://schemas.microsoft.com/office/drawing/2014/main" id="{C4D42B2A-03FF-127C-3AE7-E450DA8F89D8}"/>
+              </a:ext>
+            </a:extLst>
+          </p:cNvPr>
+          <p:cNvSpPr txBox="1"/>
+          <p:nvPr/>
+        </p:nvSpPr>
+        <p:spPr>
+          <a:xfrm>
+            <a:off x="11438476" y="1814041"/>
+            <a:ext cx="699230" cy="646331"/>
+          </a:xfrm>
+          <a:prstGeom prst="rect">
+            <a:avLst/>
+          </a:prstGeom>
+          <a:noFill/>
+        </p:spPr>
+        <p:txBody>
+          <a:bodyPr wrap="none" rtlCol="0">
+            <a:spAutoFit/>
+          </a:bodyPr>
+          <a:lstStyle/>
+          <a:p>
+            <a:r>
+              <a:rPr lang="it-IT" dirty="0"/>
+              <a:t>Read</a:t>
+            </a:r>
+          </a:p>
+          <a:p>
+            <a:r>
+              <a:rPr lang="it-IT" dirty="0"/>
+              <a:t>data</a:t>
+            </a:r>
+          </a:p>
+        </p:txBody>
+      </p:sp>
+      <p:sp>
+        <p:nvSpPr>
+          <p:cNvPr id="60" name="CasellaDiTesto 59">
+            <a:extLst>
+              <a:ext uri="{FF2B5EF4-FFF2-40B4-BE49-F238E27FC236}">
+                <a16:creationId xmlns:a16="http://schemas.microsoft.com/office/drawing/2014/main" id="{FDBD1C20-E673-D303-A76C-90D17D901A89}"/>
+              </a:ext>
+            </a:extLst>
+          </p:cNvPr>
+          <p:cNvSpPr txBox="1"/>
+          <p:nvPr/>
+        </p:nvSpPr>
+        <p:spPr>
+          <a:xfrm>
+            <a:off x="11354318" y="3609415"/>
+            <a:ext cx="867545" cy="646331"/>
+          </a:xfrm>
+          <a:prstGeom prst="rect">
+            <a:avLst/>
+          </a:prstGeom>
+          <a:noFill/>
+        </p:spPr>
+        <p:txBody>
+          <a:bodyPr wrap="none" rtlCol="0">
+            <a:spAutoFit/>
+          </a:bodyPr>
+          <a:lstStyle/>
+          <a:p>
+            <a:r>
+              <a:rPr lang="it-IT" dirty="0"/>
+              <a:t>Read</a:t>
+            </a:r>
+          </a:p>
+          <a:p>
+            <a:r>
+              <a:rPr lang="it-IT" dirty="0" err="1"/>
+              <a:t>enable</a:t>
+            </a:r>
+            <a:endParaRPr lang="it-IT" dirty="0"/>
+          </a:p>
+        </p:txBody>
+      </p:sp>
+      <p:sp>
+        <p:nvSpPr>
+          <p:cNvPr id="61" name="CasellaDiTesto 60">
+            <a:extLst>
+              <a:ext uri="{FF2B5EF4-FFF2-40B4-BE49-F238E27FC236}">
+                <a16:creationId xmlns:a16="http://schemas.microsoft.com/office/drawing/2014/main" id="{E1DB4B0C-02BE-B360-DA3D-2CD57D589B02}"/>
+              </a:ext>
+            </a:extLst>
+          </p:cNvPr>
+          <p:cNvSpPr txBox="1"/>
+          <p:nvPr/>
+        </p:nvSpPr>
+        <p:spPr>
+          <a:xfrm>
+            <a:off x="11379655" y="5034114"/>
+            <a:ext cx="819455" cy="369332"/>
+          </a:xfrm>
+          <a:prstGeom prst="rect">
+            <a:avLst/>
+          </a:prstGeom>
+          <a:noFill/>
+        </p:spPr>
+        <p:txBody>
+          <a:bodyPr wrap="none" rtlCol="0">
+            <a:spAutoFit/>
+          </a:bodyPr>
+          <a:lstStyle/>
+          <a:p>
+            <a:r>
+              <a:rPr lang="it-IT" dirty="0" err="1"/>
+              <a:t>Empty</a:t>
+            </a:r>
+            <a:endParaRPr lang="it-IT" dirty="0"/>
+          </a:p>
+        </p:txBody>
+      </p:sp>
+    </p:spTree>
+    <p:extLst>
+      <p:ext uri="{BB962C8B-B14F-4D97-AF65-F5344CB8AC3E}">
+        <p14:creationId xmlns:p14="http://schemas.microsoft.com/office/powerpoint/2010/main" val="1466904139"/>
       </p:ext>
     </p:extLst>
   </p:cSld>

--- a/poject.pptx
+++ b/poject.pptx
@@ -9,6 +9,7 @@
     <p:sldId id="257" r:id="rId3"/>
     <p:sldId id="258" r:id="rId4"/>
     <p:sldId id="259" r:id="rId5"/>
+    <p:sldId id="260" r:id="rId6"/>
   </p:sldIdLst>
   <p:sldSz cx="12192000" cy="6858000"/>
   <p:notesSz cx="6858000" cy="9144000"/>
@@ -6827,8 +6828,8 @@
         </p:nvSpPr>
         <p:spPr>
           <a:xfrm>
-            <a:off x="5343180" y="3625148"/>
-            <a:ext cx="1781065" cy="369332"/>
+            <a:off x="5164801" y="3625285"/>
+            <a:ext cx="1978042" cy="646331"/>
           </a:xfrm>
           <a:prstGeom prst="rect">
             <a:avLst/>
@@ -6845,6 +6846,17 @@
               <a:rPr lang="it-IT" dirty="0"/>
               <a:t>Central Memory</a:t>
             </a:r>
+          </a:p>
+          <a:p>
+            <a:r>
+              <a:rPr lang="it-IT" dirty="0"/>
+              <a:t>Dual Port </a:t>
+            </a:r>
+            <a:r>
+              <a:rPr lang="it-IT" dirty="0" err="1"/>
+              <a:t>memory</a:t>
+            </a:r>
+            <a:endParaRPr lang="it-IT" dirty="0"/>
           </a:p>
         </p:txBody>
       </p:sp>
@@ -7004,10 +7016,10 @@
       </p:cxnSp>
       <p:sp>
         <p:nvSpPr>
-          <p:cNvPr id="20" name="CasellaDiTesto 19">
-            <a:extLst>
-              <a:ext uri="{FF2B5EF4-FFF2-40B4-BE49-F238E27FC236}">
-                <a16:creationId xmlns:a16="http://schemas.microsoft.com/office/drawing/2014/main" id="{0E4913F4-84B5-E948-7EFC-EBFCE4C34758}"/>
+          <p:cNvPr id="25" name="CasellaDiTesto 24">
+            <a:extLst>
+              <a:ext uri="{FF2B5EF4-FFF2-40B4-BE49-F238E27FC236}">
+                <a16:creationId xmlns:a16="http://schemas.microsoft.com/office/drawing/2014/main" id="{97880FD0-1B5D-6AA6-1C5B-3294E0424AE1}"/>
               </a:ext>
             </a:extLst>
           </p:cNvPr>
@@ -7016,8 +7028,8 @@
         </p:nvSpPr>
         <p:spPr>
           <a:xfrm>
-            <a:off x="3069159" y="4962802"/>
-            <a:ext cx="1289584" cy="369332"/>
+            <a:off x="1553497" y="3287159"/>
+            <a:ext cx="1109406" cy="369332"/>
           </a:xfrm>
           <a:prstGeom prst="rect">
             <a:avLst/>
@@ -7032,29 +7044,212 @@
           <a:p>
             <a:r>
               <a:rPr lang="it-IT" dirty="0"/>
-              <a:t>-FIFO FULL</a:t>
+              <a:t>Counters</a:t>
             </a:r>
           </a:p>
         </p:txBody>
       </p:sp>
       <p:cxnSp>
         <p:nvCxnSpPr>
-          <p:cNvPr id="22" name="Connettore 2 21">
-            <a:extLst>
-              <a:ext uri="{FF2B5EF4-FFF2-40B4-BE49-F238E27FC236}">
-                <a16:creationId xmlns:a16="http://schemas.microsoft.com/office/drawing/2014/main" id="{021B5E0A-273F-6B05-8D8D-EADCA8EB6ED3}"/>
-              </a:ext>
-            </a:extLst>
-          </p:cNvPr>
-          <p:cNvCxnSpPr>
-            <a:cxnSpLocks/>
-          </p:cNvCxnSpPr>
+          <p:cNvPr id="33" name="Connettore 2 32">
+            <a:extLst>
+              <a:ext uri="{FF2B5EF4-FFF2-40B4-BE49-F238E27FC236}">
+                <a16:creationId xmlns:a16="http://schemas.microsoft.com/office/drawing/2014/main" id="{B4AA0415-E5F4-14AC-4467-826ECEDCAE62}"/>
+              </a:ext>
+            </a:extLst>
+          </p:cNvPr>
+          <p:cNvCxnSpPr/>
           <p:nvPr/>
         </p:nvCxnSpPr>
         <p:spPr>
-          <a:xfrm flipV="1">
-            <a:off x="6689035" y="4986347"/>
-            <a:ext cx="231738" cy="196165"/>
+          <a:xfrm flipH="1">
+            <a:off x="2385059" y="2992015"/>
+            <a:ext cx="112335" cy="295144"/>
+          </a:xfrm>
+          <a:prstGeom prst="straightConnector1">
+            <a:avLst/>
+          </a:prstGeom>
+          <a:ln>
+            <a:tailEnd type="triangle"/>
+          </a:ln>
+        </p:spPr>
+        <p:style>
+          <a:lnRef idx="2">
+            <a:schemeClr val="accent1"/>
+          </a:lnRef>
+          <a:fillRef idx="0">
+            <a:schemeClr val="accent1"/>
+          </a:fillRef>
+          <a:effectRef idx="1">
+            <a:schemeClr val="accent1"/>
+          </a:effectRef>
+          <a:fontRef idx="minor">
+            <a:schemeClr val="tx1"/>
+          </a:fontRef>
+        </p:style>
+      </p:cxnSp>
+      <p:sp>
+        <p:nvSpPr>
+          <p:cNvPr id="38" name="CasellaDiTesto 37">
+            <a:extLst>
+              <a:ext uri="{FF2B5EF4-FFF2-40B4-BE49-F238E27FC236}">
+                <a16:creationId xmlns:a16="http://schemas.microsoft.com/office/drawing/2014/main" id="{998FA1B8-88FC-0256-6FE0-16E3B2E27F60}"/>
+              </a:ext>
+            </a:extLst>
+          </p:cNvPr>
+          <p:cNvSpPr txBox="1"/>
+          <p:nvPr/>
+        </p:nvSpPr>
+        <p:spPr>
+          <a:xfrm>
+            <a:off x="7901966" y="4580762"/>
+            <a:ext cx="1106457" cy="1200329"/>
+          </a:xfrm>
+          <a:prstGeom prst="rect">
+            <a:avLst/>
+          </a:prstGeom>
+          <a:noFill/>
+        </p:spPr>
+        <p:txBody>
+          <a:bodyPr wrap="none" rtlCol="0">
+            <a:spAutoFit/>
+          </a:bodyPr>
+          <a:lstStyle>
+            <a:defPPr>
+              <a:defRPr lang="en-US"/>
+            </a:defPPr>
+            <a:lvl1pPr marL="0" algn="l" defTabSz="914400" rtl="0" eaLnBrk="1" latinLnBrk="0" hangingPunct="1">
+              <a:defRPr sz="1800" kern="1200">
+                <a:solidFill>
+                  <a:schemeClr val="tx1"/>
+                </a:solidFill>
+                <a:latin typeface="+mn-lt"/>
+                <a:ea typeface="+mn-ea"/>
+                <a:cs typeface="+mn-cs"/>
+              </a:defRPr>
+            </a:lvl1pPr>
+            <a:lvl2pPr marL="457200" algn="l" defTabSz="914400" rtl="0" eaLnBrk="1" latinLnBrk="0" hangingPunct="1">
+              <a:defRPr sz="1800" kern="1200">
+                <a:solidFill>
+                  <a:schemeClr val="tx1"/>
+                </a:solidFill>
+                <a:latin typeface="+mn-lt"/>
+                <a:ea typeface="+mn-ea"/>
+                <a:cs typeface="+mn-cs"/>
+              </a:defRPr>
+            </a:lvl2pPr>
+            <a:lvl3pPr marL="914400" algn="l" defTabSz="914400" rtl="0" eaLnBrk="1" latinLnBrk="0" hangingPunct="1">
+              <a:defRPr sz="1800" kern="1200">
+                <a:solidFill>
+                  <a:schemeClr val="tx1"/>
+                </a:solidFill>
+                <a:latin typeface="+mn-lt"/>
+                <a:ea typeface="+mn-ea"/>
+                <a:cs typeface="+mn-cs"/>
+              </a:defRPr>
+            </a:lvl3pPr>
+            <a:lvl4pPr marL="1371600" algn="l" defTabSz="914400" rtl="0" eaLnBrk="1" latinLnBrk="0" hangingPunct="1">
+              <a:defRPr sz="1800" kern="1200">
+                <a:solidFill>
+                  <a:schemeClr val="tx1"/>
+                </a:solidFill>
+                <a:latin typeface="+mn-lt"/>
+                <a:ea typeface="+mn-ea"/>
+                <a:cs typeface="+mn-cs"/>
+              </a:defRPr>
+            </a:lvl4pPr>
+            <a:lvl5pPr marL="1828800" algn="l" defTabSz="914400" rtl="0" eaLnBrk="1" latinLnBrk="0" hangingPunct="1">
+              <a:defRPr sz="1800" kern="1200">
+                <a:solidFill>
+                  <a:schemeClr val="tx1"/>
+                </a:solidFill>
+                <a:latin typeface="+mn-lt"/>
+                <a:ea typeface="+mn-ea"/>
+                <a:cs typeface="+mn-cs"/>
+              </a:defRPr>
+            </a:lvl5pPr>
+            <a:lvl6pPr marL="2286000" algn="l" defTabSz="914400" rtl="0" eaLnBrk="1" latinLnBrk="0" hangingPunct="1">
+              <a:defRPr sz="1800" kern="1200">
+                <a:solidFill>
+                  <a:schemeClr val="tx1"/>
+                </a:solidFill>
+                <a:latin typeface="+mn-lt"/>
+                <a:ea typeface="+mn-ea"/>
+                <a:cs typeface="+mn-cs"/>
+              </a:defRPr>
+            </a:lvl6pPr>
+            <a:lvl7pPr marL="2743200" algn="l" defTabSz="914400" rtl="0" eaLnBrk="1" latinLnBrk="0" hangingPunct="1">
+              <a:defRPr sz="1800" kern="1200">
+                <a:solidFill>
+                  <a:schemeClr val="tx1"/>
+                </a:solidFill>
+                <a:latin typeface="+mn-lt"/>
+                <a:ea typeface="+mn-ea"/>
+                <a:cs typeface="+mn-cs"/>
+              </a:defRPr>
+            </a:lvl7pPr>
+            <a:lvl8pPr marL="3200400" algn="l" defTabSz="914400" rtl="0" eaLnBrk="1" latinLnBrk="0" hangingPunct="1">
+              <a:defRPr sz="1800" kern="1200">
+                <a:solidFill>
+                  <a:schemeClr val="tx1"/>
+                </a:solidFill>
+                <a:latin typeface="+mn-lt"/>
+                <a:ea typeface="+mn-ea"/>
+                <a:cs typeface="+mn-cs"/>
+              </a:defRPr>
+            </a:lvl8pPr>
+            <a:lvl9pPr marL="3657600" algn="l" defTabSz="914400" rtl="0" eaLnBrk="1" latinLnBrk="0" hangingPunct="1">
+              <a:defRPr sz="1800" kern="1200">
+                <a:solidFill>
+                  <a:schemeClr val="tx1"/>
+                </a:solidFill>
+                <a:latin typeface="+mn-lt"/>
+                <a:ea typeface="+mn-ea"/>
+                <a:cs typeface="+mn-cs"/>
+              </a:defRPr>
+            </a:lvl9pPr>
+          </a:lstStyle>
+          <a:p>
+            <a:r>
+              <a:rPr lang="it-IT" dirty="0" err="1"/>
+              <a:t>Registers</a:t>
+            </a:r>
+            <a:endParaRPr lang="it-IT" dirty="0"/>
+          </a:p>
+          <a:p>
+            <a:r>
+              <a:rPr lang="it-IT" dirty="0" err="1"/>
+              <a:t>BRam</a:t>
+            </a:r>
+            <a:endParaRPr lang="it-IT" dirty="0"/>
+          </a:p>
+          <a:p>
+            <a:r>
+              <a:rPr lang="it-IT" dirty="0"/>
+              <a:t>LUT</a:t>
+            </a:r>
+          </a:p>
+          <a:p>
+            <a:endParaRPr lang="it-IT" dirty="0"/>
+          </a:p>
+        </p:txBody>
+      </p:sp>
+      <p:cxnSp>
+        <p:nvCxnSpPr>
+          <p:cNvPr id="43" name="Connettore 2 42">
+            <a:extLst>
+              <a:ext uri="{FF2B5EF4-FFF2-40B4-BE49-F238E27FC236}">
+                <a16:creationId xmlns:a16="http://schemas.microsoft.com/office/drawing/2014/main" id="{ECEE649A-3699-BABA-872A-121A99DC3446}"/>
+              </a:ext>
+            </a:extLst>
+          </p:cNvPr>
+          <p:cNvCxnSpPr/>
+          <p:nvPr/>
+        </p:nvCxnSpPr>
+        <p:spPr>
+          <a:xfrm>
+            <a:off x="7142843" y="4271616"/>
+            <a:ext cx="663970" cy="467532"/>
           </a:xfrm>
           <a:prstGeom prst="straightConnector1">
             <a:avLst/>
@@ -7080,374 +7275,22 @@
       </p:cxnSp>
       <p:cxnSp>
         <p:nvCxnSpPr>
-          <p:cNvPr id="24" name="Connettore 2 23">
-            <a:extLst>
-              <a:ext uri="{FF2B5EF4-FFF2-40B4-BE49-F238E27FC236}">
-                <a16:creationId xmlns:a16="http://schemas.microsoft.com/office/drawing/2014/main" id="{8D01AE63-BA5A-EBC6-51ED-28EB0C9C84BD}"/>
+          <p:cNvPr id="45" name="Connettore 2 44">
+            <a:extLst>
+              <a:ext uri="{FF2B5EF4-FFF2-40B4-BE49-F238E27FC236}">
+                <a16:creationId xmlns:a16="http://schemas.microsoft.com/office/drawing/2014/main" id="{ED8E37E1-FE8B-2B43-29E6-4F7C8C3EFC84}"/>
               </a:ext>
             </a:extLst>
           </p:cNvPr>
           <p:cNvCxnSpPr>
-            <a:cxnSpLocks/>
+            <a:endCxn id="38" idx="1"/>
           </p:cNvCxnSpPr>
           <p:nvPr/>
         </p:nvCxnSpPr>
         <p:spPr>
           <a:xfrm>
-            <a:off x="6689035" y="5257906"/>
-            <a:ext cx="231738" cy="166926"/>
-          </a:xfrm>
-          <a:prstGeom prst="straightConnector1">
-            <a:avLst/>
-          </a:prstGeom>
-          <a:ln>
-            <a:tailEnd type="triangle"/>
-          </a:ln>
-        </p:spPr>
-        <p:style>
-          <a:lnRef idx="2">
-            <a:schemeClr val="dk1"/>
-          </a:lnRef>
-          <a:fillRef idx="0">
-            <a:schemeClr val="dk1"/>
-          </a:fillRef>
-          <a:effectRef idx="1">
-            <a:schemeClr val="dk1"/>
-          </a:effectRef>
-          <a:fontRef idx="minor">
-            <a:schemeClr val="tx1"/>
-          </a:fontRef>
-        </p:style>
-      </p:cxnSp>
-      <p:sp>
-        <p:nvSpPr>
-          <p:cNvPr id="26" name="CasellaDiTesto 25">
-            <a:extLst>
-              <a:ext uri="{FF2B5EF4-FFF2-40B4-BE49-F238E27FC236}">
-                <a16:creationId xmlns:a16="http://schemas.microsoft.com/office/drawing/2014/main" id="{6FD7F477-5599-5C3F-F87C-DCD50DA33F73}"/>
-              </a:ext>
-            </a:extLst>
-          </p:cNvPr>
-          <p:cNvSpPr txBox="1"/>
-          <p:nvPr/>
-        </p:nvSpPr>
-        <p:spPr>
-          <a:xfrm>
-            <a:off x="3048000" y="4457607"/>
-            <a:ext cx="6096000" cy="369332"/>
-          </a:xfrm>
-          <a:prstGeom prst="rect">
-            <a:avLst/>
-          </a:prstGeom>
-          <a:noFill/>
-        </p:spPr>
-        <p:txBody>
-          <a:bodyPr wrap="square">
-            <a:spAutoFit/>
-          </a:bodyPr>
-          <a:lstStyle/>
-          <a:p>
-            <a:r>
-              <a:rPr lang="it-IT" dirty="0"/>
-              <a:t>-FIFO EMPTY                  </a:t>
-            </a:r>
-            <a:r>
-              <a:rPr lang="it-IT" dirty="0" err="1"/>
-              <a:t>wrPtr</a:t>
-            </a:r>
-            <a:r>
-              <a:rPr lang="it-IT" dirty="0"/>
-              <a:t> = </a:t>
-            </a:r>
-            <a:r>
-              <a:rPr lang="it-IT" dirty="0" err="1"/>
-              <a:t>RdPtr</a:t>
-            </a:r>
-            <a:endParaRPr lang="it-IT" dirty="0"/>
-          </a:p>
-        </p:txBody>
-      </p:sp>
-      <p:cxnSp>
-        <p:nvCxnSpPr>
-          <p:cNvPr id="28" name="Connettore 2 27">
-            <a:extLst>
-              <a:ext uri="{FF2B5EF4-FFF2-40B4-BE49-F238E27FC236}">
-                <a16:creationId xmlns:a16="http://schemas.microsoft.com/office/drawing/2014/main" id="{E4BDE6C5-EC85-9423-3666-26DEFCB93453}"/>
-              </a:ext>
-            </a:extLst>
-          </p:cNvPr>
-          <p:cNvCxnSpPr/>
-          <p:nvPr/>
-        </p:nvCxnSpPr>
-        <p:spPr>
-          <a:xfrm>
-            <a:off x="4434120" y="4642273"/>
-            <a:ext cx="403123" cy="0"/>
-          </a:xfrm>
-          <a:prstGeom prst="straightConnector1">
-            <a:avLst/>
-          </a:prstGeom>
-          <a:ln>
-            <a:tailEnd type="triangle"/>
-          </a:ln>
-        </p:spPr>
-        <p:style>
-          <a:lnRef idx="2">
-            <a:schemeClr val="dk1"/>
-          </a:lnRef>
-          <a:fillRef idx="0">
-            <a:schemeClr val="dk1"/>
-          </a:fillRef>
-          <a:effectRef idx="1">
-            <a:schemeClr val="dk1"/>
-          </a:effectRef>
-          <a:fontRef idx="minor">
-            <a:schemeClr val="tx1"/>
-          </a:fontRef>
-        </p:style>
-      </p:cxnSp>
-      <p:sp>
-        <p:nvSpPr>
-          <p:cNvPr id="29" name="CasellaDiTesto 28">
-            <a:extLst>
-              <a:ext uri="{FF2B5EF4-FFF2-40B4-BE49-F238E27FC236}">
-                <a16:creationId xmlns:a16="http://schemas.microsoft.com/office/drawing/2014/main" id="{83CCE25F-6E86-DDF4-A215-C1EC08260F2A}"/>
-              </a:ext>
-            </a:extLst>
-          </p:cNvPr>
-          <p:cNvSpPr txBox="1"/>
-          <p:nvPr/>
-        </p:nvSpPr>
-        <p:spPr>
-          <a:xfrm>
-            <a:off x="4905968" y="4931477"/>
-            <a:ext cx="1575175" cy="369332"/>
-          </a:xfrm>
-          <a:prstGeom prst="rect">
-            <a:avLst/>
-          </a:prstGeom>
-          <a:noFill/>
-        </p:spPr>
-        <p:txBody>
-          <a:bodyPr wrap="none" rtlCol="0">
-            <a:spAutoFit/>
-          </a:bodyPr>
-          <a:lstStyle/>
-          <a:p>
-            <a:r>
-              <a:rPr lang="it-IT" dirty="0" err="1"/>
-              <a:t>Never</a:t>
-            </a:r>
-            <a:r>
-              <a:rPr lang="it-IT" dirty="0"/>
-              <a:t> </a:t>
-            </a:r>
-            <a:r>
-              <a:rPr lang="it-IT" dirty="0" err="1"/>
-              <a:t>happen</a:t>
-            </a:r>
-            <a:endParaRPr lang="it-IT" dirty="0"/>
-          </a:p>
-        </p:txBody>
-      </p:sp>
-      <p:cxnSp>
-        <p:nvCxnSpPr>
-          <p:cNvPr id="30" name="Connettore 2 29">
-            <a:extLst>
-              <a:ext uri="{FF2B5EF4-FFF2-40B4-BE49-F238E27FC236}">
-                <a16:creationId xmlns:a16="http://schemas.microsoft.com/office/drawing/2014/main" id="{E4AAEC09-8BC8-1043-DDD9-499EDC76512B}"/>
-              </a:ext>
-            </a:extLst>
-          </p:cNvPr>
-          <p:cNvCxnSpPr/>
-          <p:nvPr/>
-        </p:nvCxnSpPr>
-        <p:spPr>
-          <a:xfrm>
-            <a:off x="4434120" y="5147556"/>
-            <a:ext cx="403123" cy="0"/>
-          </a:xfrm>
-          <a:prstGeom prst="straightConnector1">
-            <a:avLst/>
-          </a:prstGeom>
-          <a:ln>
-            <a:tailEnd type="triangle"/>
-          </a:ln>
-        </p:spPr>
-        <p:style>
-          <a:lnRef idx="2">
-            <a:schemeClr val="dk1"/>
-          </a:lnRef>
-          <a:fillRef idx="0">
-            <a:schemeClr val="dk1"/>
-          </a:fillRef>
-          <a:effectRef idx="1">
-            <a:schemeClr val="dk1"/>
-          </a:effectRef>
-          <a:fontRef idx="minor">
-            <a:schemeClr val="tx1"/>
-          </a:fontRef>
-        </p:style>
-      </p:cxnSp>
-      <p:sp>
-        <p:nvSpPr>
-          <p:cNvPr id="35" name="CasellaDiTesto 34">
-            <a:extLst>
-              <a:ext uri="{FF2B5EF4-FFF2-40B4-BE49-F238E27FC236}">
-                <a16:creationId xmlns:a16="http://schemas.microsoft.com/office/drawing/2014/main" id="{136ADBF5-1B09-05F3-2ACD-936BA6AEB092}"/>
-              </a:ext>
-            </a:extLst>
-          </p:cNvPr>
-          <p:cNvSpPr txBox="1"/>
-          <p:nvPr/>
-        </p:nvSpPr>
-        <p:spPr>
-          <a:xfrm>
-            <a:off x="7028368" y="4790640"/>
-            <a:ext cx="2989601" cy="369332"/>
-          </a:xfrm>
-          <a:prstGeom prst="rect">
-            <a:avLst/>
-          </a:prstGeom>
-          <a:noFill/>
-        </p:spPr>
-        <p:txBody>
-          <a:bodyPr wrap="none" rtlCol="0">
-            <a:spAutoFit/>
-          </a:bodyPr>
-          <a:lstStyle/>
-          <a:p>
-            <a:r>
-              <a:rPr lang="it-IT" dirty="0"/>
-              <a:t>slow data processing speed </a:t>
-            </a:r>
-          </a:p>
-        </p:txBody>
-      </p:sp>
-      <p:sp>
-        <p:nvSpPr>
-          <p:cNvPr id="36" name="CasellaDiTesto 35">
-            <a:extLst>
-              <a:ext uri="{FF2B5EF4-FFF2-40B4-BE49-F238E27FC236}">
-                <a16:creationId xmlns:a16="http://schemas.microsoft.com/office/drawing/2014/main" id="{F6FDB645-1972-402C-7C86-AFB3447CB310}"/>
-              </a:ext>
-            </a:extLst>
-          </p:cNvPr>
-          <p:cNvSpPr txBox="1"/>
-          <p:nvPr/>
-        </p:nvSpPr>
-        <p:spPr>
-          <a:xfrm>
-            <a:off x="7028368" y="5257906"/>
-            <a:ext cx="3080202" cy="369332"/>
-          </a:xfrm>
-          <a:prstGeom prst="rect">
-            <a:avLst/>
-          </a:prstGeom>
-          <a:noFill/>
-        </p:spPr>
-        <p:txBody>
-          <a:bodyPr wrap="none" rtlCol="0">
-            <a:spAutoFit/>
-          </a:bodyPr>
-          <a:lstStyle/>
-          <a:p>
-            <a:r>
-              <a:rPr lang="en-US" dirty="0"/>
-              <a:t>incorrect sizing of depth FIFO</a:t>
-            </a:r>
-            <a:endParaRPr lang="it-IT" dirty="0"/>
-          </a:p>
-        </p:txBody>
-      </p:sp>
-      <p:sp>
-        <p:nvSpPr>
-          <p:cNvPr id="3" name="CasellaDiTesto 2">
-            <a:extLst>
-              <a:ext uri="{FF2B5EF4-FFF2-40B4-BE49-F238E27FC236}">
-                <a16:creationId xmlns:a16="http://schemas.microsoft.com/office/drawing/2014/main" id="{C92E7BEA-3E84-1F95-98E4-0476647F6A23}"/>
-              </a:ext>
-            </a:extLst>
-          </p:cNvPr>
-          <p:cNvSpPr txBox="1"/>
-          <p:nvPr/>
-        </p:nvSpPr>
-        <p:spPr>
-          <a:xfrm>
-            <a:off x="4635681" y="5660234"/>
-            <a:ext cx="949299" cy="369332"/>
-          </a:xfrm>
-          <a:prstGeom prst="rect">
-            <a:avLst/>
-          </a:prstGeom>
-          <a:noFill/>
-        </p:spPr>
-        <p:txBody>
-          <a:bodyPr wrap="none" rtlCol="0">
-            <a:spAutoFit/>
-          </a:bodyPr>
-          <a:lstStyle/>
-          <a:p>
-            <a:r>
-              <a:rPr lang="it-IT" dirty="0"/>
-              <a:t>FREEZE</a:t>
-            </a:r>
-          </a:p>
-        </p:txBody>
-      </p:sp>
-      <p:sp>
-        <p:nvSpPr>
-          <p:cNvPr id="12" name="CasellaDiTesto 11">
-            <a:extLst>
-              <a:ext uri="{FF2B5EF4-FFF2-40B4-BE49-F238E27FC236}">
-                <a16:creationId xmlns:a16="http://schemas.microsoft.com/office/drawing/2014/main" id="{CC05D9E2-38D6-AE97-DB27-841E21047094}"/>
-              </a:ext>
-            </a:extLst>
-          </p:cNvPr>
-          <p:cNvSpPr txBox="1"/>
-          <p:nvPr/>
-        </p:nvSpPr>
-        <p:spPr>
-          <a:xfrm>
-            <a:off x="5751570" y="5667166"/>
-            <a:ext cx="2106667" cy="369332"/>
-          </a:xfrm>
-          <a:prstGeom prst="rect">
-            <a:avLst/>
-          </a:prstGeom>
-          <a:noFill/>
-        </p:spPr>
-        <p:txBody>
-          <a:bodyPr wrap="none" rtlCol="0">
-            <a:spAutoFit/>
-          </a:bodyPr>
-          <a:lstStyle/>
-          <a:p>
-            <a:r>
-              <a:rPr lang="it-IT" dirty="0"/>
-              <a:t>CIRCULAR BUFFER</a:t>
-            </a:r>
-          </a:p>
-        </p:txBody>
-      </p:sp>
-      <p:cxnSp>
-        <p:nvCxnSpPr>
-          <p:cNvPr id="17" name="Connettore 2 16">
-            <a:extLst>
-              <a:ext uri="{FF2B5EF4-FFF2-40B4-BE49-F238E27FC236}">
-                <a16:creationId xmlns:a16="http://schemas.microsoft.com/office/drawing/2014/main" id="{4AADA8E7-0AEF-4E44-2154-46EDDAF5E214}"/>
-              </a:ext>
-            </a:extLst>
-          </p:cNvPr>
-          <p:cNvCxnSpPr>
-            <a:cxnSpLocks/>
-          </p:cNvCxnSpPr>
-          <p:nvPr/>
-        </p:nvCxnSpPr>
-        <p:spPr>
-          <a:xfrm>
-            <a:off x="6103154" y="5321884"/>
-            <a:ext cx="231738" cy="166926"/>
+            <a:off x="7124245" y="4424516"/>
+            <a:ext cx="777721" cy="756411"/>
           </a:xfrm>
           <a:prstGeom prst="straightConnector1">
             <a:avLst/>
@@ -7473,10 +7316,10 @@
       </p:cxnSp>
       <p:cxnSp>
         <p:nvCxnSpPr>
-          <p:cNvPr id="21" name="Connettore 2 20">
-            <a:extLst>
-              <a:ext uri="{FF2B5EF4-FFF2-40B4-BE49-F238E27FC236}">
-                <a16:creationId xmlns:a16="http://schemas.microsoft.com/office/drawing/2014/main" id="{1D2CD553-8D75-6BD8-C5E9-55AB27DB7FE2}"/>
+          <p:cNvPr id="47" name="Connettore 2 46">
+            <a:extLst>
+              <a:ext uri="{FF2B5EF4-FFF2-40B4-BE49-F238E27FC236}">
+                <a16:creationId xmlns:a16="http://schemas.microsoft.com/office/drawing/2014/main" id="{57D69AD6-9900-12B6-FF92-69B7F69FE775}"/>
               </a:ext>
             </a:extLst>
           </p:cNvPr>
@@ -7486,9 +7329,9 @@
           <p:nvPr/>
         </p:nvCxnSpPr>
         <p:spPr>
-          <a:xfrm flipH="1">
-            <a:off x="5110330" y="5331681"/>
-            <a:ext cx="173336" cy="232759"/>
+          <a:xfrm>
+            <a:off x="7124245" y="4329421"/>
+            <a:ext cx="682568" cy="626037"/>
           </a:xfrm>
           <a:prstGeom prst="straightConnector1">
             <a:avLst/>
@@ -9143,6 +8986,849 @@
     <p:extLst>
       <p:ext uri="{BB962C8B-B14F-4D97-AF65-F5344CB8AC3E}">
         <p14:creationId xmlns:p14="http://schemas.microsoft.com/office/powerpoint/2010/main" val="1466904139"/>
+      </p:ext>
+    </p:extLst>
+  </p:cSld>
+  <p:clrMapOvr>
+    <a:masterClrMapping/>
+  </p:clrMapOvr>
+</p:sld>
+</file>
+
+<file path=ppt/slides/slide5.xml><?xml version="1.0" encoding="utf-8"?>
+<p:sld xmlns:a="http://schemas.openxmlformats.org/drawingml/2006/main" xmlns:r="http://schemas.openxmlformats.org/officeDocument/2006/relationships" xmlns:p="http://schemas.openxmlformats.org/presentationml/2006/main">
+  <p:cSld>
+    <p:spTree>
+      <p:nvGrpSpPr>
+        <p:cNvPr id="1" name=""/>
+        <p:cNvGrpSpPr/>
+        <p:nvPr/>
+      </p:nvGrpSpPr>
+      <p:grpSpPr>
+        <a:xfrm>
+          <a:off x="0" y="0"/>
+          <a:ext cx="0" cy="0"/>
+          <a:chOff x="0" y="0"/>
+          <a:chExt cx="0" cy="0"/>
+        </a:xfrm>
+      </p:grpSpPr>
+      <p:sp>
+        <p:nvSpPr>
+          <p:cNvPr id="3" name="Segnaposto contenuto 2">
+            <a:extLst>
+              <a:ext uri="{FF2B5EF4-FFF2-40B4-BE49-F238E27FC236}">
+                <a16:creationId xmlns:a16="http://schemas.microsoft.com/office/drawing/2014/main" id="{9009DF52-2D9F-59CD-EB07-A3E0513565EE}"/>
+              </a:ext>
+            </a:extLst>
+          </p:cNvPr>
+          <p:cNvSpPr>
+            <a:spLocks noGrp="1"/>
+          </p:cNvSpPr>
+          <p:nvPr>
+            <p:ph idx="1"/>
+          </p:nvPr>
+        </p:nvSpPr>
+        <p:spPr>
+          <a:xfrm>
+            <a:off x="3190568" y="4903121"/>
+            <a:ext cx="9426678" cy="661936"/>
+          </a:xfrm>
+        </p:spPr>
+        <p:txBody>
+          <a:bodyPr>
+            <a:normAutofit/>
+          </a:bodyPr>
+          <a:lstStyle/>
+          <a:p>
+            <a:pPr marL="0" indent="0">
+              <a:buNone/>
+            </a:pPr>
+            <a:r>
+              <a:rPr lang="en-US" sz="2000" dirty="0"/>
+              <a:t> decouples event processing times from acquisition times</a:t>
+            </a:r>
+            <a:endParaRPr lang="it-IT" sz="2000" dirty="0"/>
+          </a:p>
+        </p:txBody>
+      </p:sp>
+      <p:sp>
+        <p:nvSpPr>
+          <p:cNvPr id="4" name="Rettangolo 3">
+            <a:extLst>
+              <a:ext uri="{FF2B5EF4-FFF2-40B4-BE49-F238E27FC236}">
+                <a16:creationId xmlns:a16="http://schemas.microsoft.com/office/drawing/2014/main" id="{FA54C0E4-AB47-35A8-1919-2F1123CC05DD}"/>
+              </a:ext>
+            </a:extLst>
+          </p:cNvPr>
+          <p:cNvSpPr/>
+          <p:nvPr/>
+        </p:nvSpPr>
+        <p:spPr>
+          <a:xfrm>
+            <a:off x="1976284" y="3057832"/>
+            <a:ext cx="2428568" cy="1150374"/>
+          </a:xfrm>
+          <a:prstGeom prst="rect">
+            <a:avLst/>
+          </a:prstGeom>
+        </p:spPr>
+        <p:style>
+          <a:lnRef idx="2">
+            <a:schemeClr val="accent1">
+              <a:shade val="15000"/>
+            </a:schemeClr>
+          </a:lnRef>
+          <a:fillRef idx="1">
+            <a:schemeClr val="accent1"/>
+          </a:fillRef>
+          <a:effectRef idx="0">
+            <a:schemeClr val="accent1"/>
+          </a:effectRef>
+          <a:fontRef idx="minor">
+            <a:schemeClr val="lt1"/>
+          </a:fontRef>
+        </p:style>
+        <p:txBody>
+          <a:bodyPr rtlCol="0" anchor="ctr"/>
+          <a:lstStyle/>
+          <a:p>
+            <a:pPr algn="ctr"/>
+            <a:r>
+              <a:rPr lang="it-IT" dirty="0"/>
+              <a:t>Sensor</a:t>
+            </a:r>
+          </a:p>
+        </p:txBody>
+      </p:sp>
+      <p:sp>
+        <p:nvSpPr>
+          <p:cNvPr id="5" name="Rettangolo 4">
+            <a:extLst>
+              <a:ext uri="{FF2B5EF4-FFF2-40B4-BE49-F238E27FC236}">
+                <a16:creationId xmlns:a16="http://schemas.microsoft.com/office/drawing/2014/main" id="{4B56F626-590F-6999-E26E-D3B4FE4E6FE6}"/>
+              </a:ext>
+            </a:extLst>
+          </p:cNvPr>
+          <p:cNvSpPr/>
+          <p:nvPr/>
+        </p:nvSpPr>
+        <p:spPr>
+          <a:xfrm>
+            <a:off x="5358581" y="3342968"/>
+            <a:ext cx="1976284" cy="661936"/>
+          </a:xfrm>
+          <a:prstGeom prst="rect">
+            <a:avLst/>
+          </a:prstGeom>
+        </p:spPr>
+        <p:style>
+          <a:lnRef idx="2">
+            <a:schemeClr val="accent1">
+              <a:shade val="15000"/>
+            </a:schemeClr>
+          </a:lnRef>
+          <a:fillRef idx="1">
+            <a:schemeClr val="accent1"/>
+          </a:fillRef>
+          <a:effectRef idx="0">
+            <a:schemeClr val="accent1"/>
+          </a:effectRef>
+          <a:fontRef idx="minor">
+            <a:schemeClr val="lt1"/>
+          </a:fontRef>
+        </p:style>
+        <p:txBody>
+          <a:bodyPr rtlCol="0" anchor="ctr"/>
+          <a:lstStyle/>
+          <a:p>
+            <a:pPr algn="ctr"/>
+            <a:r>
+              <a:rPr lang="it-IT" dirty="0"/>
+              <a:t>FIFO</a:t>
+            </a:r>
+          </a:p>
+        </p:txBody>
+      </p:sp>
+      <p:sp>
+        <p:nvSpPr>
+          <p:cNvPr id="6" name="Bolla: nuvola 5">
+            <a:extLst>
+              <a:ext uri="{FF2B5EF4-FFF2-40B4-BE49-F238E27FC236}">
+                <a16:creationId xmlns:a16="http://schemas.microsoft.com/office/drawing/2014/main" id="{CB077203-1FFB-5428-9D30-2296EC016BFE}"/>
+              </a:ext>
+            </a:extLst>
+          </p:cNvPr>
+          <p:cNvSpPr/>
+          <p:nvPr/>
+        </p:nvSpPr>
+        <p:spPr>
+          <a:xfrm>
+            <a:off x="8445910" y="2907020"/>
+            <a:ext cx="2871020" cy="1533832"/>
+          </a:xfrm>
+          <a:prstGeom prst="cloudCallout">
+            <a:avLst/>
+          </a:prstGeom>
+        </p:spPr>
+        <p:style>
+          <a:lnRef idx="2">
+            <a:schemeClr val="accent1">
+              <a:shade val="15000"/>
+            </a:schemeClr>
+          </a:lnRef>
+          <a:fillRef idx="1">
+            <a:schemeClr val="accent1"/>
+          </a:fillRef>
+          <a:effectRef idx="0">
+            <a:schemeClr val="accent1"/>
+          </a:effectRef>
+          <a:fontRef idx="minor">
+            <a:schemeClr val="lt1"/>
+          </a:fontRef>
+        </p:style>
+        <p:txBody>
+          <a:bodyPr rtlCol="0" anchor="ctr"/>
+          <a:lstStyle/>
+          <a:p>
+            <a:pPr algn="ctr"/>
+            <a:r>
+              <a:rPr lang="it-IT" dirty="0"/>
+              <a:t>DAQ</a:t>
+            </a:r>
+          </a:p>
+        </p:txBody>
+      </p:sp>
+      <p:cxnSp>
+        <p:nvCxnSpPr>
+          <p:cNvPr id="8" name="Connettore 2 7">
+            <a:extLst>
+              <a:ext uri="{FF2B5EF4-FFF2-40B4-BE49-F238E27FC236}">
+                <a16:creationId xmlns:a16="http://schemas.microsoft.com/office/drawing/2014/main" id="{8760A1E8-1AEE-A2BA-F0FD-D99437980B3B}"/>
+              </a:ext>
+            </a:extLst>
+          </p:cNvPr>
+          <p:cNvCxnSpPr/>
+          <p:nvPr/>
+        </p:nvCxnSpPr>
+        <p:spPr>
+          <a:xfrm>
+            <a:off x="7551174" y="3673936"/>
+            <a:ext cx="707923" cy="0"/>
+          </a:xfrm>
+          <a:prstGeom prst="straightConnector1">
+            <a:avLst/>
+          </a:prstGeom>
+          <a:ln>
+            <a:tailEnd type="triangle"/>
+          </a:ln>
+        </p:spPr>
+        <p:style>
+          <a:lnRef idx="2">
+            <a:schemeClr val="accent1"/>
+          </a:lnRef>
+          <a:fillRef idx="0">
+            <a:schemeClr val="accent1"/>
+          </a:fillRef>
+          <a:effectRef idx="1">
+            <a:schemeClr val="accent1"/>
+          </a:effectRef>
+          <a:fontRef idx="minor">
+            <a:schemeClr val="tx1"/>
+          </a:fontRef>
+        </p:style>
+      </p:cxnSp>
+      <p:cxnSp>
+        <p:nvCxnSpPr>
+          <p:cNvPr id="10" name="Connettore 2 9">
+            <a:extLst>
+              <a:ext uri="{FF2B5EF4-FFF2-40B4-BE49-F238E27FC236}">
+                <a16:creationId xmlns:a16="http://schemas.microsoft.com/office/drawing/2014/main" id="{BBA34C0D-39DF-5321-0C3D-E68393B1CAD5}"/>
+              </a:ext>
+            </a:extLst>
+          </p:cNvPr>
+          <p:cNvCxnSpPr/>
+          <p:nvPr/>
+        </p:nvCxnSpPr>
+        <p:spPr>
+          <a:xfrm>
+            <a:off x="4591665" y="3633019"/>
+            <a:ext cx="619432" cy="0"/>
+          </a:xfrm>
+          <a:prstGeom prst="straightConnector1">
+            <a:avLst/>
+          </a:prstGeom>
+          <a:ln>
+            <a:tailEnd type="triangle"/>
+          </a:ln>
+        </p:spPr>
+        <p:style>
+          <a:lnRef idx="2">
+            <a:schemeClr val="accent1"/>
+          </a:lnRef>
+          <a:fillRef idx="0">
+            <a:schemeClr val="accent1"/>
+          </a:fillRef>
+          <a:effectRef idx="1">
+            <a:schemeClr val="accent1"/>
+          </a:effectRef>
+          <a:fontRef idx="minor">
+            <a:schemeClr val="tx1"/>
+          </a:fontRef>
+        </p:style>
+      </p:cxnSp>
+      <p:cxnSp>
+        <p:nvCxnSpPr>
+          <p:cNvPr id="12" name="Connettore 2 11">
+            <a:extLst>
+              <a:ext uri="{FF2B5EF4-FFF2-40B4-BE49-F238E27FC236}">
+                <a16:creationId xmlns:a16="http://schemas.microsoft.com/office/drawing/2014/main" id="{C0127EA4-D266-5347-0CFC-19CCD78AE600}"/>
+              </a:ext>
+            </a:extLst>
+          </p:cNvPr>
+          <p:cNvCxnSpPr/>
+          <p:nvPr/>
+        </p:nvCxnSpPr>
+        <p:spPr>
+          <a:xfrm>
+            <a:off x="6346723" y="4208206"/>
+            <a:ext cx="0" cy="540775"/>
+          </a:xfrm>
+          <a:prstGeom prst="straightConnector1">
+            <a:avLst/>
+          </a:prstGeom>
+          <a:ln>
+            <a:tailEnd type="triangle"/>
+          </a:ln>
+        </p:spPr>
+        <p:style>
+          <a:lnRef idx="2">
+            <a:schemeClr val="accent1"/>
+          </a:lnRef>
+          <a:fillRef idx="0">
+            <a:schemeClr val="accent1"/>
+          </a:fillRef>
+          <a:effectRef idx="1">
+            <a:schemeClr val="accent1"/>
+          </a:effectRef>
+          <a:fontRef idx="minor">
+            <a:schemeClr val="tx1"/>
+          </a:fontRef>
+        </p:style>
+      </p:cxnSp>
+      <p:sp>
+        <p:nvSpPr>
+          <p:cNvPr id="26" name="CasellaDiTesto 25">
+            <a:extLst>
+              <a:ext uri="{FF2B5EF4-FFF2-40B4-BE49-F238E27FC236}">
+                <a16:creationId xmlns:a16="http://schemas.microsoft.com/office/drawing/2014/main" id="{6FD7F477-5599-5C3F-F87C-DCD50DA33F73}"/>
+              </a:ext>
+            </a:extLst>
+          </p:cNvPr>
+          <p:cNvSpPr txBox="1"/>
+          <p:nvPr/>
+        </p:nvSpPr>
+        <p:spPr>
+          <a:xfrm>
+            <a:off x="3048000" y="923611"/>
+            <a:ext cx="6096000" cy="369332"/>
+          </a:xfrm>
+          <a:prstGeom prst="rect">
+            <a:avLst/>
+          </a:prstGeom>
+          <a:noFill/>
+        </p:spPr>
+        <p:txBody>
+          <a:bodyPr wrap="square">
+            <a:spAutoFit/>
+          </a:bodyPr>
+          <a:lstStyle/>
+          <a:p>
+            <a:r>
+              <a:rPr lang="it-IT" dirty="0"/>
+              <a:t>-FIFO EMPTY                  </a:t>
+            </a:r>
+            <a:r>
+              <a:rPr lang="it-IT" dirty="0" err="1"/>
+              <a:t>wrPtr</a:t>
+            </a:r>
+            <a:r>
+              <a:rPr lang="it-IT" dirty="0"/>
+              <a:t> = </a:t>
+            </a:r>
+            <a:r>
+              <a:rPr lang="it-IT" dirty="0" err="1"/>
+              <a:t>RdPtr</a:t>
+            </a:r>
+            <a:endParaRPr lang="it-IT" dirty="0"/>
+          </a:p>
+        </p:txBody>
+      </p:sp>
+      <p:sp>
+        <p:nvSpPr>
+          <p:cNvPr id="20" name="CasellaDiTesto 19">
+            <a:extLst>
+              <a:ext uri="{FF2B5EF4-FFF2-40B4-BE49-F238E27FC236}">
+                <a16:creationId xmlns:a16="http://schemas.microsoft.com/office/drawing/2014/main" id="{0E4913F4-84B5-E948-7EFC-EBFCE4C34758}"/>
+              </a:ext>
+            </a:extLst>
+          </p:cNvPr>
+          <p:cNvSpPr txBox="1"/>
+          <p:nvPr/>
+        </p:nvSpPr>
+        <p:spPr>
+          <a:xfrm>
+            <a:off x="3115268" y="1455734"/>
+            <a:ext cx="1289584" cy="369332"/>
+          </a:xfrm>
+          <a:prstGeom prst="rect">
+            <a:avLst/>
+          </a:prstGeom>
+          <a:noFill/>
+        </p:spPr>
+        <p:txBody>
+          <a:bodyPr wrap="none" rtlCol="0">
+            <a:spAutoFit/>
+          </a:bodyPr>
+          <a:lstStyle/>
+          <a:p>
+            <a:r>
+              <a:rPr lang="it-IT" dirty="0"/>
+              <a:t>-FIFO FULL</a:t>
+            </a:r>
+          </a:p>
+        </p:txBody>
+      </p:sp>
+      <p:cxnSp>
+        <p:nvCxnSpPr>
+          <p:cNvPr id="22" name="Connettore 2 21">
+            <a:extLst>
+              <a:ext uri="{FF2B5EF4-FFF2-40B4-BE49-F238E27FC236}">
+                <a16:creationId xmlns:a16="http://schemas.microsoft.com/office/drawing/2014/main" id="{021B5E0A-273F-6B05-8D8D-EADCA8EB6ED3}"/>
+              </a:ext>
+            </a:extLst>
+          </p:cNvPr>
+          <p:cNvCxnSpPr>
+            <a:cxnSpLocks/>
+          </p:cNvCxnSpPr>
+          <p:nvPr/>
+        </p:nvCxnSpPr>
+        <p:spPr>
+          <a:xfrm flipV="1">
+            <a:off x="6840070" y="1554300"/>
+            <a:ext cx="231738" cy="196165"/>
+          </a:xfrm>
+          <a:prstGeom prst="straightConnector1">
+            <a:avLst/>
+          </a:prstGeom>
+          <a:ln>
+            <a:tailEnd type="triangle"/>
+          </a:ln>
+        </p:spPr>
+        <p:style>
+          <a:lnRef idx="2">
+            <a:schemeClr val="dk1"/>
+          </a:lnRef>
+          <a:fillRef idx="0">
+            <a:schemeClr val="dk1"/>
+          </a:fillRef>
+          <a:effectRef idx="1">
+            <a:schemeClr val="dk1"/>
+          </a:effectRef>
+          <a:fontRef idx="minor">
+            <a:schemeClr val="tx1"/>
+          </a:fontRef>
+        </p:style>
+      </p:cxnSp>
+      <p:cxnSp>
+        <p:nvCxnSpPr>
+          <p:cNvPr id="24" name="Connettore 2 23">
+            <a:extLst>
+              <a:ext uri="{FF2B5EF4-FFF2-40B4-BE49-F238E27FC236}">
+                <a16:creationId xmlns:a16="http://schemas.microsoft.com/office/drawing/2014/main" id="{8D01AE63-BA5A-EBC6-51ED-28EB0C9C84BD}"/>
+              </a:ext>
+            </a:extLst>
+          </p:cNvPr>
+          <p:cNvCxnSpPr>
+            <a:cxnSpLocks/>
+          </p:cNvCxnSpPr>
+          <p:nvPr/>
+        </p:nvCxnSpPr>
+        <p:spPr>
+          <a:xfrm>
+            <a:off x="6840070" y="1825859"/>
+            <a:ext cx="231738" cy="166926"/>
+          </a:xfrm>
+          <a:prstGeom prst="straightConnector1">
+            <a:avLst/>
+          </a:prstGeom>
+          <a:ln>
+            <a:tailEnd type="triangle"/>
+          </a:ln>
+        </p:spPr>
+        <p:style>
+          <a:lnRef idx="2">
+            <a:schemeClr val="dk1"/>
+          </a:lnRef>
+          <a:fillRef idx="0">
+            <a:schemeClr val="dk1"/>
+          </a:fillRef>
+          <a:effectRef idx="1">
+            <a:schemeClr val="dk1"/>
+          </a:effectRef>
+          <a:fontRef idx="minor">
+            <a:schemeClr val="tx1"/>
+          </a:fontRef>
+        </p:style>
+      </p:cxnSp>
+      <p:sp>
+        <p:nvSpPr>
+          <p:cNvPr id="29" name="CasellaDiTesto 28">
+            <a:extLst>
+              <a:ext uri="{FF2B5EF4-FFF2-40B4-BE49-F238E27FC236}">
+                <a16:creationId xmlns:a16="http://schemas.microsoft.com/office/drawing/2014/main" id="{83CCE25F-6E86-DDF4-A215-C1EC08260F2A}"/>
+              </a:ext>
+            </a:extLst>
+          </p:cNvPr>
+          <p:cNvSpPr txBox="1"/>
+          <p:nvPr/>
+        </p:nvSpPr>
+        <p:spPr>
+          <a:xfrm>
+            <a:off x="5211097" y="1409135"/>
+            <a:ext cx="1575175" cy="369332"/>
+          </a:xfrm>
+          <a:prstGeom prst="rect">
+            <a:avLst/>
+          </a:prstGeom>
+          <a:noFill/>
+        </p:spPr>
+        <p:txBody>
+          <a:bodyPr wrap="none" rtlCol="0">
+            <a:spAutoFit/>
+          </a:bodyPr>
+          <a:lstStyle/>
+          <a:p>
+            <a:r>
+              <a:rPr lang="it-IT" dirty="0" err="1"/>
+              <a:t>Never</a:t>
+            </a:r>
+            <a:r>
+              <a:rPr lang="it-IT" dirty="0"/>
+              <a:t> </a:t>
+            </a:r>
+            <a:r>
+              <a:rPr lang="it-IT" dirty="0" err="1"/>
+              <a:t>happen</a:t>
+            </a:r>
+            <a:endParaRPr lang="it-IT" dirty="0"/>
+          </a:p>
+        </p:txBody>
+      </p:sp>
+      <p:cxnSp>
+        <p:nvCxnSpPr>
+          <p:cNvPr id="30" name="Connettore 2 29">
+            <a:extLst>
+              <a:ext uri="{FF2B5EF4-FFF2-40B4-BE49-F238E27FC236}">
+                <a16:creationId xmlns:a16="http://schemas.microsoft.com/office/drawing/2014/main" id="{E4AAEC09-8BC8-1043-DDD9-499EDC76512B}"/>
+              </a:ext>
+            </a:extLst>
+          </p:cNvPr>
+          <p:cNvCxnSpPr/>
+          <p:nvPr/>
+        </p:nvCxnSpPr>
+        <p:spPr>
+          <a:xfrm>
+            <a:off x="4585155" y="1715509"/>
+            <a:ext cx="403123" cy="0"/>
+          </a:xfrm>
+          <a:prstGeom prst="straightConnector1">
+            <a:avLst/>
+          </a:prstGeom>
+          <a:ln>
+            <a:tailEnd type="triangle"/>
+          </a:ln>
+        </p:spPr>
+        <p:style>
+          <a:lnRef idx="2">
+            <a:schemeClr val="dk1"/>
+          </a:lnRef>
+          <a:fillRef idx="0">
+            <a:schemeClr val="dk1"/>
+          </a:fillRef>
+          <a:effectRef idx="1">
+            <a:schemeClr val="dk1"/>
+          </a:effectRef>
+          <a:fontRef idx="minor">
+            <a:schemeClr val="tx1"/>
+          </a:fontRef>
+        </p:style>
+      </p:cxnSp>
+      <p:sp>
+        <p:nvSpPr>
+          <p:cNvPr id="35" name="CasellaDiTesto 34">
+            <a:extLst>
+              <a:ext uri="{FF2B5EF4-FFF2-40B4-BE49-F238E27FC236}">
+                <a16:creationId xmlns:a16="http://schemas.microsoft.com/office/drawing/2014/main" id="{136ADBF5-1B09-05F3-2ACD-936BA6AEB092}"/>
+              </a:ext>
+            </a:extLst>
+          </p:cNvPr>
+          <p:cNvSpPr txBox="1"/>
+          <p:nvPr/>
+        </p:nvSpPr>
+        <p:spPr>
+          <a:xfrm>
+            <a:off x="7179403" y="1358593"/>
+            <a:ext cx="2989601" cy="369332"/>
+          </a:xfrm>
+          <a:prstGeom prst="rect">
+            <a:avLst/>
+          </a:prstGeom>
+          <a:noFill/>
+        </p:spPr>
+        <p:txBody>
+          <a:bodyPr wrap="none" rtlCol="0">
+            <a:spAutoFit/>
+          </a:bodyPr>
+          <a:lstStyle/>
+          <a:p>
+            <a:r>
+              <a:rPr lang="it-IT" dirty="0"/>
+              <a:t>slow data processing speed </a:t>
+            </a:r>
+          </a:p>
+        </p:txBody>
+      </p:sp>
+      <p:sp>
+        <p:nvSpPr>
+          <p:cNvPr id="36" name="CasellaDiTesto 35">
+            <a:extLst>
+              <a:ext uri="{FF2B5EF4-FFF2-40B4-BE49-F238E27FC236}">
+                <a16:creationId xmlns:a16="http://schemas.microsoft.com/office/drawing/2014/main" id="{F6FDB645-1972-402C-7C86-AFB3447CB310}"/>
+              </a:ext>
+            </a:extLst>
+          </p:cNvPr>
+          <p:cNvSpPr txBox="1"/>
+          <p:nvPr/>
+        </p:nvSpPr>
+        <p:spPr>
+          <a:xfrm>
+            <a:off x="7179403" y="1825859"/>
+            <a:ext cx="3080202" cy="369332"/>
+          </a:xfrm>
+          <a:prstGeom prst="rect">
+            <a:avLst/>
+          </a:prstGeom>
+          <a:noFill/>
+        </p:spPr>
+        <p:txBody>
+          <a:bodyPr wrap="none" rtlCol="0">
+            <a:spAutoFit/>
+          </a:bodyPr>
+          <a:lstStyle/>
+          <a:p>
+            <a:r>
+              <a:rPr lang="en-US" dirty="0"/>
+              <a:t>incorrect sizing of depth FIFO</a:t>
+            </a:r>
+            <a:endParaRPr lang="it-IT" dirty="0"/>
+          </a:p>
+        </p:txBody>
+      </p:sp>
+      <p:sp>
+        <p:nvSpPr>
+          <p:cNvPr id="13" name="CasellaDiTesto 12">
+            <a:extLst>
+              <a:ext uri="{FF2B5EF4-FFF2-40B4-BE49-F238E27FC236}">
+                <a16:creationId xmlns:a16="http://schemas.microsoft.com/office/drawing/2014/main" id="{C92E7BEA-3E84-1F95-98E4-0476647F6A23}"/>
+              </a:ext>
+            </a:extLst>
+          </p:cNvPr>
+          <p:cNvSpPr txBox="1"/>
+          <p:nvPr/>
+        </p:nvSpPr>
+        <p:spPr>
+          <a:xfrm>
+            <a:off x="4786716" y="2228187"/>
+            <a:ext cx="949299" cy="369332"/>
+          </a:xfrm>
+          <a:prstGeom prst="rect">
+            <a:avLst/>
+          </a:prstGeom>
+          <a:noFill/>
+        </p:spPr>
+        <p:txBody>
+          <a:bodyPr wrap="none" rtlCol="0">
+            <a:spAutoFit/>
+          </a:bodyPr>
+          <a:lstStyle/>
+          <a:p>
+            <a:r>
+              <a:rPr lang="it-IT" dirty="0"/>
+              <a:t>FREEZE</a:t>
+            </a:r>
+          </a:p>
+        </p:txBody>
+      </p:sp>
+      <p:sp>
+        <p:nvSpPr>
+          <p:cNvPr id="14" name="CasellaDiTesto 13">
+            <a:extLst>
+              <a:ext uri="{FF2B5EF4-FFF2-40B4-BE49-F238E27FC236}">
+                <a16:creationId xmlns:a16="http://schemas.microsoft.com/office/drawing/2014/main" id="{CC05D9E2-38D6-AE97-DB27-841E21047094}"/>
+              </a:ext>
+            </a:extLst>
+          </p:cNvPr>
+          <p:cNvSpPr txBox="1"/>
+          <p:nvPr/>
+        </p:nvSpPr>
+        <p:spPr>
+          <a:xfrm>
+            <a:off x="5902605" y="2235119"/>
+            <a:ext cx="2106667" cy="369332"/>
+          </a:xfrm>
+          <a:prstGeom prst="rect">
+            <a:avLst/>
+          </a:prstGeom>
+          <a:noFill/>
+        </p:spPr>
+        <p:txBody>
+          <a:bodyPr wrap="none" rtlCol="0">
+            <a:spAutoFit/>
+          </a:bodyPr>
+          <a:lstStyle/>
+          <a:p>
+            <a:r>
+              <a:rPr lang="it-IT" dirty="0"/>
+              <a:t>CIRCULAR BUFFER</a:t>
+            </a:r>
+          </a:p>
+        </p:txBody>
+      </p:sp>
+      <p:cxnSp>
+        <p:nvCxnSpPr>
+          <p:cNvPr id="17" name="Connettore 2 16">
+            <a:extLst>
+              <a:ext uri="{FF2B5EF4-FFF2-40B4-BE49-F238E27FC236}">
+                <a16:creationId xmlns:a16="http://schemas.microsoft.com/office/drawing/2014/main" id="{4AADA8E7-0AEF-4E44-2154-46EDDAF5E214}"/>
+              </a:ext>
+            </a:extLst>
+          </p:cNvPr>
+          <p:cNvCxnSpPr>
+            <a:cxnSpLocks/>
+          </p:cNvCxnSpPr>
+          <p:nvPr/>
+        </p:nvCxnSpPr>
+        <p:spPr>
+          <a:xfrm>
+            <a:off x="6254189" y="1889837"/>
+            <a:ext cx="231738" cy="166926"/>
+          </a:xfrm>
+          <a:prstGeom prst="straightConnector1">
+            <a:avLst/>
+          </a:prstGeom>
+          <a:ln>
+            <a:tailEnd type="triangle"/>
+          </a:ln>
+        </p:spPr>
+        <p:style>
+          <a:lnRef idx="2">
+            <a:schemeClr val="dk1"/>
+          </a:lnRef>
+          <a:fillRef idx="0">
+            <a:schemeClr val="dk1"/>
+          </a:fillRef>
+          <a:effectRef idx="1">
+            <a:schemeClr val="dk1"/>
+          </a:effectRef>
+          <a:fontRef idx="minor">
+            <a:schemeClr val="tx1"/>
+          </a:fontRef>
+        </p:style>
+      </p:cxnSp>
+      <p:cxnSp>
+        <p:nvCxnSpPr>
+          <p:cNvPr id="21" name="Connettore 2 20">
+            <a:extLst>
+              <a:ext uri="{FF2B5EF4-FFF2-40B4-BE49-F238E27FC236}">
+                <a16:creationId xmlns:a16="http://schemas.microsoft.com/office/drawing/2014/main" id="{1D2CD553-8D75-6BD8-C5E9-55AB27DB7FE2}"/>
+              </a:ext>
+            </a:extLst>
+          </p:cNvPr>
+          <p:cNvCxnSpPr>
+            <a:cxnSpLocks/>
+          </p:cNvCxnSpPr>
+          <p:nvPr/>
+        </p:nvCxnSpPr>
+        <p:spPr>
+          <a:xfrm flipH="1">
+            <a:off x="5261365" y="1899634"/>
+            <a:ext cx="173336" cy="232759"/>
+          </a:xfrm>
+          <a:prstGeom prst="straightConnector1">
+            <a:avLst/>
+          </a:prstGeom>
+          <a:ln>
+            <a:tailEnd type="triangle"/>
+          </a:ln>
+        </p:spPr>
+        <p:style>
+          <a:lnRef idx="2">
+            <a:schemeClr val="dk1"/>
+          </a:lnRef>
+          <a:fillRef idx="0">
+            <a:schemeClr val="dk1"/>
+          </a:fillRef>
+          <a:effectRef idx="1">
+            <a:schemeClr val="dk1"/>
+          </a:effectRef>
+          <a:fontRef idx="minor">
+            <a:schemeClr val="tx1"/>
+          </a:fontRef>
+        </p:style>
+      </p:cxnSp>
+      <p:cxnSp>
+        <p:nvCxnSpPr>
+          <p:cNvPr id="15" name="Connettore 2 14">
+            <a:extLst>
+              <a:ext uri="{FF2B5EF4-FFF2-40B4-BE49-F238E27FC236}">
+                <a16:creationId xmlns:a16="http://schemas.microsoft.com/office/drawing/2014/main" id="{639961C0-3E44-6833-44ED-AE4D9051F766}"/>
+              </a:ext>
+            </a:extLst>
+          </p:cNvPr>
+          <p:cNvCxnSpPr/>
+          <p:nvPr/>
+        </p:nvCxnSpPr>
+        <p:spPr>
+          <a:xfrm>
+            <a:off x="4591665" y="1130490"/>
+            <a:ext cx="403123" cy="0"/>
+          </a:xfrm>
+          <a:prstGeom prst="straightConnector1">
+            <a:avLst/>
+          </a:prstGeom>
+          <a:ln>
+            <a:tailEnd type="triangle"/>
+          </a:ln>
+        </p:spPr>
+        <p:style>
+          <a:lnRef idx="2">
+            <a:schemeClr val="dk1"/>
+          </a:lnRef>
+          <a:fillRef idx="0">
+            <a:schemeClr val="dk1"/>
+          </a:fillRef>
+          <a:effectRef idx="1">
+            <a:schemeClr val="dk1"/>
+          </a:effectRef>
+          <a:fontRef idx="minor">
+            <a:schemeClr val="tx1"/>
+          </a:fontRef>
+        </p:style>
+      </p:cxnSp>
+    </p:spTree>
+    <p:extLst>
+      <p:ext uri="{BB962C8B-B14F-4D97-AF65-F5344CB8AC3E}">
+        <p14:creationId xmlns:p14="http://schemas.microsoft.com/office/powerpoint/2010/main" val="2654750685"/>
       </p:ext>
     </p:extLst>
   </p:cSld>

--- a/poject.pptx
+++ b/poject.pptx
@@ -7,9 +7,11 @@
   <p:sldIdLst>
     <p:sldId id="256" r:id="rId2"/>
     <p:sldId id="257" r:id="rId3"/>
-    <p:sldId id="258" r:id="rId4"/>
-    <p:sldId id="259" r:id="rId5"/>
-    <p:sldId id="260" r:id="rId6"/>
+    <p:sldId id="262" r:id="rId4"/>
+    <p:sldId id="258" r:id="rId5"/>
+    <p:sldId id="259" r:id="rId6"/>
+    <p:sldId id="260" r:id="rId7"/>
+    <p:sldId id="261" r:id="rId8"/>
   </p:sldIdLst>
   <p:sldSz cx="12192000" cy="6858000"/>
   <p:notesSz cx="6858000" cy="9144000"/>
@@ -6449,6 +6451,145 @@
           <a:chExt cx="0" cy="0"/>
         </a:xfrm>
       </p:grpSpPr>
+      <p:pic>
+        <p:nvPicPr>
+          <p:cNvPr id="5" name="Immagine 4" descr="Immagine che contiene testo, Carattere, schermata, linea&#10;&#10;Il contenuto generato dall'IA potrebbe non essere corretto.">
+            <a:extLst>
+              <a:ext uri="{FF2B5EF4-FFF2-40B4-BE49-F238E27FC236}">
+                <a16:creationId xmlns:a16="http://schemas.microsoft.com/office/drawing/2014/main" id="{21C5E4D0-920E-3FA5-FF6B-94D190765EA0}"/>
+              </a:ext>
+            </a:extLst>
+          </p:cNvPr>
+          <p:cNvPicPr>
+            <a:picLocks noChangeAspect="1"/>
+          </p:cNvPicPr>
+          <p:nvPr/>
+        </p:nvPicPr>
+        <p:blipFill>
+          <a:blip r:embed="rId2">
+            <a:extLst>
+              <a:ext uri="{28A0092B-C50C-407E-A947-70E740481C1C}">
+                <a14:useLocalDpi xmlns:a14="http://schemas.microsoft.com/office/drawing/2010/main" val="0"/>
+              </a:ext>
+            </a:extLst>
+          </a:blip>
+          <a:stretch>
+            <a:fillRect/>
+          </a:stretch>
+        </p:blipFill>
+        <p:spPr>
+          <a:xfrm>
+            <a:off x="2159608" y="3952508"/>
+            <a:ext cx="8324506" cy="1691209"/>
+          </a:xfrm>
+          <a:prstGeom prst="rect">
+            <a:avLst/>
+          </a:prstGeom>
+        </p:spPr>
+      </p:pic>
+      <p:pic>
+        <p:nvPicPr>
+          <p:cNvPr id="7" name="Immagine 6" descr="Immagine che contiene testo, diagramma, linea, Piano&#10;&#10;Il contenuto generato dall'IA potrebbe non essere corretto.">
+            <a:extLst>
+              <a:ext uri="{FF2B5EF4-FFF2-40B4-BE49-F238E27FC236}">
+                <a16:creationId xmlns:a16="http://schemas.microsoft.com/office/drawing/2014/main" id="{BE3912DF-0316-C409-38CC-9410AD8A5ADE}"/>
+              </a:ext>
+            </a:extLst>
+          </p:cNvPr>
+          <p:cNvPicPr>
+            <a:picLocks noChangeAspect="1"/>
+          </p:cNvPicPr>
+          <p:nvPr/>
+        </p:nvPicPr>
+        <p:blipFill>
+          <a:blip r:embed="rId3">
+            <a:extLst>
+              <a:ext uri="{28A0092B-C50C-407E-A947-70E740481C1C}">
+                <a14:useLocalDpi xmlns:a14="http://schemas.microsoft.com/office/drawing/2010/main" val="0"/>
+              </a:ext>
+            </a:extLst>
+          </a:blip>
+          <a:stretch>
+            <a:fillRect/>
+          </a:stretch>
+        </p:blipFill>
+        <p:spPr>
+          <a:xfrm>
+            <a:off x="1952410" y="413536"/>
+            <a:ext cx="4704649" cy="3322722"/>
+          </a:xfrm>
+          <a:prstGeom prst="rect">
+            <a:avLst/>
+          </a:prstGeom>
+        </p:spPr>
+      </p:pic>
+      <p:pic>
+        <p:nvPicPr>
+          <p:cNvPr id="9" name="Immagine 8" descr="Immagine che contiene testo, schermata, numero, Carattere&#10;&#10;Il contenuto generato dall'IA potrebbe non essere corretto.">
+            <a:extLst>
+              <a:ext uri="{FF2B5EF4-FFF2-40B4-BE49-F238E27FC236}">
+                <a16:creationId xmlns:a16="http://schemas.microsoft.com/office/drawing/2014/main" id="{00A1F8AE-E441-0076-6782-B61E37B73538}"/>
+              </a:ext>
+            </a:extLst>
+          </p:cNvPr>
+          <p:cNvPicPr>
+            <a:picLocks noChangeAspect="1"/>
+          </p:cNvPicPr>
+          <p:nvPr/>
+        </p:nvPicPr>
+        <p:blipFill>
+          <a:blip r:embed="rId4">
+            <a:extLst>
+              <a:ext uri="{28A0092B-C50C-407E-A947-70E740481C1C}">
+                <a14:useLocalDpi xmlns:a14="http://schemas.microsoft.com/office/drawing/2010/main" val="0"/>
+              </a:ext>
+            </a:extLst>
+          </a:blip>
+          <a:srcRect t="4187" r="1330"/>
+          <a:stretch>
+            <a:fillRect/>
+          </a:stretch>
+        </p:blipFill>
+        <p:spPr>
+          <a:xfrm>
+            <a:off x="6923935" y="934065"/>
+            <a:ext cx="4225845" cy="1971427"/>
+          </a:xfrm>
+          <a:prstGeom prst="rect">
+            <a:avLst/>
+          </a:prstGeom>
+        </p:spPr>
+      </p:pic>
+    </p:spTree>
+    <p:extLst>
+      <p:ext uri="{BB962C8B-B14F-4D97-AF65-F5344CB8AC3E}">
+        <p14:creationId xmlns:p14="http://schemas.microsoft.com/office/powerpoint/2010/main" val="235317117"/>
+      </p:ext>
+    </p:extLst>
+  </p:cSld>
+  <p:clrMapOvr>
+    <a:masterClrMapping/>
+  </p:clrMapOvr>
+</p:sld>
+</file>
+
+<file path=ppt/slides/slide4.xml><?xml version="1.0" encoding="utf-8"?>
+<p:sld xmlns:a="http://schemas.openxmlformats.org/drawingml/2006/main" xmlns:r="http://schemas.openxmlformats.org/officeDocument/2006/relationships" xmlns:p="http://schemas.openxmlformats.org/presentationml/2006/main">
+  <p:cSld>
+    <p:spTree>
+      <p:nvGrpSpPr>
+        <p:cNvPr id="1" name=""/>
+        <p:cNvGrpSpPr/>
+        <p:nvPr/>
+      </p:nvGrpSpPr>
+      <p:grpSpPr>
+        <a:xfrm>
+          <a:off x="0" y="0"/>
+          <a:ext cx="0" cy="0"/>
+          <a:chOff x="0" y="0"/>
+          <a:chExt cx="0" cy="0"/>
+        </a:xfrm>
+      </p:grpSpPr>
       <p:sp>
         <p:nvSpPr>
           <p:cNvPr id="2" name="Titolo 1">
@@ -6497,9 +6638,9 @@
         <p:grpSpPr>
           <a:xfrm>
             <a:off x="5188995" y="1832464"/>
-            <a:ext cx="2213714" cy="1735016"/>
+            <a:ext cx="1953848" cy="1735016"/>
             <a:chOff x="4071814" y="2915138"/>
-            <a:chExt cx="2213714" cy="1735016"/>
+            <a:chExt cx="1953848" cy="1735016"/>
           </a:xfrm>
         </p:grpSpPr>
         <p:sp>
@@ -6546,44 +6687,6 @@
             <a:p>
               <a:pPr algn="ctr"/>
               <a:endParaRPr lang="it-IT"/>
-            </a:p>
-          </p:txBody>
-        </p:sp>
-        <p:sp>
-          <p:nvSpPr>
-            <p:cNvPr id="6" name="TextBox 26">
-              <a:extLst>
-                <a:ext uri="{FF2B5EF4-FFF2-40B4-BE49-F238E27FC236}">
-                  <a16:creationId xmlns:a16="http://schemas.microsoft.com/office/drawing/2014/main" id="{30F7808E-EE2C-61AF-D66C-ACA5E0B4D6B5}"/>
-                </a:ext>
-              </a:extLst>
-            </p:cNvPr>
-            <p:cNvSpPr txBox="1"/>
-            <p:nvPr/>
-          </p:nvSpPr>
-          <p:spPr>
-            <a:xfrm>
-              <a:off x="4095372" y="2927125"/>
-              <a:ext cx="1911692" cy="307777"/>
-            </a:xfrm>
-            <a:prstGeom prst="rect">
-              <a:avLst/>
-            </a:prstGeom>
-            <a:noFill/>
-          </p:spPr>
-          <p:txBody>
-            <a:bodyPr wrap="square" rtlCol="0">
-              <a:spAutoFit/>
-            </a:bodyPr>
-            <a:lstStyle/>
-            <a:p>
-              <a:r>
-                <a:rPr lang="it-IT" sz="1400" dirty="0">
-                  <a:latin typeface="Helvetica" panose="020B0604020202020204" pitchFamily="34" charset="0"/>
-                  <a:cs typeface="Helvetica" panose="020B0604020202020204" pitchFamily="34" charset="0"/>
-                </a:rPr>
-                <a:t>FIFOwidth10_depth?</a:t>
-              </a:r>
             </a:p>
           </p:txBody>
         </p:sp>
@@ -6639,180 +6742,6 @@
             </a:p>
           </p:txBody>
         </p:sp>
-        <p:sp>
-          <p:nvSpPr>
-            <p:cNvPr id="8" name="TextBox 28">
-              <a:extLst>
-                <a:ext uri="{FF2B5EF4-FFF2-40B4-BE49-F238E27FC236}">
-                  <a16:creationId xmlns:a16="http://schemas.microsoft.com/office/drawing/2014/main" id="{2A7666D6-6081-E06B-4F1C-5117245DC413}"/>
-                </a:ext>
-              </a:extLst>
-            </p:cNvPr>
-            <p:cNvSpPr txBox="1"/>
-            <p:nvPr/>
-          </p:nvSpPr>
-          <p:spPr>
-            <a:xfrm>
-              <a:off x="4276697" y="4231334"/>
-              <a:ext cx="401086" cy="276999"/>
-            </a:xfrm>
-            <a:prstGeom prst="rect">
-              <a:avLst/>
-            </a:prstGeom>
-            <a:noFill/>
-          </p:spPr>
-          <p:txBody>
-            <a:bodyPr wrap="square" rtlCol="0">
-              <a:spAutoFit/>
-            </a:bodyPr>
-            <a:lstStyle/>
-            <a:p>
-              <a:r>
-                <a:rPr lang="it-IT" sz="1200" dirty="0" err="1">
-                  <a:latin typeface="Helvetica" panose="020B0604020202020204" pitchFamily="34" charset="0"/>
-                  <a:cs typeface="Helvetica" panose="020B0604020202020204" pitchFamily="34" charset="0"/>
-                </a:rPr>
-                <a:t>clk</a:t>
-              </a:r>
-              <a:endParaRPr lang="it-IT" sz="1200" dirty="0">
-                <a:latin typeface="Helvetica" panose="020B0604020202020204" pitchFamily="34" charset="0"/>
-                <a:cs typeface="Helvetica" panose="020B0604020202020204" pitchFamily="34" charset="0"/>
-              </a:endParaRPr>
-            </a:p>
-          </p:txBody>
-        </p:sp>
-        <p:sp>
-          <p:nvSpPr>
-            <p:cNvPr id="9" name="TextBox 29">
-              <a:extLst>
-                <a:ext uri="{FF2B5EF4-FFF2-40B4-BE49-F238E27FC236}">
-                  <a16:creationId xmlns:a16="http://schemas.microsoft.com/office/drawing/2014/main" id="{B0D05F17-968F-F662-8195-53FF44099F20}"/>
-                </a:ext>
-              </a:extLst>
-            </p:cNvPr>
-            <p:cNvSpPr txBox="1"/>
-            <p:nvPr/>
-          </p:nvSpPr>
-          <p:spPr>
-            <a:xfrm>
-              <a:off x="4086436" y="3699411"/>
-              <a:ext cx="840053" cy="461665"/>
-            </a:xfrm>
-            <a:prstGeom prst="rect">
-              <a:avLst/>
-            </a:prstGeom>
-            <a:noFill/>
-          </p:spPr>
-          <p:txBody>
-            <a:bodyPr wrap="square" rtlCol="0">
-              <a:spAutoFit/>
-            </a:bodyPr>
-            <a:lstStyle/>
-            <a:p>
-              <a:r>
-                <a:rPr lang="it-IT" sz="1200" dirty="0" err="1">
-                  <a:latin typeface="Helvetica" panose="020B0604020202020204" pitchFamily="34" charset="0"/>
-                  <a:cs typeface="Helvetica" panose="020B0604020202020204" pitchFamily="34" charset="0"/>
-                </a:rPr>
-                <a:t>wr_en</a:t>
-              </a:r>
-              <a:endParaRPr lang="it-IT" sz="1200" dirty="0">
-                <a:latin typeface="Helvetica" panose="020B0604020202020204" pitchFamily="34" charset="0"/>
-                <a:cs typeface="Helvetica" panose="020B0604020202020204" pitchFamily="34" charset="0"/>
-              </a:endParaRPr>
-            </a:p>
-            <a:p>
-              <a:r>
-                <a:rPr lang="it-IT" sz="1200" dirty="0" err="1">
-                  <a:latin typeface="Helvetica" panose="020B0604020202020204" pitchFamily="34" charset="0"/>
-                  <a:cs typeface="Helvetica" panose="020B0604020202020204" pitchFamily="34" charset="0"/>
-                </a:rPr>
-                <a:t>w_data</a:t>
-              </a:r>
-              <a:endParaRPr lang="it-IT" sz="1200" dirty="0">
-                <a:latin typeface="Helvetica" panose="020B0604020202020204" pitchFamily="34" charset="0"/>
-                <a:cs typeface="Helvetica" panose="020B0604020202020204" pitchFamily="34" charset="0"/>
-              </a:endParaRPr>
-            </a:p>
-          </p:txBody>
-        </p:sp>
-        <p:sp>
-          <p:nvSpPr>
-            <p:cNvPr id="10" name="TextBox 30">
-              <a:extLst>
-                <a:ext uri="{FF2B5EF4-FFF2-40B4-BE49-F238E27FC236}">
-                  <a16:creationId xmlns:a16="http://schemas.microsoft.com/office/drawing/2014/main" id="{C318B011-0C6D-CD1E-32CC-981AE56E5F96}"/>
-                </a:ext>
-              </a:extLst>
-            </p:cNvPr>
-            <p:cNvSpPr txBox="1"/>
-            <p:nvPr/>
-          </p:nvSpPr>
-          <p:spPr>
-            <a:xfrm>
-              <a:off x="5368969" y="3369839"/>
-              <a:ext cx="916559" cy="830997"/>
-            </a:xfrm>
-            <a:prstGeom prst="rect">
-              <a:avLst/>
-            </a:prstGeom>
-            <a:noFill/>
-          </p:spPr>
-          <p:txBody>
-            <a:bodyPr wrap="square" rtlCol="0">
-              <a:spAutoFit/>
-            </a:bodyPr>
-            <a:lstStyle/>
-            <a:p>
-              <a:r>
-                <a:rPr lang="it-IT" sz="1200" dirty="0" err="1">
-                  <a:latin typeface="Helvetica" panose="020B0604020202020204" pitchFamily="34" charset="0"/>
-                  <a:cs typeface="Helvetica" panose="020B0604020202020204" pitchFamily="34" charset="0"/>
-                </a:rPr>
-                <a:t>r_data</a:t>
-              </a:r>
-              <a:endParaRPr lang="it-IT" sz="1200" dirty="0">
-                <a:latin typeface="Helvetica" panose="020B0604020202020204" pitchFamily="34" charset="0"/>
-                <a:cs typeface="Helvetica" panose="020B0604020202020204" pitchFamily="34" charset="0"/>
-              </a:endParaRPr>
-            </a:p>
-            <a:p>
-              <a:r>
-                <a:rPr lang="it-IT" sz="1200" dirty="0" err="1">
-                  <a:latin typeface="Helvetica" panose="020B0604020202020204" pitchFamily="34" charset="0"/>
-                  <a:cs typeface="Helvetica" panose="020B0604020202020204" pitchFamily="34" charset="0"/>
-                </a:rPr>
-                <a:t>rd_en</a:t>
-              </a:r>
-              <a:endParaRPr lang="it-IT" sz="1200" dirty="0">
-                <a:latin typeface="Helvetica" panose="020B0604020202020204" pitchFamily="34" charset="0"/>
-                <a:cs typeface="Helvetica" panose="020B0604020202020204" pitchFamily="34" charset="0"/>
-              </a:endParaRPr>
-            </a:p>
-            <a:p>
-              <a:r>
-                <a:rPr lang="it-IT" sz="1200" dirty="0">
-                  <a:latin typeface="Helvetica" panose="020B0604020202020204" pitchFamily="34" charset="0"/>
-                  <a:cs typeface="Helvetica" panose="020B0604020202020204" pitchFamily="34" charset="0"/>
-                </a:rPr>
-                <a:t>full</a:t>
-              </a:r>
-            </a:p>
-            <a:p>
-              <a:r>
-                <a:rPr lang="it-IT" sz="1200" dirty="0" err="1">
-                  <a:latin typeface="Helvetica" panose="020B0604020202020204" pitchFamily="34" charset="0"/>
-                  <a:cs typeface="Helvetica" panose="020B0604020202020204" pitchFamily="34" charset="0"/>
-                </a:rPr>
-                <a:t>empty</a:t>
-              </a:r>
-              <a:endParaRPr lang="it-IT" sz="1200" dirty="0">
-                <a:latin typeface="Helvetica" panose="020B0604020202020204" pitchFamily="34" charset="0"/>
-                <a:cs typeface="Helvetica" panose="020B0604020202020204" pitchFamily="34" charset="0"/>
-              </a:endParaRPr>
-            </a:p>
-          </p:txBody>
-        </p:sp>
       </p:grpSp>
       <p:sp>
         <p:nvSpPr>
@@ -6989,7 +6918,7 @@
         </p:nvCxnSpPr>
         <p:spPr>
           <a:xfrm>
-            <a:off x="7146197" y="2807349"/>
+            <a:off x="7157464" y="2784522"/>
             <a:ext cx="1930829" cy="1"/>
           </a:xfrm>
           <a:prstGeom prst="straightConnector1">
@@ -7102,8 +7031,8 @@
         </p:nvSpPr>
         <p:spPr>
           <a:xfrm>
-            <a:off x="7901966" y="4580762"/>
-            <a:ext cx="1106457" cy="1200329"/>
+            <a:off x="7242007" y="5180925"/>
+            <a:ext cx="560795" cy="646331"/>
           </a:xfrm>
           <a:prstGeom prst="rect">
             <a:avLst/>
@@ -7211,20 +7140,6 @@
           </a:lstStyle>
           <a:p>
             <a:r>
-              <a:rPr lang="it-IT" dirty="0" err="1"/>
-              <a:t>Registers</a:t>
-            </a:r>
-            <a:endParaRPr lang="it-IT" dirty="0"/>
-          </a:p>
-          <a:p>
-            <a:r>
-              <a:rPr lang="it-IT" dirty="0" err="1"/>
-              <a:t>BRam</a:t>
-            </a:r>
-            <a:endParaRPr lang="it-IT" dirty="0"/>
-          </a:p>
-          <a:p>
-            <a:r>
               <a:rPr lang="it-IT" dirty="0"/>
               <a:t>LUT</a:t>
             </a:r>
@@ -7243,13 +7158,15 @@
               </a:ext>
             </a:extLst>
           </p:cNvPr>
-          <p:cNvCxnSpPr/>
+          <p:cNvCxnSpPr>
+            <a:cxnSpLocks/>
+          </p:cNvCxnSpPr>
           <p:nvPr/>
         </p:nvCxnSpPr>
         <p:spPr>
-          <a:xfrm>
-            <a:off x="7142843" y="4271616"/>
-            <a:ext cx="663970" cy="467532"/>
+          <a:xfrm flipH="1">
+            <a:off x="5034116" y="4384069"/>
+            <a:ext cx="458519" cy="759568"/>
           </a:xfrm>
           <a:prstGeom prst="straightConnector1">
             <a:avLst/>
@@ -7283,13 +7200,13 @@
             </a:extLst>
           </p:cNvPr>
           <p:cNvCxnSpPr>
-            <a:endCxn id="38" idx="1"/>
+            <a:cxnSpLocks/>
           </p:cNvCxnSpPr>
           <p:nvPr/>
         </p:nvCxnSpPr>
         <p:spPr>
           <a:xfrm>
-            <a:off x="7124245" y="4424516"/>
+            <a:off x="6744684" y="4329421"/>
             <a:ext cx="777721" cy="756411"/>
           </a:xfrm>
           <a:prstGeom prst="straightConnector1">
@@ -7316,7 +7233,7 @@
       </p:cxnSp>
       <p:cxnSp>
         <p:nvCxnSpPr>
-          <p:cNvPr id="47" name="Connettore 2 46">
+          <p:cNvPr id="3" name="Connettore 2 2">
             <a:extLst>
               <a:ext uri="{FF2B5EF4-FFF2-40B4-BE49-F238E27FC236}">
                 <a16:creationId xmlns:a16="http://schemas.microsoft.com/office/drawing/2014/main" id="{57D69AD6-9900-12B6-FF92-69B7F69FE775}"/>
@@ -7330,8 +7247,8 @@
         </p:nvCxnSpPr>
         <p:spPr>
           <a:xfrm>
-            <a:off x="7124245" y="4329421"/>
-            <a:ext cx="682568" cy="626037"/>
+            <a:off x="6153822" y="4329421"/>
+            <a:ext cx="89662" cy="851505"/>
           </a:xfrm>
           <a:prstGeom prst="straightConnector1">
             <a:avLst/>
@@ -7339,6 +7256,525 @@
           <a:ln>
             <a:tailEnd type="triangle"/>
           </a:ln>
+        </p:spPr>
+        <p:style>
+          <a:lnRef idx="2">
+            <a:schemeClr val="dk1"/>
+          </a:lnRef>
+          <a:fillRef idx="0">
+            <a:schemeClr val="dk1"/>
+          </a:fillRef>
+          <a:effectRef idx="1">
+            <a:schemeClr val="dk1"/>
+          </a:effectRef>
+          <a:fontRef idx="minor">
+            <a:schemeClr val="tx1"/>
+          </a:fontRef>
+        </p:style>
+      </p:cxnSp>
+      <p:sp>
+        <p:nvSpPr>
+          <p:cNvPr id="20" name="CasellaDiTesto 19">
+            <a:extLst>
+              <a:ext uri="{FF2B5EF4-FFF2-40B4-BE49-F238E27FC236}">
+                <a16:creationId xmlns:a16="http://schemas.microsoft.com/office/drawing/2014/main" id="{93037EFF-C036-2D3E-630F-9D5570FC2D3D}"/>
+              </a:ext>
+            </a:extLst>
+          </p:cNvPr>
+          <p:cNvSpPr txBox="1"/>
+          <p:nvPr/>
+        </p:nvSpPr>
+        <p:spPr>
+          <a:xfrm>
+            <a:off x="4058344" y="5180926"/>
+            <a:ext cx="1106457" cy="646331"/>
+          </a:xfrm>
+          <a:prstGeom prst="rect">
+            <a:avLst/>
+          </a:prstGeom>
+          <a:noFill/>
+        </p:spPr>
+        <p:txBody>
+          <a:bodyPr wrap="none" rtlCol="0">
+            <a:spAutoFit/>
+          </a:bodyPr>
+          <a:lstStyle/>
+          <a:p>
+            <a:r>
+              <a:rPr lang="it-IT" dirty="0" err="1"/>
+              <a:t>Registers</a:t>
+            </a:r>
+            <a:endParaRPr lang="it-IT" dirty="0"/>
+          </a:p>
+          <a:p>
+            <a:endParaRPr lang="it-IT" dirty="0"/>
+          </a:p>
+        </p:txBody>
+      </p:sp>
+      <p:sp>
+        <p:nvSpPr>
+          <p:cNvPr id="21" name="CasellaDiTesto 20">
+            <a:extLst>
+              <a:ext uri="{FF2B5EF4-FFF2-40B4-BE49-F238E27FC236}">
+                <a16:creationId xmlns:a16="http://schemas.microsoft.com/office/drawing/2014/main" id="{7F3CE0C5-B225-E323-8B35-BF6B84788067}"/>
+              </a:ext>
+            </a:extLst>
+          </p:cNvPr>
+          <p:cNvSpPr txBox="1"/>
+          <p:nvPr/>
+        </p:nvSpPr>
+        <p:spPr>
+          <a:xfrm>
+            <a:off x="5883397" y="5203351"/>
+            <a:ext cx="785536" cy="646331"/>
+          </a:xfrm>
+          <a:prstGeom prst="rect">
+            <a:avLst/>
+          </a:prstGeom>
+          <a:noFill/>
+        </p:spPr>
+        <p:txBody>
+          <a:bodyPr wrap="none" rtlCol="0">
+            <a:spAutoFit/>
+          </a:bodyPr>
+          <a:lstStyle/>
+          <a:p>
+            <a:r>
+              <a:rPr lang="it-IT" dirty="0" err="1"/>
+              <a:t>BRam</a:t>
+            </a:r>
+            <a:endParaRPr lang="it-IT" dirty="0"/>
+          </a:p>
+          <a:p>
+            <a:endParaRPr lang="it-IT" dirty="0"/>
+          </a:p>
+        </p:txBody>
+      </p:sp>
+      <p:sp>
+        <p:nvSpPr>
+          <p:cNvPr id="13" name="Rettangolo 12">
+            <a:extLst>
+              <a:ext uri="{FF2B5EF4-FFF2-40B4-BE49-F238E27FC236}">
+                <a16:creationId xmlns:a16="http://schemas.microsoft.com/office/drawing/2014/main" id="{63712FC8-C00C-8E99-8679-5CF95C2FCD50}"/>
+              </a:ext>
+            </a:extLst>
+          </p:cNvPr>
+          <p:cNvSpPr/>
+          <p:nvPr/>
+        </p:nvSpPr>
+        <p:spPr>
+          <a:xfrm>
+            <a:off x="5215099" y="1820450"/>
+            <a:ext cx="1958879" cy="1767546"/>
+          </a:xfrm>
+          <a:prstGeom prst="rect">
+            <a:avLst/>
+          </a:prstGeom>
+        </p:spPr>
+        <p:style>
+          <a:lnRef idx="2">
+            <a:schemeClr val="accent1">
+              <a:shade val="15000"/>
+            </a:schemeClr>
+          </a:lnRef>
+          <a:fillRef idx="1">
+            <a:schemeClr val="accent1"/>
+          </a:fillRef>
+          <a:effectRef idx="0">
+            <a:schemeClr val="accent1"/>
+          </a:effectRef>
+          <a:fontRef idx="minor">
+            <a:schemeClr val="lt1"/>
+          </a:fontRef>
+        </p:style>
+        <p:txBody>
+          <a:bodyPr rtlCol="0" anchor="ctr"/>
+          <a:lstStyle/>
+          <a:p>
+            <a:pPr algn="ctr"/>
+            <a:r>
+              <a:rPr lang="it-IT" dirty="0"/>
+              <a:t>IP</a:t>
+            </a:r>
+          </a:p>
+        </p:txBody>
+      </p:sp>
+      <p:sp>
+        <p:nvSpPr>
+          <p:cNvPr id="14" name="TextBox 29">
+            <a:extLst>
+              <a:ext uri="{FF2B5EF4-FFF2-40B4-BE49-F238E27FC236}">
+                <a16:creationId xmlns:a16="http://schemas.microsoft.com/office/drawing/2014/main" id="{B0D05F17-968F-F662-8195-53FF44099F20}"/>
+              </a:ext>
+            </a:extLst>
+          </p:cNvPr>
+          <p:cNvSpPr txBox="1"/>
+          <p:nvPr/>
+        </p:nvSpPr>
+        <p:spPr>
+          <a:xfrm>
+            <a:off x="5183964" y="2300347"/>
+            <a:ext cx="840053" cy="1015663"/>
+          </a:xfrm>
+          <a:prstGeom prst="rect">
+            <a:avLst/>
+          </a:prstGeom>
+          <a:noFill/>
+        </p:spPr>
+        <p:txBody>
+          <a:bodyPr wrap="square" rtlCol="0">
+            <a:spAutoFit/>
+          </a:bodyPr>
+          <a:lstStyle/>
+          <a:p>
+            <a:endParaRPr lang="it-IT" sz="1200" dirty="0">
+              <a:solidFill>
+                <a:schemeClr val="bg1"/>
+              </a:solidFill>
+              <a:latin typeface="Helvetica" panose="020B0604020202020204" pitchFamily="34" charset="0"/>
+              <a:cs typeface="Helvetica" panose="020B0604020202020204" pitchFamily="34" charset="0"/>
+            </a:endParaRPr>
+          </a:p>
+          <a:p>
+            <a:r>
+              <a:rPr lang="it-IT" sz="1200" dirty="0" err="1">
+                <a:solidFill>
+                  <a:schemeClr val="bg1"/>
+                </a:solidFill>
+                <a:latin typeface="Helvetica" panose="020B0604020202020204" pitchFamily="34" charset="0"/>
+                <a:cs typeface="Helvetica" panose="020B0604020202020204" pitchFamily="34" charset="0"/>
+              </a:rPr>
+              <a:t>w_data</a:t>
+            </a:r>
+            <a:endParaRPr lang="it-IT" sz="1200" dirty="0">
+              <a:solidFill>
+                <a:schemeClr val="bg1"/>
+              </a:solidFill>
+              <a:latin typeface="Helvetica" panose="020B0604020202020204" pitchFamily="34" charset="0"/>
+              <a:cs typeface="Helvetica" panose="020B0604020202020204" pitchFamily="34" charset="0"/>
+            </a:endParaRPr>
+          </a:p>
+          <a:p>
+            <a:endParaRPr lang="it-IT" sz="1200" dirty="0">
+              <a:solidFill>
+                <a:schemeClr val="bg1"/>
+              </a:solidFill>
+              <a:latin typeface="Helvetica" panose="020B0604020202020204" pitchFamily="34" charset="0"/>
+              <a:cs typeface="Helvetica" panose="020B0604020202020204" pitchFamily="34" charset="0"/>
+            </a:endParaRPr>
+          </a:p>
+          <a:p>
+            <a:r>
+              <a:rPr lang="it-IT" sz="1200" dirty="0" err="1">
+                <a:solidFill>
+                  <a:schemeClr val="bg1"/>
+                </a:solidFill>
+                <a:latin typeface="Helvetica" panose="020B0604020202020204" pitchFamily="34" charset="0"/>
+                <a:cs typeface="Helvetica" panose="020B0604020202020204" pitchFamily="34" charset="0"/>
+              </a:rPr>
+              <a:t>wr_en</a:t>
+            </a:r>
+            <a:endParaRPr lang="it-IT" sz="1200" dirty="0">
+              <a:solidFill>
+                <a:schemeClr val="bg1"/>
+              </a:solidFill>
+              <a:latin typeface="Helvetica" panose="020B0604020202020204" pitchFamily="34" charset="0"/>
+              <a:cs typeface="Helvetica" panose="020B0604020202020204" pitchFamily="34" charset="0"/>
+            </a:endParaRPr>
+          </a:p>
+          <a:p>
+            <a:endParaRPr lang="it-IT" sz="1200" dirty="0">
+              <a:solidFill>
+                <a:schemeClr val="bg1"/>
+              </a:solidFill>
+              <a:latin typeface="Helvetica" panose="020B0604020202020204" pitchFamily="34" charset="0"/>
+              <a:cs typeface="Helvetica" panose="020B0604020202020204" pitchFamily="34" charset="0"/>
+            </a:endParaRPr>
+          </a:p>
+        </p:txBody>
+      </p:sp>
+      <p:sp>
+        <p:nvSpPr>
+          <p:cNvPr id="17" name="TextBox 28">
+            <a:extLst>
+              <a:ext uri="{FF2B5EF4-FFF2-40B4-BE49-F238E27FC236}">
+                <a16:creationId xmlns:a16="http://schemas.microsoft.com/office/drawing/2014/main" id="{2A7666D6-6081-E06B-4F1C-5117245DC413}"/>
+              </a:ext>
+            </a:extLst>
+          </p:cNvPr>
+          <p:cNvSpPr txBox="1"/>
+          <p:nvPr/>
+        </p:nvSpPr>
+        <p:spPr>
+          <a:xfrm>
+            <a:off x="5401560" y="3168999"/>
+            <a:ext cx="401086" cy="276999"/>
+          </a:xfrm>
+          <a:prstGeom prst="rect">
+            <a:avLst/>
+          </a:prstGeom>
+          <a:noFill/>
+        </p:spPr>
+        <p:txBody>
+          <a:bodyPr wrap="square" rtlCol="0">
+            <a:spAutoFit/>
+          </a:bodyPr>
+          <a:lstStyle/>
+          <a:p>
+            <a:r>
+              <a:rPr lang="it-IT" sz="1200" dirty="0" err="1">
+                <a:solidFill>
+                  <a:schemeClr val="bg1"/>
+                </a:solidFill>
+                <a:latin typeface="Helvetica" panose="020B0604020202020204" pitchFamily="34" charset="0"/>
+                <a:cs typeface="Helvetica" panose="020B0604020202020204" pitchFamily="34" charset="0"/>
+              </a:rPr>
+              <a:t>clk</a:t>
+            </a:r>
+            <a:endParaRPr lang="it-IT" sz="1200" dirty="0">
+              <a:solidFill>
+                <a:schemeClr val="bg1"/>
+              </a:solidFill>
+              <a:latin typeface="Helvetica" panose="020B0604020202020204" pitchFamily="34" charset="0"/>
+              <a:cs typeface="Helvetica" panose="020B0604020202020204" pitchFamily="34" charset="0"/>
+            </a:endParaRPr>
+          </a:p>
+        </p:txBody>
+      </p:sp>
+      <p:sp>
+        <p:nvSpPr>
+          <p:cNvPr id="22" name="TextBox 30">
+            <a:extLst>
+              <a:ext uri="{FF2B5EF4-FFF2-40B4-BE49-F238E27FC236}">
+                <a16:creationId xmlns:a16="http://schemas.microsoft.com/office/drawing/2014/main" id="{C318B011-0C6D-CD1E-32CC-981AE56E5F96}"/>
+              </a:ext>
+            </a:extLst>
+          </p:cNvPr>
+          <p:cNvSpPr txBox="1"/>
+          <p:nvPr/>
+        </p:nvSpPr>
+        <p:spPr>
+          <a:xfrm>
+            <a:off x="6527439" y="2182485"/>
+            <a:ext cx="916559" cy="1384995"/>
+          </a:xfrm>
+          <a:prstGeom prst="rect">
+            <a:avLst/>
+          </a:prstGeom>
+          <a:noFill/>
+        </p:spPr>
+        <p:txBody>
+          <a:bodyPr wrap="square" rtlCol="0">
+            <a:spAutoFit/>
+          </a:bodyPr>
+          <a:lstStyle/>
+          <a:p>
+            <a:r>
+              <a:rPr lang="it-IT" sz="1200" dirty="0" err="1">
+                <a:solidFill>
+                  <a:schemeClr val="bg1"/>
+                </a:solidFill>
+                <a:latin typeface="Helvetica" panose="020B0604020202020204" pitchFamily="34" charset="0"/>
+                <a:cs typeface="Helvetica" panose="020B0604020202020204" pitchFamily="34" charset="0"/>
+              </a:rPr>
+              <a:t>r_data</a:t>
+            </a:r>
+            <a:endParaRPr lang="it-IT" sz="1200" dirty="0">
+              <a:solidFill>
+                <a:schemeClr val="bg1"/>
+              </a:solidFill>
+              <a:latin typeface="Helvetica" panose="020B0604020202020204" pitchFamily="34" charset="0"/>
+              <a:cs typeface="Helvetica" panose="020B0604020202020204" pitchFamily="34" charset="0"/>
+            </a:endParaRPr>
+          </a:p>
+          <a:p>
+            <a:endParaRPr lang="it-IT" sz="1200" dirty="0">
+              <a:solidFill>
+                <a:schemeClr val="bg1"/>
+              </a:solidFill>
+              <a:latin typeface="Helvetica" panose="020B0604020202020204" pitchFamily="34" charset="0"/>
+              <a:cs typeface="Helvetica" panose="020B0604020202020204" pitchFamily="34" charset="0"/>
+            </a:endParaRPr>
+          </a:p>
+          <a:p>
+            <a:r>
+              <a:rPr lang="it-IT" sz="1200" dirty="0" err="1">
+                <a:solidFill>
+                  <a:schemeClr val="bg1"/>
+                </a:solidFill>
+                <a:latin typeface="Helvetica" panose="020B0604020202020204" pitchFamily="34" charset="0"/>
+                <a:cs typeface="Helvetica" panose="020B0604020202020204" pitchFamily="34" charset="0"/>
+              </a:rPr>
+              <a:t>rd_en</a:t>
+            </a:r>
+            <a:endParaRPr lang="it-IT" sz="1200" dirty="0">
+              <a:solidFill>
+                <a:schemeClr val="bg1"/>
+              </a:solidFill>
+              <a:latin typeface="Helvetica" panose="020B0604020202020204" pitchFamily="34" charset="0"/>
+              <a:cs typeface="Helvetica" panose="020B0604020202020204" pitchFamily="34" charset="0"/>
+            </a:endParaRPr>
+          </a:p>
+          <a:p>
+            <a:endParaRPr lang="it-IT" sz="1200" dirty="0">
+              <a:solidFill>
+                <a:schemeClr val="bg1"/>
+              </a:solidFill>
+              <a:latin typeface="Helvetica" panose="020B0604020202020204" pitchFamily="34" charset="0"/>
+              <a:cs typeface="Helvetica" panose="020B0604020202020204" pitchFamily="34" charset="0"/>
+            </a:endParaRPr>
+          </a:p>
+          <a:p>
+            <a:r>
+              <a:rPr lang="it-IT" sz="1200" dirty="0">
+                <a:solidFill>
+                  <a:schemeClr val="bg1"/>
+                </a:solidFill>
+                <a:latin typeface="Helvetica" panose="020B0604020202020204" pitchFamily="34" charset="0"/>
+                <a:cs typeface="Helvetica" panose="020B0604020202020204" pitchFamily="34" charset="0"/>
+              </a:rPr>
+              <a:t>full</a:t>
+            </a:r>
+          </a:p>
+          <a:p>
+            <a:endParaRPr lang="it-IT" sz="1200" dirty="0">
+              <a:solidFill>
+                <a:schemeClr val="bg1"/>
+              </a:solidFill>
+              <a:latin typeface="Helvetica" panose="020B0604020202020204" pitchFamily="34" charset="0"/>
+              <a:cs typeface="Helvetica" panose="020B0604020202020204" pitchFamily="34" charset="0"/>
+            </a:endParaRPr>
+          </a:p>
+          <a:p>
+            <a:r>
+              <a:rPr lang="it-IT" sz="1200" dirty="0" err="1">
+                <a:solidFill>
+                  <a:schemeClr val="bg1"/>
+                </a:solidFill>
+                <a:latin typeface="Helvetica" panose="020B0604020202020204" pitchFamily="34" charset="0"/>
+                <a:cs typeface="Helvetica" panose="020B0604020202020204" pitchFamily="34" charset="0"/>
+              </a:rPr>
+              <a:t>empty</a:t>
+            </a:r>
+            <a:endParaRPr lang="it-IT" sz="1200" dirty="0">
+              <a:solidFill>
+                <a:schemeClr val="bg1"/>
+              </a:solidFill>
+              <a:latin typeface="Helvetica" panose="020B0604020202020204" pitchFamily="34" charset="0"/>
+              <a:cs typeface="Helvetica" panose="020B0604020202020204" pitchFamily="34" charset="0"/>
+            </a:endParaRPr>
+          </a:p>
+        </p:txBody>
+      </p:sp>
+      <p:sp>
+        <p:nvSpPr>
+          <p:cNvPr id="23" name="TextBox 26">
+            <a:extLst>
+              <a:ext uri="{FF2B5EF4-FFF2-40B4-BE49-F238E27FC236}">
+                <a16:creationId xmlns:a16="http://schemas.microsoft.com/office/drawing/2014/main" id="{30F7808E-EE2C-61AF-D66C-ACA5E0B4D6B5}"/>
+              </a:ext>
+            </a:extLst>
+          </p:cNvPr>
+          <p:cNvSpPr txBox="1"/>
+          <p:nvPr/>
+        </p:nvSpPr>
+        <p:spPr>
+          <a:xfrm>
+            <a:off x="5212553" y="1844451"/>
+            <a:ext cx="1911692" cy="307777"/>
+          </a:xfrm>
+          <a:prstGeom prst="rect">
+            <a:avLst/>
+          </a:prstGeom>
+          <a:noFill/>
+        </p:spPr>
+        <p:txBody>
+          <a:bodyPr wrap="square" rtlCol="0">
+            <a:spAutoFit/>
+          </a:bodyPr>
+          <a:lstStyle/>
+          <a:p>
+            <a:r>
+              <a:rPr lang="it-IT" sz="1400" dirty="0">
+                <a:solidFill>
+                  <a:schemeClr val="bg1"/>
+                </a:solidFill>
+                <a:latin typeface="Helvetica" panose="020B0604020202020204" pitchFamily="34" charset="0"/>
+                <a:cs typeface="Helvetica" panose="020B0604020202020204" pitchFamily="34" charset="0"/>
+              </a:rPr>
+              <a:t>FIFOwidth10_depth</a:t>
+            </a:r>
+            <a:r>
+              <a:rPr lang="it-IT" sz="1400" dirty="0">
+                <a:latin typeface="Helvetica" panose="020B0604020202020204" pitchFamily="34" charset="0"/>
+                <a:cs typeface="Helvetica" panose="020B0604020202020204" pitchFamily="34" charset="0"/>
+              </a:rPr>
+              <a:t>?</a:t>
+            </a:r>
+          </a:p>
+        </p:txBody>
+      </p:sp>
+      <p:cxnSp>
+        <p:nvCxnSpPr>
+          <p:cNvPr id="26" name="Connettore diritto 25">
+            <a:extLst>
+              <a:ext uri="{FF2B5EF4-FFF2-40B4-BE49-F238E27FC236}">
+                <a16:creationId xmlns:a16="http://schemas.microsoft.com/office/drawing/2014/main" id="{88D9E532-7F21-0024-0130-54C5E0ABCE30}"/>
+              </a:ext>
+            </a:extLst>
+          </p:cNvPr>
+          <p:cNvCxnSpPr>
+            <a:endCxn id="17" idx="1"/>
+          </p:cNvCxnSpPr>
+          <p:nvPr/>
+        </p:nvCxnSpPr>
+        <p:spPr>
+          <a:xfrm>
+            <a:off x="5211299" y="3168999"/>
+            <a:ext cx="190261" cy="138499"/>
+          </a:xfrm>
+          <a:prstGeom prst="line">
+            <a:avLst/>
+          </a:prstGeom>
+        </p:spPr>
+        <p:style>
+          <a:lnRef idx="2">
+            <a:schemeClr val="dk1"/>
+          </a:lnRef>
+          <a:fillRef idx="0">
+            <a:schemeClr val="dk1"/>
+          </a:fillRef>
+          <a:effectRef idx="1">
+            <a:schemeClr val="dk1"/>
+          </a:effectRef>
+          <a:fontRef idx="minor">
+            <a:schemeClr val="tx1"/>
+          </a:fontRef>
+        </p:style>
+      </p:cxnSp>
+      <p:cxnSp>
+        <p:nvCxnSpPr>
+          <p:cNvPr id="28" name="Connettore diritto 27">
+            <a:extLst>
+              <a:ext uri="{FF2B5EF4-FFF2-40B4-BE49-F238E27FC236}">
+                <a16:creationId xmlns:a16="http://schemas.microsoft.com/office/drawing/2014/main" id="{C720E1A0-DBC4-2B5F-94F5-9BB97397A8A2}"/>
+              </a:ext>
+            </a:extLst>
+          </p:cNvPr>
+          <p:cNvCxnSpPr>
+            <a:cxnSpLocks/>
+            <a:stCxn id="17" idx="1"/>
+          </p:cNvCxnSpPr>
+          <p:nvPr/>
+        </p:nvCxnSpPr>
+        <p:spPr>
+          <a:xfrm flipH="1">
+            <a:off x="5172482" y="3307499"/>
+            <a:ext cx="229078" cy="160924"/>
+          </a:xfrm>
+          <a:prstGeom prst="line">
+            <a:avLst/>
+          </a:prstGeom>
         </p:spPr>
         <p:style>
           <a:lnRef idx="2">
@@ -7368,7 +7804,7 @@
 </p:sld>
 </file>
 
-<file path=ppt/slides/slide4.xml><?xml version="1.0" encoding="utf-8"?>
+<file path=ppt/slides/slide5.xml><?xml version="1.0" encoding="utf-8"?>
 <p:sld xmlns:a="http://schemas.openxmlformats.org/drawingml/2006/main" xmlns:r="http://schemas.openxmlformats.org/officeDocument/2006/relationships" xmlns:p="http://schemas.openxmlformats.org/presentationml/2006/main">
   <p:cSld>
     <p:spTree>
@@ -8995,7 +9431,7 @@
 </p:sld>
 </file>
 
-<file path=ppt/slides/slide5.xml><?xml version="1.0" encoding="utf-8"?>
+<file path=ppt/slides/slide6.xml><?xml version="1.0" encoding="utf-8"?>
 <p:sld xmlns:a="http://schemas.openxmlformats.org/drawingml/2006/main" xmlns:r="http://schemas.openxmlformats.org/officeDocument/2006/relationships" xmlns:p="http://schemas.openxmlformats.org/presentationml/2006/main">
   <p:cSld>
     <p:spTree>
@@ -9829,6 +10265,117 @@
     <p:extLst>
       <p:ext uri="{BB962C8B-B14F-4D97-AF65-F5344CB8AC3E}">
         <p14:creationId xmlns:p14="http://schemas.microsoft.com/office/powerpoint/2010/main" val="2654750685"/>
+      </p:ext>
+    </p:extLst>
+  </p:cSld>
+  <p:clrMapOvr>
+    <a:masterClrMapping/>
+  </p:clrMapOvr>
+</p:sld>
+</file>
+
+<file path=ppt/slides/slide7.xml><?xml version="1.0" encoding="utf-8"?>
+<p:sld xmlns:a="http://schemas.openxmlformats.org/drawingml/2006/main" xmlns:r="http://schemas.openxmlformats.org/officeDocument/2006/relationships" xmlns:p="http://schemas.openxmlformats.org/presentationml/2006/main">
+  <p:cSld>
+    <p:spTree>
+      <p:nvGrpSpPr>
+        <p:cNvPr id="1" name=""/>
+        <p:cNvGrpSpPr/>
+        <p:nvPr/>
+      </p:nvGrpSpPr>
+      <p:grpSpPr>
+        <a:xfrm>
+          <a:off x="0" y="0"/>
+          <a:ext cx="0" cy="0"/>
+          <a:chOff x="0" y="0"/>
+          <a:chExt cx="0" cy="0"/>
+        </a:xfrm>
+      </p:grpSpPr>
+      <p:sp>
+        <p:nvSpPr>
+          <p:cNvPr id="2" name="Titolo 1">
+            <a:extLst>
+              <a:ext uri="{FF2B5EF4-FFF2-40B4-BE49-F238E27FC236}">
+                <a16:creationId xmlns:a16="http://schemas.microsoft.com/office/drawing/2014/main" id="{51F0D902-C3B3-8A45-572A-9FF61426AB35}"/>
+              </a:ext>
+            </a:extLst>
+          </p:cNvPr>
+          <p:cNvSpPr>
+            <a:spLocks noGrp="1"/>
+          </p:cNvSpPr>
+          <p:nvPr>
+            <p:ph type="title"/>
+          </p:nvPr>
+        </p:nvSpPr>
+        <p:spPr/>
+        <p:txBody>
+          <a:bodyPr/>
+          <a:lstStyle/>
+          <a:p>
+            <a:r>
+              <a:rPr lang="en-US" dirty="0"/>
+              <a:t>Choice of depth</a:t>
+            </a:r>
+            <a:endParaRPr lang="it-IT" dirty="0"/>
+          </a:p>
+        </p:txBody>
+      </p:sp>
+      <p:sp>
+        <p:nvSpPr>
+          <p:cNvPr id="3" name="Segnaposto contenuto 2">
+            <a:extLst>
+              <a:ext uri="{FF2B5EF4-FFF2-40B4-BE49-F238E27FC236}">
+                <a16:creationId xmlns:a16="http://schemas.microsoft.com/office/drawing/2014/main" id="{0934A624-DCB0-11BB-80B4-EFA5A427A078}"/>
+              </a:ext>
+            </a:extLst>
+          </p:cNvPr>
+          <p:cNvSpPr>
+            <a:spLocks noGrp="1"/>
+          </p:cNvSpPr>
+          <p:nvPr>
+            <p:ph idx="1"/>
+          </p:nvPr>
+        </p:nvSpPr>
+        <p:spPr/>
+        <p:txBody>
+          <a:bodyPr>
+            <a:normAutofit/>
+          </a:bodyPr>
+          <a:lstStyle/>
+          <a:p>
+            <a:pPr marL="0" indent="0">
+              <a:buNone/>
+            </a:pPr>
+            <a:r>
+              <a:rPr lang="en-US" sz="2000" dirty="0"/>
+              <a:t>The choice of depth is a compromise between:</a:t>
+            </a:r>
+          </a:p>
+          <a:p>
+            <a:r>
+              <a:rPr lang="en-US" sz="2000" dirty="0"/>
+              <a:t>Maximum clock frequency</a:t>
+            </a:r>
+          </a:p>
+          <a:p>
+            <a:r>
+              <a:rPr lang="en-US" sz="2000" dirty="0"/>
+              <a:t>Expected average event frequency</a:t>
+            </a:r>
+          </a:p>
+          <a:p>
+            <a:r>
+              <a:rPr lang="en-US" sz="2000" dirty="0"/>
+              <a:t>Power</a:t>
+            </a:r>
+            <a:endParaRPr lang="it-IT" sz="2000" dirty="0"/>
+          </a:p>
+        </p:txBody>
+      </p:sp>
+    </p:spTree>
+    <p:extLst>
+      <p:ext uri="{BB962C8B-B14F-4D97-AF65-F5344CB8AC3E}">
+        <p14:creationId xmlns:p14="http://schemas.microsoft.com/office/powerpoint/2010/main" val="1329315143"/>
       </p:ext>
     </p:extLst>
   </p:cSld>

--- a/poject.pptx
+++ b/poject.pptx
@@ -8,10 +8,11 @@
     <p:sldId id="256" r:id="rId2"/>
     <p:sldId id="257" r:id="rId3"/>
     <p:sldId id="262" r:id="rId4"/>
-    <p:sldId id="258" r:id="rId5"/>
-    <p:sldId id="259" r:id="rId6"/>
-    <p:sldId id="260" r:id="rId7"/>
-    <p:sldId id="261" r:id="rId8"/>
+    <p:sldId id="263" r:id="rId5"/>
+    <p:sldId id="258" r:id="rId6"/>
+    <p:sldId id="259" r:id="rId7"/>
+    <p:sldId id="260" r:id="rId8"/>
+    <p:sldId id="261" r:id="rId9"/>
   </p:sldIdLst>
   <p:sldSz cx="12192000" cy="6858000"/>
   <p:notesSz cx="6858000" cy="9144000"/>
@@ -278,7 +279,7 @@
           <a:p>
             <a:fld id="{D1A5A9CC-028A-4668-9402-8AF1101129FF}" type="datetimeFigureOut">
               <a:rPr lang="it-IT" smtClean="0"/>
-              <a:t>01/02/2026</a:t>
+              <a:t>02/02/2026</a:t>
             </a:fld>
             <a:endParaRPr lang="it-IT"/>
           </a:p>
@@ -478,7 +479,7 @@
           <a:p>
             <a:fld id="{D1A5A9CC-028A-4668-9402-8AF1101129FF}" type="datetimeFigureOut">
               <a:rPr lang="it-IT" smtClean="0"/>
-              <a:t>01/02/2026</a:t>
+              <a:t>02/02/2026</a:t>
             </a:fld>
             <a:endParaRPr lang="it-IT"/>
           </a:p>
@@ -688,7 +689,7 @@
           <a:p>
             <a:fld id="{D1A5A9CC-028A-4668-9402-8AF1101129FF}" type="datetimeFigureOut">
               <a:rPr lang="it-IT" smtClean="0"/>
-              <a:t>01/02/2026</a:t>
+              <a:t>02/02/2026</a:t>
             </a:fld>
             <a:endParaRPr lang="it-IT"/>
           </a:p>
@@ -888,7 +889,7 @@
           <a:p>
             <a:fld id="{D1A5A9CC-028A-4668-9402-8AF1101129FF}" type="datetimeFigureOut">
               <a:rPr lang="it-IT" smtClean="0"/>
-              <a:t>01/02/2026</a:t>
+              <a:t>02/02/2026</a:t>
             </a:fld>
             <a:endParaRPr lang="it-IT"/>
           </a:p>
@@ -1164,7 +1165,7 @@
           <a:p>
             <a:fld id="{D1A5A9CC-028A-4668-9402-8AF1101129FF}" type="datetimeFigureOut">
               <a:rPr lang="it-IT" smtClean="0"/>
-              <a:t>01/02/2026</a:t>
+              <a:t>02/02/2026</a:t>
             </a:fld>
             <a:endParaRPr lang="it-IT"/>
           </a:p>
@@ -1432,7 +1433,7 @@
           <a:p>
             <a:fld id="{D1A5A9CC-028A-4668-9402-8AF1101129FF}" type="datetimeFigureOut">
               <a:rPr lang="it-IT" smtClean="0"/>
-              <a:t>01/02/2026</a:t>
+              <a:t>02/02/2026</a:t>
             </a:fld>
             <a:endParaRPr lang="it-IT"/>
           </a:p>
@@ -1847,7 +1848,7 @@
           <a:p>
             <a:fld id="{D1A5A9CC-028A-4668-9402-8AF1101129FF}" type="datetimeFigureOut">
               <a:rPr lang="it-IT" smtClean="0"/>
-              <a:t>01/02/2026</a:t>
+              <a:t>02/02/2026</a:t>
             </a:fld>
             <a:endParaRPr lang="it-IT"/>
           </a:p>
@@ -1989,7 +1990,7 @@
           <a:p>
             <a:fld id="{D1A5A9CC-028A-4668-9402-8AF1101129FF}" type="datetimeFigureOut">
               <a:rPr lang="it-IT" smtClean="0"/>
-              <a:t>01/02/2026</a:t>
+              <a:t>02/02/2026</a:t>
             </a:fld>
             <a:endParaRPr lang="it-IT"/>
           </a:p>
@@ -2102,7 +2103,7 @@
           <a:p>
             <a:fld id="{D1A5A9CC-028A-4668-9402-8AF1101129FF}" type="datetimeFigureOut">
               <a:rPr lang="it-IT" smtClean="0"/>
-              <a:t>01/02/2026</a:t>
+              <a:t>02/02/2026</a:t>
             </a:fld>
             <a:endParaRPr lang="it-IT"/>
           </a:p>
@@ -2415,7 +2416,7 @@
           <a:p>
             <a:fld id="{D1A5A9CC-028A-4668-9402-8AF1101129FF}" type="datetimeFigureOut">
               <a:rPr lang="it-IT" smtClean="0"/>
-              <a:t>01/02/2026</a:t>
+              <a:t>02/02/2026</a:t>
             </a:fld>
             <a:endParaRPr lang="it-IT"/>
           </a:p>
@@ -2704,7 +2705,7 @@
           <a:p>
             <a:fld id="{D1A5A9CC-028A-4668-9402-8AF1101129FF}" type="datetimeFigureOut">
               <a:rPr lang="it-IT" smtClean="0"/>
-              <a:t>01/02/2026</a:t>
+              <a:t>02/02/2026</a:t>
             </a:fld>
             <a:endParaRPr lang="it-IT"/>
           </a:p>
@@ -2947,7 +2948,7 @@
           <a:p>
             <a:fld id="{D1A5A9CC-028A-4668-9402-8AF1101129FF}" type="datetimeFigureOut">
               <a:rPr lang="it-IT" smtClean="0"/>
-              <a:t>01/02/2026</a:t>
+              <a:t>02/02/2026</a:t>
             </a:fld>
             <a:endParaRPr lang="it-IT"/>
           </a:p>
@@ -6560,6 +6561,516 @@
           </a:prstGeom>
         </p:spPr>
       </p:pic>
+      <p:sp>
+        <p:nvSpPr>
+          <p:cNvPr id="4" name="CasellaDiTesto 3">
+            <a:extLst>
+              <a:ext uri="{FF2B5EF4-FFF2-40B4-BE49-F238E27FC236}">
+                <a16:creationId xmlns:a16="http://schemas.microsoft.com/office/drawing/2014/main" id="{C3BD7DD0-E9C7-48C0-6E26-B056F46B4710}"/>
+              </a:ext>
+            </a:extLst>
+          </p:cNvPr>
+          <p:cNvSpPr txBox="1"/>
+          <p:nvPr/>
+        </p:nvSpPr>
+        <p:spPr>
+          <a:xfrm>
+            <a:off x="3721608" y="5691737"/>
+            <a:ext cx="716863" cy="369332"/>
+          </a:xfrm>
+          <a:prstGeom prst="rect">
+            <a:avLst/>
+          </a:prstGeom>
+          <a:noFill/>
+        </p:spPr>
+        <p:txBody>
+          <a:bodyPr wrap="none" rtlCol="0">
+            <a:spAutoFit/>
+          </a:bodyPr>
+          <a:lstStyle/>
+          <a:p>
+            <a:r>
+              <a:rPr lang="it-IT" dirty="0"/>
+              <a:t>10 ns</a:t>
+            </a:r>
+          </a:p>
+        </p:txBody>
+      </p:sp>
+      <p:cxnSp>
+        <p:nvCxnSpPr>
+          <p:cNvPr id="10" name="Connettore diritto 9">
+            <a:extLst>
+              <a:ext uri="{FF2B5EF4-FFF2-40B4-BE49-F238E27FC236}">
+                <a16:creationId xmlns:a16="http://schemas.microsoft.com/office/drawing/2014/main" id="{AF7410B4-5152-EBE9-0483-BFD9CD31A67D}"/>
+              </a:ext>
+            </a:extLst>
+          </p:cNvPr>
+          <p:cNvCxnSpPr>
+            <a:cxnSpLocks/>
+          </p:cNvCxnSpPr>
+          <p:nvPr/>
+        </p:nvCxnSpPr>
+        <p:spPr>
+          <a:xfrm>
+            <a:off x="4295590" y="6061069"/>
+            <a:ext cx="0" cy="298563"/>
+          </a:xfrm>
+          <a:prstGeom prst="line">
+            <a:avLst/>
+          </a:prstGeom>
+        </p:spPr>
+        <p:style>
+          <a:lnRef idx="2">
+            <a:schemeClr val="accent1"/>
+          </a:lnRef>
+          <a:fillRef idx="0">
+            <a:schemeClr val="accent1"/>
+          </a:fillRef>
+          <a:effectRef idx="1">
+            <a:schemeClr val="accent1"/>
+          </a:effectRef>
+          <a:fontRef idx="minor">
+            <a:schemeClr val="tx1"/>
+          </a:fontRef>
+        </p:style>
+      </p:cxnSp>
+      <p:cxnSp>
+        <p:nvCxnSpPr>
+          <p:cNvPr id="11" name="Connettore diritto 10">
+            <a:extLst>
+              <a:ext uri="{FF2B5EF4-FFF2-40B4-BE49-F238E27FC236}">
+                <a16:creationId xmlns:a16="http://schemas.microsoft.com/office/drawing/2014/main" id="{B7CBA59C-3341-6BCC-C437-0BEB73EFB589}"/>
+              </a:ext>
+            </a:extLst>
+          </p:cNvPr>
+          <p:cNvCxnSpPr>
+            <a:cxnSpLocks/>
+          </p:cNvCxnSpPr>
+          <p:nvPr/>
+        </p:nvCxnSpPr>
+        <p:spPr>
+          <a:xfrm>
+            <a:off x="3890206" y="6061068"/>
+            <a:ext cx="0" cy="298563"/>
+          </a:xfrm>
+          <a:prstGeom prst="line">
+            <a:avLst/>
+          </a:prstGeom>
+        </p:spPr>
+        <p:style>
+          <a:lnRef idx="2">
+            <a:schemeClr val="accent1"/>
+          </a:lnRef>
+          <a:fillRef idx="0">
+            <a:schemeClr val="accent1"/>
+          </a:fillRef>
+          <a:effectRef idx="1">
+            <a:schemeClr val="accent1"/>
+          </a:effectRef>
+          <a:fontRef idx="minor">
+            <a:schemeClr val="tx1"/>
+          </a:fontRef>
+        </p:style>
+      </p:cxnSp>
+      <p:cxnSp>
+        <p:nvCxnSpPr>
+          <p:cNvPr id="13" name="Connettore diritto 12">
+            <a:extLst>
+              <a:ext uri="{FF2B5EF4-FFF2-40B4-BE49-F238E27FC236}">
+                <a16:creationId xmlns:a16="http://schemas.microsoft.com/office/drawing/2014/main" id="{FBDE71B7-15A1-E801-2FC6-3848167D50C6}"/>
+              </a:ext>
+            </a:extLst>
+          </p:cNvPr>
+          <p:cNvCxnSpPr/>
+          <p:nvPr/>
+        </p:nvCxnSpPr>
+        <p:spPr>
+          <a:xfrm>
+            <a:off x="3890206" y="6210349"/>
+            <a:ext cx="405384" cy="0"/>
+          </a:xfrm>
+          <a:prstGeom prst="line">
+            <a:avLst/>
+          </a:prstGeom>
+        </p:spPr>
+        <p:style>
+          <a:lnRef idx="2">
+            <a:schemeClr val="accent1"/>
+          </a:lnRef>
+          <a:fillRef idx="0">
+            <a:schemeClr val="accent1"/>
+          </a:fillRef>
+          <a:effectRef idx="1">
+            <a:schemeClr val="accent1"/>
+          </a:effectRef>
+          <a:fontRef idx="minor">
+            <a:schemeClr val="tx1"/>
+          </a:fontRef>
+        </p:style>
+      </p:cxnSp>
+      <p:cxnSp>
+        <p:nvCxnSpPr>
+          <p:cNvPr id="15" name="Connettore diritto 14">
+            <a:extLst>
+              <a:ext uri="{FF2B5EF4-FFF2-40B4-BE49-F238E27FC236}">
+                <a16:creationId xmlns:a16="http://schemas.microsoft.com/office/drawing/2014/main" id="{227A4941-EB09-8BC8-A64F-8A8C15276790}"/>
+              </a:ext>
+            </a:extLst>
+          </p:cNvPr>
+          <p:cNvCxnSpPr/>
+          <p:nvPr/>
+        </p:nvCxnSpPr>
+        <p:spPr>
+          <a:xfrm>
+            <a:off x="3890206" y="6455664"/>
+            <a:ext cx="0" cy="246888"/>
+          </a:xfrm>
+          <a:prstGeom prst="line">
+            <a:avLst/>
+          </a:prstGeom>
+        </p:spPr>
+        <p:style>
+          <a:lnRef idx="2">
+            <a:schemeClr val="accent1"/>
+          </a:lnRef>
+          <a:fillRef idx="0">
+            <a:schemeClr val="accent1"/>
+          </a:fillRef>
+          <a:effectRef idx="1">
+            <a:schemeClr val="accent1"/>
+          </a:effectRef>
+          <a:fontRef idx="minor">
+            <a:schemeClr val="tx1"/>
+          </a:fontRef>
+        </p:style>
+      </p:cxnSp>
+      <p:cxnSp>
+        <p:nvCxnSpPr>
+          <p:cNvPr id="17" name="Connettore diritto 16">
+            <a:extLst>
+              <a:ext uri="{FF2B5EF4-FFF2-40B4-BE49-F238E27FC236}">
+                <a16:creationId xmlns:a16="http://schemas.microsoft.com/office/drawing/2014/main" id="{71C6805E-6BF8-380A-5809-9A2B6BE80C13}"/>
+              </a:ext>
+            </a:extLst>
+          </p:cNvPr>
+          <p:cNvCxnSpPr/>
+          <p:nvPr/>
+        </p:nvCxnSpPr>
+        <p:spPr>
+          <a:xfrm>
+            <a:off x="3890206" y="6579108"/>
+            <a:ext cx="4833170" cy="0"/>
+          </a:xfrm>
+          <a:prstGeom prst="line">
+            <a:avLst/>
+          </a:prstGeom>
+        </p:spPr>
+        <p:style>
+          <a:lnRef idx="2">
+            <a:schemeClr val="accent1"/>
+          </a:lnRef>
+          <a:fillRef idx="0">
+            <a:schemeClr val="accent1"/>
+          </a:fillRef>
+          <a:effectRef idx="1">
+            <a:schemeClr val="accent1"/>
+          </a:effectRef>
+          <a:fontRef idx="minor">
+            <a:schemeClr val="tx1"/>
+          </a:fontRef>
+        </p:style>
+      </p:cxnSp>
+      <p:cxnSp>
+        <p:nvCxnSpPr>
+          <p:cNvPr id="19" name="Connettore diritto 18">
+            <a:extLst>
+              <a:ext uri="{FF2B5EF4-FFF2-40B4-BE49-F238E27FC236}">
+                <a16:creationId xmlns:a16="http://schemas.microsoft.com/office/drawing/2014/main" id="{335DBB50-09D3-AC44-C9E1-592DEA0986CA}"/>
+              </a:ext>
+            </a:extLst>
+          </p:cNvPr>
+          <p:cNvCxnSpPr/>
+          <p:nvPr/>
+        </p:nvCxnSpPr>
+        <p:spPr>
+          <a:xfrm>
+            <a:off x="8714232" y="6359631"/>
+            <a:ext cx="0" cy="342921"/>
+          </a:xfrm>
+          <a:prstGeom prst="line">
+            <a:avLst/>
+          </a:prstGeom>
+        </p:spPr>
+        <p:style>
+          <a:lnRef idx="2">
+            <a:schemeClr val="accent1"/>
+          </a:lnRef>
+          <a:fillRef idx="0">
+            <a:schemeClr val="accent1"/>
+          </a:fillRef>
+          <a:effectRef idx="1">
+            <a:schemeClr val="accent1"/>
+          </a:effectRef>
+          <a:fontRef idx="minor">
+            <a:schemeClr val="tx1"/>
+          </a:fontRef>
+        </p:style>
+      </p:cxnSp>
+      <p:sp>
+        <p:nvSpPr>
+          <p:cNvPr id="20" name="CasellaDiTesto 19">
+            <a:extLst>
+              <a:ext uri="{FF2B5EF4-FFF2-40B4-BE49-F238E27FC236}">
+                <a16:creationId xmlns:a16="http://schemas.microsoft.com/office/drawing/2014/main" id="{99BF37BC-38B8-A35F-CCB3-3163109B3A09}"/>
+              </a:ext>
+            </a:extLst>
+          </p:cNvPr>
+          <p:cNvSpPr txBox="1"/>
+          <p:nvPr/>
+        </p:nvSpPr>
+        <p:spPr>
+          <a:xfrm>
+            <a:off x="5751576" y="6210349"/>
+            <a:ext cx="793807" cy="369332"/>
+          </a:xfrm>
+          <a:prstGeom prst="rect">
+            <a:avLst/>
+          </a:prstGeom>
+          <a:noFill/>
+        </p:spPr>
+        <p:txBody>
+          <a:bodyPr wrap="none" rtlCol="0">
+            <a:spAutoFit/>
+          </a:bodyPr>
+          <a:lstStyle/>
+          <a:p>
+            <a:r>
+              <a:rPr lang="it-IT" dirty="0"/>
+              <a:t>100ns</a:t>
+            </a:r>
+          </a:p>
+        </p:txBody>
+      </p:sp>
+      <p:cxnSp>
+        <p:nvCxnSpPr>
+          <p:cNvPr id="22" name="Connettore diritto 21">
+            <a:extLst>
+              <a:ext uri="{FF2B5EF4-FFF2-40B4-BE49-F238E27FC236}">
+                <a16:creationId xmlns:a16="http://schemas.microsoft.com/office/drawing/2014/main" id="{6C113FB6-5434-3348-E7D3-A93DA6F83C9B}"/>
+              </a:ext>
+            </a:extLst>
+          </p:cNvPr>
+          <p:cNvCxnSpPr/>
+          <p:nvPr/>
+        </p:nvCxnSpPr>
+        <p:spPr>
+          <a:xfrm>
+            <a:off x="1508081" y="722376"/>
+            <a:ext cx="443650" cy="0"/>
+          </a:xfrm>
+          <a:prstGeom prst="line">
+            <a:avLst/>
+          </a:prstGeom>
+        </p:spPr>
+        <p:style>
+          <a:lnRef idx="2">
+            <a:schemeClr val="accent1"/>
+          </a:lnRef>
+          <a:fillRef idx="0">
+            <a:schemeClr val="accent1"/>
+          </a:fillRef>
+          <a:effectRef idx="1">
+            <a:schemeClr val="accent1"/>
+          </a:effectRef>
+          <a:fontRef idx="minor">
+            <a:schemeClr val="tx1"/>
+          </a:fontRef>
+        </p:style>
+      </p:cxnSp>
+      <p:cxnSp>
+        <p:nvCxnSpPr>
+          <p:cNvPr id="23" name="Connettore diritto 22">
+            <a:extLst>
+              <a:ext uri="{FF2B5EF4-FFF2-40B4-BE49-F238E27FC236}">
+                <a16:creationId xmlns:a16="http://schemas.microsoft.com/office/drawing/2014/main" id="{FD7114F3-5EF4-BDE6-E401-37DEA2619D00}"/>
+              </a:ext>
+            </a:extLst>
+          </p:cNvPr>
+          <p:cNvCxnSpPr/>
+          <p:nvPr/>
+        </p:nvCxnSpPr>
+        <p:spPr>
+          <a:xfrm>
+            <a:off x="1508081" y="3429000"/>
+            <a:ext cx="443650" cy="0"/>
+          </a:xfrm>
+          <a:prstGeom prst="line">
+            <a:avLst/>
+          </a:prstGeom>
+        </p:spPr>
+        <p:style>
+          <a:lnRef idx="2">
+            <a:schemeClr val="accent1"/>
+          </a:lnRef>
+          <a:fillRef idx="0">
+            <a:schemeClr val="accent1"/>
+          </a:fillRef>
+          <a:effectRef idx="1">
+            <a:schemeClr val="accent1"/>
+          </a:effectRef>
+          <a:fontRef idx="minor">
+            <a:schemeClr val="tx1"/>
+          </a:fontRef>
+        </p:style>
+      </p:cxnSp>
+      <p:cxnSp>
+        <p:nvCxnSpPr>
+          <p:cNvPr id="25" name="Connettore diritto 24">
+            <a:extLst>
+              <a:ext uri="{FF2B5EF4-FFF2-40B4-BE49-F238E27FC236}">
+                <a16:creationId xmlns:a16="http://schemas.microsoft.com/office/drawing/2014/main" id="{1B2C961D-1648-17BF-79B2-62429379CC7C}"/>
+              </a:ext>
+            </a:extLst>
+          </p:cNvPr>
+          <p:cNvCxnSpPr/>
+          <p:nvPr/>
+        </p:nvCxnSpPr>
+        <p:spPr>
+          <a:xfrm>
+            <a:off x="1729906" y="722376"/>
+            <a:ext cx="0" cy="2706624"/>
+          </a:xfrm>
+          <a:prstGeom prst="line">
+            <a:avLst/>
+          </a:prstGeom>
+        </p:spPr>
+        <p:style>
+          <a:lnRef idx="2">
+            <a:schemeClr val="accent1"/>
+          </a:lnRef>
+          <a:fillRef idx="0">
+            <a:schemeClr val="accent1"/>
+          </a:fillRef>
+          <a:effectRef idx="1">
+            <a:schemeClr val="accent1"/>
+          </a:effectRef>
+          <a:fontRef idx="minor">
+            <a:schemeClr val="tx1"/>
+          </a:fontRef>
+        </p:style>
+      </p:cxnSp>
+      <mc:AlternateContent xmlns:mc="http://schemas.openxmlformats.org/markup-compatibility/2006">
+        <mc:Choice xmlns:a14="http://schemas.microsoft.com/office/drawing/2010/main" Requires="a14">
+          <p:sp>
+            <p:nvSpPr>
+              <p:cNvPr id="26" name="CasellaDiTesto 25">
+                <a:extLst>
+                  <a:ext uri="{FF2B5EF4-FFF2-40B4-BE49-F238E27FC236}">
+                    <a16:creationId xmlns:a16="http://schemas.microsoft.com/office/drawing/2014/main" id="{03B3D586-B6F9-1A4D-48A3-CE36BEEFAEFC}"/>
+                  </a:ext>
+                </a:extLst>
+              </p:cNvPr>
+              <p:cNvSpPr txBox="1"/>
+              <p:nvPr/>
+            </p:nvSpPr>
+            <p:spPr>
+              <a:xfrm>
+                <a:off x="555288" y="1735112"/>
+                <a:ext cx="1130246" cy="369332"/>
+              </a:xfrm>
+              <a:prstGeom prst="rect">
+                <a:avLst/>
+              </a:prstGeom>
+              <a:noFill/>
+            </p:spPr>
+            <p:txBody>
+              <a:bodyPr wrap="none" rtlCol="0">
+                <a:spAutoFit/>
+              </a:bodyPr>
+              <a:lstStyle/>
+              <a:p>
+                <a14:m>
+                  <m:oMath xmlns:m="http://schemas.openxmlformats.org/officeDocument/2006/math">
+                    <m:sSup>
+                      <m:sSupPr>
+                        <m:ctrlPr>
+                          <a:rPr lang="it-IT" i="1" smtClean="0">
+                            <a:latin typeface="Cambria Math" panose="02040503050406030204" pitchFamily="18" charset="0"/>
+                          </a:rPr>
+                        </m:ctrlPr>
+                      </m:sSupPr>
+                      <m:e>
+                        <m:r>
+                          <a:rPr lang="it-IT" b="0" i="1" smtClean="0">
+                            <a:latin typeface="Cambria Math" panose="02040503050406030204" pitchFamily="18" charset="0"/>
+                          </a:rPr>
+                          <m:t>2</m:t>
+                        </m:r>
+                      </m:e>
+                      <m:sup>
+                        <m:r>
+                          <a:rPr lang="it-IT" b="0" i="1" smtClean="0">
+                            <a:latin typeface="Cambria Math" panose="02040503050406030204" pitchFamily="18" charset="0"/>
+                          </a:rPr>
+                          <m:t>10</m:t>
+                        </m:r>
+                      </m:sup>
+                    </m:sSup>
+                  </m:oMath>
+                </a14:m>
+                <a:r>
+                  <a:rPr lang="it-IT" dirty="0"/>
+                  <a:t>=1024</a:t>
+                </a:r>
+              </a:p>
+            </p:txBody>
+          </p:sp>
+        </mc:Choice>
+        <mc:Fallback>
+          <p:sp>
+            <p:nvSpPr>
+              <p:cNvPr id="26" name="CasellaDiTesto 25">
+                <a:extLst>
+                  <a:ext uri="{FF2B5EF4-FFF2-40B4-BE49-F238E27FC236}">
+                    <a16:creationId xmlns:a16="http://schemas.microsoft.com/office/drawing/2014/main" id="{03B3D586-B6F9-1A4D-48A3-CE36BEEFAEFC}"/>
+                  </a:ext>
+                </a:extLst>
+              </p:cNvPr>
+              <p:cNvSpPr txBox="1">
+                <a:spLocks noRot="1" noChangeAspect="1" noMove="1" noResize="1" noEditPoints="1" noAdjustHandles="1" noChangeArrowheads="1" noChangeShapeType="1" noTextEdit="1"/>
+              </p:cNvSpPr>
+              <p:nvPr/>
+            </p:nvSpPr>
+            <p:spPr>
+              <a:xfrm>
+                <a:off x="555288" y="1735112"/>
+                <a:ext cx="1130246" cy="369332"/>
+              </a:xfrm>
+              <a:prstGeom prst="rect">
+                <a:avLst/>
+              </a:prstGeom>
+              <a:blipFill>
+                <a:blip r:embed="rId5"/>
+                <a:stretch>
+                  <a:fillRect t="-8333" r="-3784" b="-28333"/>
+                </a:stretch>
+              </a:blipFill>
+            </p:spPr>
+            <p:txBody>
+              <a:bodyPr/>
+              <a:lstStyle/>
+              <a:p>
+                <a:r>
+                  <a:rPr lang="it-IT">
+                    <a:noFill/>
+                  </a:rPr>
+                  <a:t> </a:t>
+                </a:r>
+              </a:p>
+            </p:txBody>
+          </p:sp>
+        </mc:Fallback>
+      </mc:AlternateContent>
     </p:spTree>
     <p:extLst>
       <p:ext uri="{BB962C8B-B14F-4D97-AF65-F5344CB8AC3E}">
@@ -6574,6 +7085,108 @@
 </file>
 
 <file path=ppt/slides/slide4.xml><?xml version="1.0" encoding="utf-8"?>
+<p:sld xmlns:a="http://schemas.openxmlformats.org/drawingml/2006/main" xmlns:r="http://schemas.openxmlformats.org/officeDocument/2006/relationships" xmlns:p="http://schemas.openxmlformats.org/presentationml/2006/main">
+  <p:cSld>
+    <p:spTree>
+      <p:nvGrpSpPr>
+        <p:cNvPr id="1" name=""/>
+        <p:cNvGrpSpPr/>
+        <p:nvPr/>
+      </p:nvGrpSpPr>
+      <p:grpSpPr>
+        <a:xfrm>
+          <a:off x="0" y="0"/>
+          <a:ext cx="0" cy="0"/>
+          <a:chOff x="0" y="0"/>
+          <a:chExt cx="0" cy="0"/>
+        </a:xfrm>
+      </p:grpSpPr>
+      <p:pic>
+        <p:nvPicPr>
+          <p:cNvPr id="5" name="Segnaposto contenuto 4" descr="Immagine che contiene testo, schermata, linea, diagramma&#10;&#10;Il contenuto generato dall'IA potrebbe non essere corretto.">
+            <a:extLst>
+              <a:ext uri="{FF2B5EF4-FFF2-40B4-BE49-F238E27FC236}">
+                <a16:creationId xmlns:a16="http://schemas.microsoft.com/office/drawing/2014/main" id="{9B807510-3474-EBFB-595F-F1C533C3CEE6}"/>
+              </a:ext>
+            </a:extLst>
+          </p:cNvPr>
+          <p:cNvPicPr>
+            <a:picLocks noGrp="1" noChangeAspect="1"/>
+          </p:cNvPicPr>
+          <p:nvPr>
+            <p:ph idx="1"/>
+          </p:nvPr>
+        </p:nvPicPr>
+        <p:blipFill>
+          <a:blip r:embed="rId2">
+            <a:extLst>
+              <a:ext uri="{28A0092B-C50C-407E-A947-70E740481C1C}">
+                <a14:useLocalDpi xmlns:a14="http://schemas.microsoft.com/office/drawing/2010/main" val="0"/>
+              </a:ext>
+            </a:extLst>
+          </a:blip>
+          <a:srcRect t="4276"/>
+          <a:stretch>
+            <a:fillRect/>
+          </a:stretch>
+        </p:blipFill>
+        <p:spPr>
+          <a:xfrm>
+            <a:off x="940920" y="1097279"/>
+            <a:ext cx="6268511" cy="4165283"/>
+          </a:xfrm>
+        </p:spPr>
+      </p:pic>
+      <p:pic>
+        <p:nvPicPr>
+          <p:cNvPr id="7" name="Immagine 6" descr="Immagine che contiene testo, schermata, Carattere&#10;&#10;Il contenuto generato dall'IA potrebbe non essere corretto.">
+            <a:extLst>
+              <a:ext uri="{FF2B5EF4-FFF2-40B4-BE49-F238E27FC236}">
+                <a16:creationId xmlns:a16="http://schemas.microsoft.com/office/drawing/2014/main" id="{43655C99-32CF-B8FA-FBBC-96012A2F56AB}"/>
+              </a:ext>
+            </a:extLst>
+          </p:cNvPr>
+          <p:cNvPicPr>
+            <a:picLocks noChangeAspect="1"/>
+          </p:cNvPicPr>
+          <p:nvPr/>
+        </p:nvPicPr>
+        <p:blipFill>
+          <a:blip r:embed="rId3">
+            <a:extLst>
+              <a:ext uri="{28A0092B-C50C-407E-A947-70E740481C1C}">
+                <a14:useLocalDpi xmlns:a14="http://schemas.microsoft.com/office/drawing/2010/main" val="0"/>
+              </a:ext>
+            </a:extLst>
+          </a:blip>
+          <a:stretch>
+            <a:fillRect/>
+          </a:stretch>
+        </p:blipFill>
+        <p:spPr>
+          <a:xfrm>
+            <a:off x="7466548" y="658957"/>
+            <a:ext cx="4153480" cy="5210902"/>
+          </a:xfrm>
+          <a:prstGeom prst="rect">
+            <a:avLst/>
+          </a:prstGeom>
+        </p:spPr>
+      </p:pic>
+    </p:spTree>
+    <p:extLst>
+      <p:ext uri="{BB962C8B-B14F-4D97-AF65-F5344CB8AC3E}">
+        <p14:creationId xmlns:p14="http://schemas.microsoft.com/office/powerpoint/2010/main" val="1553007040"/>
+      </p:ext>
+    </p:extLst>
+  </p:cSld>
+  <p:clrMapOvr>
+    <a:masterClrMapping/>
+  </p:clrMapOvr>
+</p:sld>
+</file>
+
+<file path=ppt/slides/slide5.xml><?xml version="1.0" encoding="utf-8"?>
 <p:sld xmlns:a="http://schemas.openxmlformats.org/drawingml/2006/main" xmlns:r="http://schemas.openxmlformats.org/officeDocument/2006/relationships" xmlns:p="http://schemas.openxmlformats.org/presentationml/2006/main">
   <p:cSld>
     <p:spTree>
@@ -7804,7 +8417,7 @@
 </p:sld>
 </file>
 
-<file path=ppt/slides/slide5.xml><?xml version="1.0" encoding="utf-8"?>
+<file path=ppt/slides/slide6.xml><?xml version="1.0" encoding="utf-8"?>
 <p:sld xmlns:a="http://schemas.openxmlformats.org/drawingml/2006/main" xmlns:r="http://schemas.openxmlformats.org/officeDocument/2006/relationships" xmlns:p="http://schemas.openxmlformats.org/presentationml/2006/main">
   <p:cSld>
     <p:spTree>
@@ -9431,7 +10044,7 @@
 </p:sld>
 </file>
 
-<file path=ppt/slides/slide6.xml><?xml version="1.0" encoding="utf-8"?>
+<file path=ppt/slides/slide7.xml><?xml version="1.0" encoding="utf-8"?>
 <p:sld xmlns:a="http://schemas.openxmlformats.org/drawingml/2006/main" xmlns:r="http://schemas.openxmlformats.org/officeDocument/2006/relationships" xmlns:p="http://schemas.openxmlformats.org/presentationml/2006/main">
   <p:cSld>
     <p:spTree>
@@ -10274,7 +10887,7 @@
 </p:sld>
 </file>
 
-<file path=ppt/slides/slide7.xml><?xml version="1.0" encoding="utf-8"?>
+<file path=ppt/slides/slide8.xml><?xml version="1.0" encoding="utf-8"?>
 <p:sld xmlns:a="http://schemas.openxmlformats.org/drawingml/2006/main" xmlns:r="http://schemas.openxmlformats.org/officeDocument/2006/relationships" xmlns:p="http://schemas.openxmlformats.org/presentationml/2006/main">
   <p:cSld>
     <p:spTree>
@@ -10354,7 +10967,7 @@
           <a:p>
             <a:r>
               <a:rPr lang="en-US" sz="2000" dirty="0"/>
-              <a:t>Maximum clock frequency</a:t>
+              <a:t>Maximum clock frequency: 100 MHz  -&gt; 1 bit 10ns -&gt; 10 bit 100ns </a:t>
             </a:r>
           </a:p>
           <a:p>
@@ -10369,6 +10982,292 @@
               <a:t>Power</a:t>
             </a:r>
             <a:endParaRPr lang="it-IT" sz="2000" dirty="0"/>
+          </a:p>
+        </p:txBody>
+      </p:sp>
+      <mc:AlternateContent xmlns:mc="http://schemas.openxmlformats.org/markup-compatibility/2006">
+        <mc:Choice xmlns:a14="http://schemas.microsoft.com/office/drawing/2010/main" Requires="a14">
+          <p:sp>
+            <p:nvSpPr>
+              <p:cNvPr id="6" name="CasellaDiTesto 5">
+                <a:extLst>
+                  <a:ext uri="{FF2B5EF4-FFF2-40B4-BE49-F238E27FC236}">
+                    <a16:creationId xmlns:a16="http://schemas.microsoft.com/office/drawing/2014/main" id="{E6A0C5A4-3099-74F6-42E7-3207D99441D2}"/>
+                  </a:ext>
+                </a:extLst>
+              </p:cNvPr>
+              <p:cNvSpPr txBox="1"/>
+              <p:nvPr/>
+            </p:nvSpPr>
+            <p:spPr>
+              <a:xfrm>
+                <a:off x="5637276" y="2971800"/>
+                <a:ext cx="2656332" cy="369332"/>
+              </a:xfrm>
+              <a:prstGeom prst="rect">
+                <a:avLst/>
+              </a:prstGeom>
+              <a:noFill/>
+            </p:spPr>
+            <p:txBody>
+              <a:bodyPr wrap="square" rtlCol="0">
+                <a:spAutoFit/>
+              </a:bodyPr>
+              <a:lstStyle/>
+              <a:p>
+                <a:r>
+                  <a:rPr lang="it-IT" dirty="0"/>
+                  <a:t> </a:t>
+                </a:r>
+                <a14:m>
+                  <m:oMath xmlns:m="http://schemas.openxmlformats.org/officeDocument/2006/math">
+                    <m:r>
+                      <a:rPr lang="it-IT" b="0" i="0" smtClean="0">
+                        <a:latin typeface="Cambria Math" panose="02040503050406030204" pitchFamily="18" charset="0"/>
+                        <a:ea typeface="Cambria Math" panose="02040503050406030204" pitchFamily="18" charset="0"/>
+                      </a:rPr>
+                      <m:t>2,3 </m:t>
+                    </m:r>
+                    <m:r>
+                      <a:rPr lang="it-IT" i="1" smtClean="0">
+                        <a:latin typeface="Cambria Math" panose="02040503050406030204" pitchFamily="18" charset="0"/>
+                        <a:ea typeface="Cambria Math" panose="02040503050406030204" pitchFamily="18" charset="0"/>
+                      </a:rPr>
+                      <m:t>𝜇</m:t>
+                    </m:r>
+                    <m:r>
+                      <a:rPr lang="it-IT" b="0" i="1" smtClean="0">
+                        <a:latin typeface="Cambria Math" panose="02040503050406030204" pitchFamily="18" charset="0"/>
+                        <a:ea typeface="Cambria Math" panose="02040503050406030204" pitchFamily="18" charset="0"/>
+                      </a:rPr>
+                      <m:t>𝑠</m:t>
+                    </m:r>
+                    <m:r>
+                      <a:rPr lang="it-IT" b="0" i="1" smtClean="0">
+                        <a:latin typeface="Cambria Math" panose="02040503050406030204" pitchFamily="18" charset="0"/>
+                        <a:ea typeface="Cambria Math" panose="02040503050406030204" pitchFamily="18" charset="0"/>
+                      </a:rPr>
+                      <m:t>=2300 </m:t>
+                    </m:r>
+                    <m:r>
+                      <a:rPr lang="it-IT" b="0" i="1" smtClean="0">
+                        <a:latin typeface="Cambria Math" panose="02040503050406030204" pitchFamily="18" charset="0"/>
+                        <a:ea typeface="Cambria Math" panose="02040503050406030204" pitchFamily="18" charset="0"/>
+                      </a:rPr>
+                      <m:t>𝑛𝑠</m:t>
+                    </m:r>
+                    <m:r>
+                      <a:rPr lang="it-IT" b="0" i="1" smtClean="0">
+                        <a:latin typeface="Cambria Math" panose="02040503050406030204" pitchFamily="18" charset="0"/>
+                        <a:ea typeface="Cambria Math" panose="02040503050406030204" pitchFamily="18" charset="0"/>
+                      </a:rPr>
+                      <m:t> </m:t>
+                    </m:r>
+                  </m:oMath>
+                </a14:m>
+                <a:endParaRPr lang="it-IT" dirty="0"/>
+              </a:p>
+            </p:txBody>
+          </p:sp>
+        </mc:Choice>
+        <mc:Fallback>
+          <p:sp>
+            <p:nvSpPr>
+              <p:cNvPr id="6" name="CasellaDiTesto 5">
+                <a:extLst>
+                  <a:ext uri="{FF2B5EF4-FFF2-40B4-BE49-F238E27FC236}">
+                    <a16:creationId xmlns:a16="http://schemas.microsoft.com/office/drawing/2014/main" id="{E6A0C5A4-3099-74F6-42E7-3207D99441D2}"/>
+                  </a:ext>
+                </a:extLst>
+              </p:cNvPr>
+              <p:cNvSpPr txBox="1">
+                <a:spLocks noRot="1" noChangeAspect="1" noMove="1" noResize="1" noEditPoints="1" noAdjustHandles="1" noChangeArrowheads="1" noChangeShapeType="1" noTextEdit="1"/>
+              </p:cNvSpPr>
+              <p:nvPr/>
+            </p:nvSpPr>
+            <p:spPr>
+              <a:xfrm>
+                <a:off x="5637276" y="2971800"/>
+                <a:ext cx="2656332" cy="369332"/>
+              </a:xfrm>
+              <a:prstGeom prst="rect">
+                <a:avLst/>
+              </a:prstGeom>
+              <a:blipFill>
+                <a:blip r:embed="rId2"/>
+                <a:stretch>
+                  <a:fillRect b="-3333"/>
+                </a:stretch>
+              </a:blipFill>
+            </p:spPr>
+            <p:txBody>
+              <a:bodyPr/>
+              <a:lstStyle/>
+              <a:p>
+                <a:r>
+                  <a:rPr lang="it-IT">
+                    <a:noFill/>
+                  </a:rPr>
+                  <a:t> </a:t>
+                </a:r>
+              </a:p>
+            </p:txBody>
+          </p:sp>
+        </mc:Fallback>
+      </mc:AlternateContent>
+      <p:sp>
+        <p:nvSpPr>
+          <p:cNvPr id="9" name="CasellaDiTesto 8">
+            <a:extLst>
+              <a:ext uri="{FF2B5EF4-FFF2-40B4-BE49-F238E27FC236}">
+                <a16:creationId xmlns:a16="http://schemas.microsoft.com/office/drawing/2014/main" id="{9D267ED1-087A-B9AE-2898-C63A4CE6579D}"/>
+              </a:ext>
+            </a:extLst>
+          </p:cNvPr>
+          <p:cNvSpPr txBox="1"/>
+          <p:nvPr/>
+        </p:nvSpPr>
+        <p:spPr>
+          <a:xfrm>
+            <a:off x="5568696" y="2582947"/>
+            <a:ext cx="3026791" cy="253916"/>
+          </a:xfrm>
+          <a:prstGeom prst="rect">
+            <a:avLst/>
+          </a:prstGeom>
+          <a:noFill/>
+        </p:spPr>
+        <p:txBody>
+          <a:bodyPr wrap="none" rtlCol="0">
+            <a:spAutoFit/>
+          </a:bodyPr>
+          <a:lstStyle/>
+          <a:p>
+            <a:r>
+              <a:rPr lang="it-IT" sz="1050" dirty="0"/>
+              <a:t>Per il</a:t>
+            </a:r>
+            <a:r>
+              <a:rPr lang="it-IT" sz="1000" dirty="0"/>
+              <a:t> reset </a:t>
+            </a:r>
+            <a:r>
+              <a:rPr lang="it-IT" sz="1050" dirty="0"/>
+              <a:t>metto10 bit a zero  in esadecimale 3FF</a:t>
+            </a:r>
+          </a:p>
+        </p:txBody>
+      </p:sp>
+      <p:pic>
+        <p:nvPicPr>
+          <p:cNvPr id="19" name="Immagine 18" descr="Immagine che contiene schermata, Software multimediale, software&#10;&#10;Il contenuto generato dall'IA potrebbe non essere corretto.">
+            <a:extLst>
+              <a:ext uri="{FF2B5EF4-FFF2-40B4-BE49-F238E27FC236}">
+                <a16:creationId xmlns:a16="http://schemas.microsoft.com/office/drawing/2014/main" id="{CCC7490E-7CC1-50FA-D5FA-FFD883D702A9}"/>
+              </a:ext>
+            </a:extLst>
+          </p:cNvPr>
+          <p:cNvPicPr>
+            <a:picLocks noChangeAspect="1"/>
+          </p:cNvPicPr>
+          <p:nvPr/>
+        </p:nvPicPr>
+        <p:blipFill>
+          <a:blip r:embed="rId3">
+            <a:extLst>
+              <a:ext uri="{28A0092B-C50C-407E-A947-70E740481C1C}">
+                <a14:useLocalDpi xmlns:a14="http://schemas.microsoft.com/office/drawing/2010/main" val="0"/>
+              </a:ext>
+            </a:extLst>
+          </a:blip>
+          <a:stretch>
+            <a:fillRect/>
+          </a:stretch>
+        </p:blipFill>
+        <p:spPr>
+          <a:xfrm>
+            <a:off x="551688" y="3476069"/>
+            <a:ext cx="9753600" cy="3152824"/>
+          </a:xfrm>
+          <a:prstGeom prst="rect">
+            <a:avLst/>
+          </a:prstGeom>
+        </p:spPr>
+      </p:pic>
+      <p:cxnSp>
+        <p:nvCxnSpPr>
+          <p:cNvPr id="20" name="Connettore diritto 19">
+            <a:extLst>
+              <a:ext uri="{FF2B5EF4-FFF2-40B4-BE49-F238E27FC236}">
+                <a16:creationId xmlns:a16="http://schemas.microsoft.com/office/drawing/2014/main" id="{7C605CFC-6039-487D-D0B6-DC073B6A4390}"/>
+              </a:ext>
+            </a:extLst>
+          </p:cNvPr>
+          <p:cNvCxnSpPr>
+            <a:cxnSpLocks/>
+          </p:cNvCxnSpPr>
+          <p:nvPr/>
+        </p:nvCxnSpPr>
+        <p:spPr>
+          <a:xfrm>
+            <a:off x="3438607" y="4326280"/>
+            <a:ext cx="292608" cy="0"/>
+          </a:xfrm>
+          <a:prstGeom prst="line">
+            <a:avLst/>
+          </a:prstGeom>
+        </p:spPr>
+        <p:style>
+          <a:lnRef idx="2">
+            <a:schemeClr val="accent5"/>
+          </a:lnRef>
+          <a:fillRef idx="0">
+            <a:schemeClr val="accent5"/>
+          </a:fillRef>
+          <a:effectRef idx="1">
+            <a:schemeClr val="accent5"/>
+          </a:effectRef>
+          <a:fontRef idx="minor">
+            <a:schemeClr val="tx1"/>
+          </a:fontRef>
+        </p:style>
+      </p:cxnSp>
+      <p:sp>
+        <p:nvSpPr>
+          <p:cNvPr id="21" name="CasellaDiTesto 20">
+            <a:extLst>
+              <a:ext uri="{FF2B5EF4-FFF2-40B4-BE49-F238E27FC236}">
+                <a16:creationId xmlns:a16="http://schemas.microsoft.com/office/drawing/2014/main" id="{26059479-27AF-92D1-336F-7003427F8FEC}"/>
+              </a:ext>
+            </a:extLst>
+          </p:cNvPr>
+          <p:cNvSpPr txBox="1"/>
+          <p:nvPr/>
+        </p:nvSpPr>
+        <p:spPr>
+          <a:xfrm>
+            <a:off x="3296641" y="4011606"/>
+            <a:ext cx="869149" cy="246221"/>
+          </a:xfrm>
+          <a:prstGeom prst="rect">
+            <a:avLst/>
+          </a:prstGeom>
+          <a:noFill/>
+        </p:spPr>
+        <p:txBody>
+          <a:bodyPr wrap="none" rtlCol="0">
+            <a:spAutoFit/>
+          </a:bodyPr>
+          <a:lstStyle/>
+          <a:p>
+            <a:r>
+              <a:rPr lang="it-IT" sz="1000" dirty="0">
+                <a:solidFill>
+                  <a:srgbClr val="FF0000"/>
+                </a:solidFill>
+              </a:rPr>
+              <a:t>2300+100ns</a:t>
+            </a:r>
           </a:p>
         </p:txBody>
       </p:sp>
